--- a/Dynamic languages/Java Slava 2013 - Dynamic languages PoV.pptx
+++ b/Dynamic languages/Java Slava 2013 - Dynamic languages PoV.pptx
@@ -5,25 +5,48 @@
     <p:sldMasterId id="2147483648" r:id="rId4"/>
   </p:sldMasterIdLst>
   <p:notesMasterIdLst>
-    <p:notesMasterId r:id="rId13"/>
+    <p:notesMasterId r:id="rId36"/>
   </p:notesMasterIdLst>
   <p:handoutMasterIdLst>
-    <p:handoutMasterId r:id="rId14"/>
+    <p:handoutMasterId r:id="rId37"/>
   </p:handoutMasterIdLst>
   <p:sldIdLst>
     <p:sldId id="313" r:id="rId5"/>
-    <p:sldId id="316" r:id="rId6"/>
+    <p:sldId id="408" r:id="rId6"/>
     <p:sldId id="317" r:id="rId7"/>
     <p:sldId id="370" r:id="rId8"/>
     <p:sldId id="371" r:id="rId9"/>
     <p:sldId id="321" r:id="rId10"/>
     <p:sldId id="378" r:id="rId11"/>
-    <p:sldId id="379" r:id="rId12"/>
+    <p:sldId id="380" r:id="rId12"/>
+    <p:sldId id="381" r:id="rId13"/>
+    <p:sldId id="382" r:id="rId14"/>
+    <p:sldId id="383" r:id="rId15"/>
+    <p:sldId id="384" r:id="rId16"/>
+    <p:sldId id="385" r:id="rId17"/>
+    <p:sldId id="386" r:id="rId18"/>
+    <p:sldId id="387" r:id="rId19"/>
+    <p:sldId id="388" r:id="rId20"/>
+    <p:sldId id="389" r:id="rId21"/>
+    <p:sldId id="390" r:id="rId22"/>
+    <p:sldId id="391" r:id="rId23"/>
+    <p:sldId id="392" r:id="rId24"/>
+    <p:sldId id="393" r:id="rId25"/>
+    <p:sldId id="394" r:id="rId26"/>
+    <p:sldId id="395" r:id="rId27"/>
+    <p:sldId id="396" r:id="rId28"/>
+    <p:sldId id="397" r:id="rId29"/>
+    <p:sldId id="398" r:id="rId30"/>
+    <p:sldId id="399" r:id="rId31"/>
+    <p:sldId id="400" r:id="rId32"/>
+    <p:sldId id="401" r:id="rId33"/>
+    <p:sldId id="402" r:id="rId34"/>
+    <p:sldId id="407" r:id="rId35"/>
   </p:sldIdLst>
   <p:sldSz cx="9144000" cy="6858000" type="screen4x3"/>
   <p:notesSz cx="6858000" cy="9144000"/>
   <p:custDataLst>
-    <p:tags r:id="rId15"/>
+    <p:tags r:id="rId38"/>
   </p:custDataLst>
   <p:defaultTextStyle>
     <a:defPPr>
@@ -297,7 +320,7 @@
             <a:fld id="{BD8FA3CA-5725-4BA7-A851-72A62AC5A8EE}" type="datetimeFigureOut">
               <a:rPr lang="en-CA" smtClean="0"/>
               <a:pPr/>
-              <a:t>07/09/2013</a:t>
+              <a:t>09/09/2013</a:t>
             </a:fld>
             <a:endParaRPr lang="en-CA"/>
           </a:p>
@@ -330,42 +353,6 @@
             </a:lvl1pPr>
           </a:lstStyle>
           <a:p>
-            <a:endParaRPr lang="en-CA"/>
-          </a:p>
-        </p:txBody>
-      </p:sp>
-      <p:sp>
-        <p:nvSpPr>
-          <p:cNvPr id="5" name="Slide Number Placeholder 4"/>
-          <p:cNvSpPr>
-            <a:spLocks noGrp="1"/>
-          </p:cNvSpPr>
-          <p:nvPr>
-            <p:ph type="sldNum" sz="quarter" idx="3"/>
-          </p:nvPr>
-        </p:nvSpPr>
-        <p:spPr>
-          <a:xfrm>
-            <a:off x="3884613" y="8685213"/>
-            <a:ext cx="2971800" cy="457200"/>
-          </a:xfrm>
-          <a:prstGeom prst="rect">
-            <a:avLst/>
-          </a:prstGeom>
-        </p:spPr>
-        <p:txBody>
-          <a:bodyPr vert="horz" lIns="91440" tIns="45720" rIns="91440" bIns="45720" rtlCol="0" anchor="b"/>
-          <a:lstStyle>
-            <a:lvl1pPr algn="r">
-              <a:defRPr sz="1200"/>
-            </a:lvl1pPr>
-          </a:lstStyle>
-          <a:p>
-            <a:fld id="{2F873CA4-7EF9-467F-99BD-6DDCB9451CF6}" type="slidenum">
-              <a:rPr lang="en-CA" smtClean="0"/>
-              <a:pPr/>
-              <a:t>‹#›</a:t>
-            </a:fld>
             <a:endParaRPr lang="en-CA"/>
           </a:p>
         </p:txBody>
@@ -464,7 +451,7 @@
             <a:fld id="{C3B58700-9FA2-48CE-AC88-D71D45EB490A}" type="datetimeFigureOut">
               <a:rPr lang="en-US" smtClean="0"/>
               <a:pPr/>
-              <a:t>9/7/2013</a:t>
+              <a:t>9/9/2013</a:t>
             </a:fld>
             <a:endParaRPr lang="en-US"/>
           </a:p>
@@ -818,6 +805,1769 @@
 </p:notes>
 </file>
 
+<file path=ppt/notesSlides/notesSlide10.xml><?xml version="1.0" encoding="utf-8"?>
+<p:notes xmlns:a="http://schemas.openxmlformats.org/drawingml/2006/main" xmlns:r="http://schemas.openxmlformats.org/officeDocument/2006/relationships" xmlns:p="http://schemas.openxmlformats.org/presentationml/2006/main">
+  <p:cSld>
+    <p:spTree>
+      <p:nvGrpSpPr>
+        <p:cNvPr id="1" name=""/>
+        <p:cNvGrpSpPr/>
+        <p:nvPr/>
+      </p:nvGrpSpPr>
+      <p:grpSpPr>
+        <a:xfrm>
+          <a:off x="0" y="0"/>
+          <a:ext cx="0" cy="0"/>
+          <a:chOff x="0" y="0"/>
+          <a:chExt cx="0" cy="0"/>
+        </a:xfrm>
+      </p:grpSpPr>
+      <p:sp>
+        <p:nvSpPr>
+          <p:cNvPr id="2" name="Slide Image Placeholder 1"/>
+          <p:cNvSpPr>
+            <a:spLocks noGrp="1" noRot="1" noChangeAspect="1"/>
+          </p:cNvSpPr>
+          <p:nvPr>
+            <p:ph type="sldImg"/>
+          </p:nvPr>
+        </p:nvSpPr>
+        <p:spPr/>
+      </p:sp>
+      <p:sp>
+        <p:nvSpPr>
+          <p:cNvPr id="3" name="Notes Placeholder 2"/>
+          <p:cNvSpPr>
+            <a:spLocks noGrp="1"/>
+          </p:cNvSpPr>
+          <p:nvPr>
+            <p:ph type="body" idx="1"/>
+          </p:nvPr>
+        </p:nvSpPr>
+        <p:spPr/>
+        <p:txBody>
+          <a:bodyPr/>
+          <a:lstStyle/>
+          <a:p>
+            <a:endParaRPr lang="en-US"/>
+          </a:p>
+        </p:txBody>
+      </p:sp>
+      <p:sp>
+        <p:nvSpPr>
+          <p:cNvPr id="4" name="Slide Number Placeholder 3"/>
+          <p:cNvSpPr>
+            <a:spLocks noGrp="1"/>
+          </p:cNvSpPr>
+          <p:nvPr>
+            <p:ph type="sldNum" sz="quarter" idx="10"/>
+          </p:nvPr>
+        </p:nvSpPr>
+        <p:spPr/>
+        <p:txBody>
+          <a:bodyPr/>
+          <a:lstStyle/>
+          <a:p>
+            <a:fld id="{45852B25-0A42-4B2F-A5CC-84F19853E605}" type="slidenum">
+              <a:rPr lang="en-US" smtClean="0"/>
+              <a:pPr/>
+              <a:t>10</a:t>
+            </a:fld>
+            <a:endParaRPr lang="en-US"/>
+          </a:p>
+        </p:txBody>
+      </p:sp>
+    </p:spTree>
+    <p:extLst>
+      <p:ext uri="{BB962C8B-B14F-4D97-AF65-F5344CB8AC3E}">
+        <p14:creationId xmlns:p14="http://schemas.microsoft.com/office/powerpoint/2010/main" val="3730512478"/>
+      </p:ext>
+    </p:extLst>
+  </p:cSld>
+  <p:clrMapOvr>
+    <a:masterClrMapping/>
+  </p:clrMapOvr>
+</p:notes>
+</file>
+
+<file path=ppt/notesSlides/notesSlide11.xml><?xml version="1.0" encoding="utf-8"?>
+<p:notes xmlns:a="http://schemas.openxmlformats.org/drawingml/2006/main" xmlns:r="http://schemas.openxmlformats.org/officeDocument/2006/relationships" xmlns:p="http://schemas.openxmlformats.org/presentationml/2006/main">
+  <p:cSld>
+    <p:spTree>
+      <p:nvGrpSpPr>
+        <p:cNvPr id="1" name=""/>
+        <p:cNvGrpSpPr/>
+        <p:nvPr/>
+      </p:nvGrpSpPr>
+      <p:grpSpPr>
+        <a:xfrm>
+          <a:off x="0" y="0"/>
+          <a:ext cx="0" cy="0"/>
+          <a:chOff x="0" y="0"/>
+          <a:chExt cx="0" cy="0"/>
+        </a:xfrm>
+      </p:grpSpPr>
+      <p:sp>
+        <p:nvSpPr>
+          <p:cNvPr id="2" name="Slide Image Placeholder 1"/>
+          <p:cNvSpPr>
+            <a:spLocks noGrp="1" noRot="1" noChangeAspect="1"/>
+          </p:cNvSpPr>
+          <p:nvPr>
+            <p:ph type="sldImg"/>
+          </p:nvPr>
+        </p:nvSpPr>
+        <p:spPr/>
+      </p:sp>
+      <p:sp>
+        <p:nvSpPr>
+          <p:cNvPr id="3" name="Notes Placeholder 2"/>
+          <p:cNvSpPr>
+            <a:spLocks noGrp="1"/>
+          </p:cNvSpPr>
+          <p:nvPr>
+            <p:ph type="body" idx="1"/>
+          </p:nvPr>
+        </p:nvSpPr>
+        <p:spPr/>
+        <p:txBody>
+          <a:bodyPr/>
+          <a:lstStyle/>
+          <a:p>
+            <a:pPr marL="0" marR="0" lvl="2" indent="0" algn="l" defTabSz="914400" rtl="0" eaLnBrk="1" fontAlgn="auto" latinLnBrk="0" hangingPunct="1">
+              <a:lnSpc>
+                <a:spcPct val="100000"/>
+              </a:lnSpc>
+              <a:spcBef>
+                <a:spcPts val="0"/>
+              </a:spcBef>
+              <a:spcAft>
+                <a:spcPts val="0"/>
+              </a:spcAft>
+              <a:buClrTx/>
+              <a:buSzTx/>
+              <a:buFontTx/>
+              <a:buNone/>
+              <a:tabLst/>
+              <a:defRPr/>
+            </a:pPr>
+            <a:r>
+              <a:rPr lang="en-CA" sz="800" dirty="0" smtClean="0"/>
+              <a:t>Integration with Java is supported on the server side but is not as natural as with Groovy or even as with </a:t>
+            </a:r>
+            <a:r>
+              <a:rPr lang="en-CA" sz="800" dirty="0" err="1" smtClean="0"/>
+              <a:t>JRuby</a:t>
+            </a:r>
+            <a:r>
+              <a:rPr lang="en-CA" sz="800" dirty="0" smtClean="0"/>
+              <a:t> or </a:t>
+            </a:r>
+            <a:r>
+              <a:rPr lang="en-CA" sz="800" dirty="0" err="1" smtClean="0"/>
+              <a:t>Jython</a:t>
+            </a:r>
+            <a:r>
+              <a:rPr lang="en-CA" sz="800" dirty="0" smtClean="0"/>
+              <a:t>. This will change with </a:t>
+            </a:r>
+            <a:r>
+              <a:rPr lang="en-CA" sz="800" dirty="0" err="1" smtClean="0"/>
+              <a:t>Nashorn</a:t>
+            </a:r>
+            <a:r>
+              <a:rPr lang="en-CA" sz="800" dirty="0" smtClean="0"/>
+              <a:t> in Java 8.</a:t>
+            </a:r>
+          </a:p>
+          <a:p>
+            <a:pPr marL="0" marR="0" lvl="2" indent="0" algn="l" defTabSz="914400" rtl="0" eaLnBrk="1" fontAlgn="auto" latinLnBrk="0" hangingPunct="1">
+              <a:lnSpc>
+                <a:spcPct val="100000"/>
+              </a:lnSpc>
+              <a:spcBef>
+                <a:spcPts val="0"/>
+              </a:spcBef>
+              <a:spcAft>
+                <a:spcPts val="0"/>
+              </a:spcAft>
+              <a:buClrTx/>
+              <a:buSzTx/>
+              <a:buFontTx/>
+              <a:buNone/>
+              <a:tabLst/>
+              <a:defRPr/>
+            </a:pPr>
+            <a:endParaRPr lang="en-CA" sz="700" dirty="0" smtClean="0"/>
+          </a:p>
+          <a:p>
+            <a:pPr marL="0" marR="0" lvl="2" indent="0" algn="l" defTabSz="914400" rtl="0" eaLnBrk="1" fontAlgn="auto" latinLnBrk="0" hangingPunct="1">
+              <a:lnSpc>
+                <a:spcPct val="100000"/>
+              </a:lnSpc>
+              <a:spcBef>
+                <a:spcPts val="0"/>
+              </a:spcBef>
+              <a:spcAft>
+                <a:spcPts val="0"/>
+              </a:spcAft>
+              <a:buClrTx/>
+              <a:buSzTx/>
+              <a:buFontTx/>
+              <a:buNone/>
+              <a:tabLst/>
+              <a:defRPr/>
+            </a:pPr>
+            <a:r>
+              <a:rPr lang="en-CA" sz="700" dirty="0" smtClean="0"/>
+              <a:t>Some new languages use </a:t>
+            </a:r>
+            <a:r>
+              <a:rPr lang="en-CA" sz="700" dirty="0" err="1" smtClean="0"/>
+              <a:t>Javascript</a:t>
+            </a:r>
+            <a:r>
+              <a:rPr lang="en-CA" sz="700" dirty="0" smtClean="0"/>
+              <a:t> as their target compilation language: </a:t>
+            </a:r>
+            <a:r>
+              <a:rPr lang="en-CA" sz="700" dirty="0" err="1" smtClean="0"/>
+              <a:t>CoffeeScript</a:t>
+            </a:r>
+            <a:r>
+              <a:rPr lang="en-CA" sz="700" dirty="0" smtClean="0"/>
+              <a:t>. </a:t>
+            </a:r>
+            <a:r>
+              <a:rPr lang="en-CA" sz="700" dirty="0" err="1" smtClean="0"/>
+              <a:t>TypeScript</a:t>
+            </a:r>
+            <a:r>
+              <a:rPr lang="en-CA" sz="700" dirty="0" smtClean="0"/>
+              <a:t>, </a:t>
+            </a:r>
+            <a:r>
+              <a:rPr lang="en-CA" sz="700" dirty="0" err="1" smtClean="0"/>
+              <a:t>ClojureScript</a:t>
+            </a:r>
+            <a:r>
+              <a:rPr lang="en-CA" sz="700" dirty="0" smtClean="0"/>
+              <a:t>, Dart</a:t>
+            </a:r>
+          </a:p>
+          <a:p>
+            <a:endParaRPr lang="es-ES_tradnl" baseline="0" dirty="0" smtClean="0"/>
+          </a:p>
+          <a:p>
+            <a:r>
+              <a:rPr lang="es-ES_tradnl" baseline="0" dirty="0" err="1" smtClean="0"/>
+              <a:t>Perceived</a:t>
+            </a:r>
+            <a:r>
+              <a:rPr lang="es-ES_tradnl" baseline="0" dirty="0" smtClean="0"/>
+              <a:t> </a:t>
+            </a:r>
+            <a:r>
+              <a:rPr lang="es-ES_tradnl" baseline="0" dirty="0" err="1" smtClean="0"/>
+              <a:t>limitations</a:t>
+            </a:r>
+            <a:r>
+              <a:rPr lang="es-ES_tradnl" baseline="0" dirty="0" smtClean="0"/>
+              <a:t>:</a:t>
+            </a:r>
+          </a:p>
+          <a:p>
+            <a:pPr marL="171450" indent="-171450">
+              <a:buFont typeface="Arial" pitchFamily="34" charset="0"/>
+              <a:buChar char="•"/>
+            </a:pPr>
+            <a:r>
+              <a:rPr lang="en-CA" sz="700" dirty="0" smtClean="0"/>
+              <a:t>Lack of support</a:t>
+            </a:r>
+            <a:r>
+              <a:rPr lang="en-CA" sz="700" baseline="0" dirty="0" smtClean="0"/>
+              <a:t> for modules – can be emulated with closures</a:t>
+            </a:r>
+            <a:endParaRPr lang="en-CA" sz="700" dirty="0" smtClean="0"/>
+          </a:p>
+          <a:p>
+            <a:pPr marL="171450" indent="-171450">
+              <a:buFont typeface="Arial" pitchFamily="34" charset="0"/>
+              <a:buChar char="•"/>
+            </a:pPr>
+            <a:r>
+              <a:rPr lang="en-CA" sz="700" dirty="0" smtClean="0"/>
+              <a:t>Limited built-in language capabilities, though they can be augmented by many open-source libraries (</a:t>
+            </a:r>
+            <a:r>
+              <a:rPr lang="en-CA" sz="700" dirty="0" err="1" smtClean="0"/>
+              <a:t>jQuery</a:t>
+            </a:r>
+            <a:r>
+              <a:rPr lang="en-CA" sz="700" dirty="0" smtClean="0"/>
+              <a:t>, Dojo, etc.)</a:t>
+            </a:r>
+          </a:p>
+          <a:p>
+            <a:pPr marL="171450" indent="-171450">
+              <a:buFont typeface="Arial" pitchFamily="34" charset="0"/>
+              <a:buChar char="•"/>
+            </a:pPr>
+            <a:r>
+              <a:rPr lang="en-CA" sz="700" dirty="0" smtClean="0"/>
+              <a:t>Easy to write poorly structured, unreadable code in the absence of strictly enforced coding standards</a:t>
+            </a:r>
+            <a:endParaRPr lang="en-US" sz="700" dirty="0" smtClean="0"/>
+          </a:p>
+          <a:p>
+            <a:pPr marL="171450" indent="-171450">
+              <a:buFont typeface="Arial" pitchFamily="34" charset="0"/>
+              <a:buChar char="•"/>
+            </a:pPr>
+            <a:r>
+              <a:rPr lang="en-US" sz="700" dirty="0" smtClean="0"/>
+              <a:t>Lacks widely-adopted documentation frameworks</a:t>
+            </a:r>
+          </a:p>
+          <a:p>
+            <a:pPr marL="171450" indent="-171450">
+              <a:buFont typeface="Arial" pitchFamily="34" charset="0"/>
+              <a:buChar char="•"/>
+            </a:pPr>
+            <a:r>
+              <a:rPr lang="en-US" sz="700" dirty="0" smtClean="0"/>
+              <a:t>Testing and debugging are more challenging</a:t>
+            </a:r>
+          </a:p>
+          <a:p>
+            <a:pPr marL="171450" indent="-171450">
+              <a:buFont typeface="Arial" pitchFamily="34" charset="0"/>
+              <a:buChar char="•"/>
+            </a:pPr>
+            <a:r>
+              <a:rPr lang="en-CA" sz="700" dirty="0" smtClean="0"/>
+              <a:t>No multi-threading or concurrency support, requires </a:t>
+            </a:r>
+            <a:r>
+              <a:rPr lang="en-US" sz="700" dirty="0" smtClean="0"/>
+              <a:t>less natural </a:t>
+            </a:r>
+            <a:r>
+              <a:rPr lang="en-CA" sz="700" dirty="0" smtClean="0"/>
+              <a:t>coding with cooperating </a:t>
+            </a:r>
+            <a:r>
+              <a:rPr lang="en-CA" sz="700" dirty="0" err="1" smtClean="0"/>
+              <a:t>callbacks</a:t>
+            </a:r>
+            <a:r>
+              <a:rPr lang="en-CA" sz="700" dirty="0" smtClean="0"/>
+              <a:t> within a single event loop</a:t>
+            </a:r>
+          </a:p>
+          <a:p>
+            <a:pPr marL="171450" indent="-171450">
+              <a:buFont typeface="Arial" pitchFamily="34" charset="0"/>
+              <a:buChar char="•"/>
+            </a:pPr>
+            <a:r>
+              <a:rPr lang="en-CA" sz="700" dirty="0" smtClean="0"/>
+              <a:t>Comparatively limited availability of tooling across the development lifecycle</a:t>
+            </a:r>
+          </a:p>
+          <a:p>
+            <a:pPr marL="171450" indent="-171450">
+              <a:buFont typeface="Arial" pitchFamily="34" charset="0"/>
+              <a:buChar char="•"/>
+            </a:pPr>
+            <a:endParaRPr lang="en-CA" sz="700" dirty="0" smtClean="0"/>
+          </a:p>
+          <a:p>
+            <a:pPr marL="0" indent="0">
+              <a:buFont typeface="Arial" pitchFamily="34" charset="0"/>
+              <a:buNone/>
+            </a:pPr>
+            <a:r>
+              <a:rPr lang="en-CA" sz="700" dirty="0" smtClean="0"/>
+              <a:t>Node.js</a:t>
+            </a:r>
+            <a:r>
+              <a:rPr lang="en-CA" sz="700" baseline="0" dirty="0" smtClean="0"/>
+              <a:t> is driving a lot of the adoption of </a:t>
+            </a:r>
+            <a:r>
+              <a:rPr lang="en-CA" sz="700" baseline="0" dirty="0" err="1" smtClean="0"/>
+              <a:t>Javascript</a:t>
+            </a:r>
+            <a:r>
+              <a:rPr lang="en-CA" sz="700" baseline="0" dirty="0" smtClean="0"/>
+              <a:t>, due to its lightweight and asynchronous nature.</a:t>
+            </a:r>
+            <a:r>
+              <a:rPr lang="en-US" sz="1200" baseline="0" dirty="0" smtClean="0"/>
+              <a:t> </a:t>
+            </a:r>
+          </a:p>
+          <a:p>
+            <a:pPr marL="0" indent="0">
+              <a:buFont typeface="Arial" pitchFamily="34" charset="0"/>
+              <a:buNone/>
+            </a:pPr>
+            <a:endParaRPr lang="es-ES_tradnl" sz="1200" baseline="0" dirty="0" smtClean="0"/>
+          </a:p>
+          <a:p>
+            <a:pPr marL="0" marR="0" lvl="2" indent="0" algn="l" defTabSz="914400" rtl="0" eaLnBrk="1" fontAlgn="auto" latinLnBrk="0" hangingPunct="1">
+              <a:lnSpc>
+                <a:spcPct val="100000"/>
+              </a:lnSpc>
+              <a:spcBef>
+                <a:spcPts val="0"/>
+              </a:spcBef>
+              <a:spcAft>
+                <a:spcPts val="0"/>
+              </a:spcAft>
+              <a:buClrTx/>
+              <a:buSzTx/>
+              <a:buFont typeface="Arial" pitchFamily="34" charset="0"/>
+              <a:buNone/>
+              <a:tabLst/>
+              <a:defRPr/>
+            </a:pPr>
+            <a:r>
+              <a:rPr lang="en-CA" sz="1100" dirty="0" smtClean="0"/>
+              <a:t>Vendor support from </a:t>
+            </a:r>
+            <a:r>
+              <a:rPr lang="en-CA" sz="1100" dirty="0" err="1" smtClean="0"/>
+              <a:t>Joyent</a:t>
+            </a:r>
+            <a:r>
+              <a:rPr lang="en-CA" sz="1100" dirty="0" smtClean="0"/>
+              <a:t> for server-side JavaScript (Node.js)</a:t>
+            </a:r>
+          </a:p>
+        </p:txBody>
+      </p:sp>
+      <p:sp>
+        <p:nvSpPr>
+          <p:cNvPr id="4" name="Slide Number Placeholder 3"/>
+          <p:cNvSpPr>
+            <a:spLocks noGrp="1"/>
+          </p:cNvSpPr>
+          <p:nvPr>
+            <p:ph type="sldNum" sz="quarter" idx="10"/>
+          </p:nvPr>
+        </p:nvSpPr>
+        <p:spPr/>
+        <p:txBody>
+          <a:bodyPr/>
+          <a:lstStyle/>
+          <a:p>
+            <a:fld id="{45852B25-0A42-4B2F-A5CC-84F19853E605}" type="slidenum">
+              <a:rPr lang="en-US" smtClean="0"/>
+              <a:pPr/>
+              <a:t>11</a:t>
+            </a:fld>
+            <a:endParaRPr lang="en-US"/>
+          </a:p>
+        </p:txBody>
+      </p:sp>
+    </p:spTree>
+    <p:extLst>
+      <p:ext uri="{BB962C8B-B14F-4D97-AF65-F5344CB8AC3E}">
+        <p14:creationId xmlns:p14="http://schemas.microsoft.com/office/powerpoint/2010/main" val="2079932878"/>
+      </p:ext>
+    </p:extLst>
+  </p:cSld>
+  <p:clrMapOvr>
+    <a:masterClrMapping/>
+  </p:clrMapOvr>
+</p:notes>
+</file>
+
+<file path=ppt/notesSlides/notesSlide12.xml><?xml version="1.0" encoding="utf-8"?>
+<p:notes xmlns:a="http://schemas.openxmlformats.org/drawingml/2006/main" xmlns:r="http://schemas.openxmlformats.org/officeDocument/2006/relationships" xmlns:p="http://schemas.openxmlformats.org/presentationml/2006/main">
+  <p:cSld>
+    <p:spTree>
+      <p:nvGrpSpPr>
+        <p:cNvPr id="1" name=""/>
+        <p:cNvGrpSpPr/>
+        <p:nvPr/>
+      </p:nvGrpSpPr>
+      <p:grpSpPr>
+        <a:xfrm>
+          <a:off x="0" y="0"/>
+          <a:ext cx="0" cy="0"/>
+          <a:chOff x="0" y="0"/>
+          <a:chExt cx="0" cy="0"/>
+        </a:xfrm>
+      </p:grpSpPr>
+      <p:sp>
+        <p:nvSpPr>
+          <p:cNvPr id="2" name="Slide Image Placeholder 1"/>
+          <p:cNvSpPr>
+            <a:spLocks noGrp="1" noRot="1" noChangeAspect="1"/>
+          </p:cNvSpPr>
+          <p:nvPr>
+            <p:ph type="sldImg"/>
+          </p:nvPr>
+        </p:nvSpPr>
+        <p:spPr/>
+      </p:sp>
+      <p:sp>
+        <p:nvSpPr>
+          <p:cNvPr id="3" name="Notes Placeholder 2"/>
+          <p:cNvSpPr>
+            <a:spLocks noGrp="1"/>
+          </p:cNvSpPr>
+          <p:nvPr>
+            <p:ph type="body" idx="1"/>
+          </p:nvPr>
+        </p:nvSpPr>
+        <p:spPr/>
+        <p:txBody>
+          <a:bodyPr/>
+          <a:lstStyle/>
+          <a:p>
+            <a:endParaRPr lang="en-US"/>
+          </a:p>
+        </p:txBody>
+      </p:sp>
+      <p:sp>
+        <p:nvSpPr>
+          <p:cNvPr id="4" name="Slide Number Placeholder 3"/>
+          <p:cNvSpPr>
+            <a:spLocks noGrp="1"/>
+          </p:cNvSpPr>
+          <p:nvPr>
+            <p:ph type="sldNum" sz="quarter" idx="10"/>
+          </p:nvPr>
+        </p:nvSpPr>
+        <p:spPr/>
+        <p:txBody>
+          <a:bodyPr/>
+          <a:lstStyle/>
+          <a:p>
+            <a:fld id="{45852B25-0A42-4B2F-A5CC-84F19853E605}" type="slidenum">
+              <a:rPr lang="en-US" smtClean="0"/>
+              <a:pPr/>
+              <a:t>12</a:t>
+            </a:fld>
+            <a:endParaRPr lang="en-US"/>
+          </a:p>
+        </p:txBody>
+      </p:sp>
+    </p:spTree>
+    <p:extLst>
+      <p:ext uri="{BB962C8B-B14F-4D97-AF65-F5344CB8AC3E}">
+        <p14:creationId xmlns:p14="http://schemas.microsoft.com/office/powerpoint/2010/main" val="3058259692"/>
+      </p:ext>
+    </p:extLst>
+  </p:cSld>
+  <p:clrMapOvr>
+    <a:masterClrMapping/>
+  </p:clrMapOvr>
+</p:notes>
+</file>
+
+<file path=ppt/notesSlides/notesSlide13.xml><?xml version="1.0" encoding="utf-8"?>
+<p:notes xmlns:a="http://schemas.openxmlformats.org/drawingml/2006/main" xmlns:r="http://schemas.openxmlformats.org/officeDocument/2006/relationships" xmlns:p="http://schemas.openxmlformats.org/presentationml/2006/main">
+  <p:cSld>
+    <p:spTree>
+      <p:nvGrpSpPr>
+        <p:cNvPr id="1" name=""/>
+        <p:cNvGrpSpPr/>
+        <p:nvPr/>
+      </p:nvGrpSpPr>
+      <p:grpSpPr>
+        <a:xfrm>
+          <a:off x="0" y="0"/>
+          <a:ext cx="0" cy="0"/>
+          <a:chOff x="0" y="0"/>
+          <a:chExt cx="0" cy="0"/>
+        </a:xfrm>
+      </p:grpSpPr>
+      <p:sp>
+        <p:nvSpPr>
+          <p:cNvPr id="2" name="Slide Image Placeholder 1"/>
+          <p:cNvSpPr>
+            <a:spLocks noGrp="1" noRot="1" noChangeAspect="1"/>
+          </p:cNvSpPr>
+          <p:nvPr>
+            <p:ph type="sldImg"/>
+          </p:nvPr>
+        </p:nvSpPr>
+        <p:spPr/>
+      </p:sp>
+      <p:sp>
+        <p:nvSpPr>
+          <p:cNvPr id="3" name="Notes Placeholder 2"/>
+          <p:cNvSpPr>
+            <a:spLocks noGrp="1"/>
+          </p:cNvSpPr>
+          <p:nvPr>
+            <p:ph type="body" idx="1"/>
+          </p:nvPr>
+        </p:nvSpPr>
+        <p:spPr/>
+        <p:txBody>
+          <a:bodyPr/>
+          <a:lstStyle/>
+          <a:p>
+            <a:endParaRPr lang="en-US"/>
+          </a:p>
+        </p:txBody>
+      </p:sp>
+      <p:sp>
+        <p:nvSpPr>
+          <p:cNvPr id="4" name="Slide Number Placeholder 3"/>
+          <p:cNvSpPr>
+            <a:spLocks noGrp="1"/>
+          </p:cNvSpPr>
+          <p:nvPr>
+            <p:ph type="sldNum" sz="quarter" idx="10"/>
+          </p:nvPr>
+        </p:nvSpPr>
+        <p:spPr/>
+        <p:txBody>
+          <a:bodyPr/>
+          <a:lstStyle/>
+          <a:p>
+            <a:fld id="{45852B25-0A42-4B2F-A5CC-84F19853E605}" type="slidenum">
+              <a:rPr lang="en-US" smtClean="0"/>
+              <a:pPr/>
+              <a:t>13</a:t>
+            </a:fld>
+            <a:endParaRPr lang="en-US"/>
+          </a:p>
+        </p:txBody>
+      </p:sp>
+    </p:spTree>
+    <p:extLst>
+      <p:ext uri="{BB962C8B-B14F-4D97-AF65-F5344CB8AC3E}">
+        <p14:creationId xmlns:p14="http://schemas.microsoft.com/office/powerpoint/2010/main" val="3229847715"/>
+      </p:ext>
+    </p:extLst>
+  </p:cSld>
+  <p:clrMapOvr>
+    <a:masterClrMapping/>
+  </p:clrMapOvr>
+</p:notes>
+</file>
+
+<file path=ppt/notesSlides/notesSlide14.xml><?xml version="1.0" encoding="utf-8"?>
+<p:notes xmlns:a="http://schemas.openxmlformats.org/drawingml/2006/main" xmlns:r="http://schemas.openxmlformats.org/officeDocument/2006/relationships" xmlns:p="http://schemas.openxmlformats.org/presentationml/2006/main">
+  <p:cSld>
+    <p:spTree>
+      <p:nvGrpSpPr>
+        <p:cNvPr id="1" name=""/>
+        <p:cNvGrpSpPr/>
+        <p:nvPr/>
+      </p:nvGrpSpPr>
+      <p:grpSpPr>
+        <a:xfrm>
+          <a:off x="0" y="0"/>
+          <a:ext cx="0" cy="0"/>
+          <a:chOff x="0" y="0"/>
+          <a:chExt cx="0" cy="0"/>
+        </a:xfrm>
+      </p:grpSpPr>
+      <p:sp>
+        <p:nvSpPr>
+          <p:cNvPr id="2" name="Slide Image Placeholder 1"/>
+          <p:cNvSpPr>
+            <a:spLocks noGrp="1" noRot="1" noChangeAspect="1"/>
+          </p:cNvSpPr>
+          <p:nvPr>
+            <p:ph type="sldImg"/>
+          </p:nvPr>
+        </p:nvSpPr>
+        <p:spPr/>
+      </p:sp>
+      <p:sp>
+        <p:nvSpPr>
+          <p:cNvPr id="3" name="Notes Placeholder 2"/>
+          <p:cNvSpPr>
+            <a:spLocks noGrp="1"/>
+          </p:cNvSpPr>
+          <p:nvPr>
+            <p:ph type="body" idx="1"/>
+          </p:nvPr>
+        </p:nvSpPr>
+        <p:spPr/>
+        <p:txBody>
+          <a:bodyPr/>
+          <a:lstStyle/>
+          <a:p>
+            <a:endParaRPr lang="en-US"/>
+          </a:p>
+        </p:txBody>
+      </p:sp>
+      <p:sp>
+        <p:nvSpPr>
+          <p:cNvPr id="4" name="Slide Number Placeholder 3"/>
+          <p:cNvSpPr>
+            <a:spLocks noGrp="1"/>
+          </p:cNvSpPr>
+          <p:nvPr>
+            <p:ph type="sldNum" sz="quarter" idx="10"/>
+          </p:nvPr>
+        </p:nvSpPr>
+        <p:spPr/>
+        <p:txBody>
+          <a:bodyPr/>
+          <a:lstStyle/>
+          <a:p>
+            <a:fld id="{45852B25-0A42-4B2F-A5CC-84F19853E605}" type="slidenum">
+              <a:rPr lang="en-US" smtClean="0"/>
+              <a:pPr/>
+              <a:t>14</a:t>
+            </a:fld>
+            <a:endParaRPr lang="en-US"/>
+          </a:p>
+        </p:txBody>
+      </p:sp>
+    </p:spTree>
+    <p:extLst>
+      <p:ext uri="{BB962C8B-B14F-4D97-AF65-F5344CB8AC3E}">
+        <p14:creationId xmlns:p14="http://schemas.microsoft.com/office/powerpoint/2010/main" val="2191900072"/>
+      </p:ext>
+    </p:extLst>
+  </p:cSld>
+  <p:clrMapOvr>
+    <a:masterClrMapping/>
+  </p:clrMapOvr>
+</p:notes>
+</file>
+
+<file path=ppt/notesSlides/notesSlide15.xml><?xml version="1.0" encoding="utf-8"?>
+<p:notes xmlns:a="http://schemas.openxmlformats.org/drawingml/2006/main" xmlns:r="http://schemas.openxmlformats.org/officeDocument/2006/relationships" xmlns:p="http://schemas.openxmlformats.org/presentationml/2006/main">
+  <p:cSld>
+    <p:spTree>
+      <p:nvGrpSpPr>
+        <p:cNvPr id="1" name=""/>
+        <p:cNvGrpSpPr/>
+        <p:nvPr/>
+      </p:nvGrpSpPr>
+      <p:grpSpPr>
+        <a:xfrm>
+          <a:off x="0" y="0"/>
+          <a:ext cx="0" cy="0"/>
+          <a:chOff x="0" y="0"/>
+          <a:chExt cx="0" cy="0"/>
+        </a:xfrm>
+      </p:grpSpPr>
+      <p:sp>
+        <p:nvSpPr>
+          <p:cNvPr id="2" name="Slide Image Placeholder 1"/>
+          <p:cNvSpPr>
+            <a:spLocks noGrp="1" noRot="1" noChangeAspect="1"/>
+          </p:cNvSpPr>
+          <p:nvPr>
+            <p:ph type="sldImg"/>
+          </p:nvPr>
+        </p:nvSpPr>
+        <p:spPr/>
+      </p:sp>
+      <p:sp>
+        <p:nvSpPr>
+          <p:cNvPr id="3" name="Notes Placeholder 2"/>
+          <p:cNvSpPr>
+            <a:spLocks noGrp="1"/>
+          </p:cNvSpPr>
+          <p:nvPr>
+            <p:ph type="body" idx="1"/>
+          </p:nvPr>
+        </p:nvSpPr>
+        <p:spPr/>
+        <p:txBody>
+          <a:bodyPr/>
+          <a:lstStyle/>
+          <a:p>
+            <a:endParaRPr lang="en-US"/>
+          </a:p>
+        </p:txBody>
+      </p:sp>
+      <p:sp>
+        <p:nvSpPr>
+          <p:cNvPr id="4" name="Slide Number Placeholder 3"/>
+          <p:cNvSpPr>
+            <a:spLocks noGrp="1"/>
+          </p:cNvSpPr>
+          <p:nvPr>
+            <p:ph type="sldNum" sz="quarter" idx="10"/>
+          </p:nvPr>
+        </p:nvSpPr>
+        <p:spPr/>
+        <p:txBody>
+          <a:bodyPr/>
+          <a:lstStyle/>
+          <a:p>
+            <a:fld id="{45852B25-0A42-4B2F-A5CC-84F19853E605}" type="slidenum">
+              <a:rPr lang="en-US" smtClean="0"/>
+              <a:pPr/>
+              <a:t>15</a:t>
+            </a:fld>
+            <a:endParaRPr lang="en-US"/>
+          </a:p>
+        </p:txBody>
+      </p:sp>
+    </p:spTree>
+    <p:extLst>
+      <p:ext uri="{BB962C8B-B14F-4D97-AF65-F5344CB8AC3E}">
+        <p14:creationId xmlns:p14="http://schemas.microsoft.com/office/powerpoint/2010/main" val="1720784090"/>
+      </p:ext>
+    </p:extLst>
+  </p:cSld>
+  <p:clrMapOvr>
+    <a:masterClrMapping/>
+  </p:clrMapOvr>
+</p:notes>
+</file>
+
+<file path=ppt/notesSlides/notesSlide16.xml><?xml version="1.0" encoding="utf-8"?>
+<p:notes xmlns:a="http://schemas.openxmlformats.org/drawingml/2006/main" xmlns:r="http://schemas.openxmlformats.org/officeDocument/2006/relationships" xmlns:p="http://schemas.openxmlformats.org/presentationml/2006/main">
+  <p:cSld>
+    <p:spTree>
+      <p:nvGrpSpPr>
+        <p:cNvPr id="1" name=""/>
+        <p:cNvGrpSpPr/>
+        <p:nvPr/>
+      </p:nvGrpSpPr>
+      <p:grpSpPr>
+        <a:xfrm>
+          <a:off x="0" y="0"/>
+          <a:ext cx="0" cy="0"/>
+          <a:chOff x="0" y="0"/>
+          <a:chExt cx="0" cy="0"/>
+        </a:xfrm>
+      </p:grpSpPr>
+      <p:sp>
+        <p:nvSpPr>
+          <p:cNvPr id="2" name="Slide Image Placeholder 1"/>
+          <p:cNvSpPr>
+            <a:spLocks noGrp="1" noRot="1" noChangeAspect="1"/>
+          </p:cNvSpPr>
+          <p:nvPr>
+            <p:ph type="sldImg"/>
+          </p:nvPr>
+        </p:nvSpPr>
+        <p:spPr/>
+      </p:sp>
+      <p:sp>
+        <p:nvSpPr>
+          <p:cNvPr id="3" name="Notes Placeholder 2"/>
+          <p:cNvSpPr>
+            <a:spLocks noGrp="1"/>
+          </p:cNvSpPr>
+          <p:nvPr>
+            <p:ph type="body" idx="1"/>
+          </p:nvPr>
+        </p:nvSpPr>
+        <p:spPr/>
+        <p:txBody>
+          <a:bodyPr/>
+          <a:lstStyle/>
+          <a:p>
+            <a:endParaRPr lang="en-US" dirty="0"/>
+          </a:p>
+        </p:txBody>
+      </p:sp>
+      <p:sp>
+        <p:nvSpPr>
+          <p:cNvPr id="4" name="Slide Number Placeholder 3"/>
+          <p:cNvSpPr>
+            <a:spLocks noGrp="1"/>
+          </p:cNvSpPr>
+          <p:nvPr>
+            <p:ph type="sldNum" sz="quarter" idx="10"/>
+          </p:nvPr>
+        </p:nvSpPr>
+        <p:spPr/>
+        <p:txBody>
+          <a:bodyPr/>
+          <a:lstStyle/>
+          <a:p>
+            <a:fld id="{FE9BC4E5-2BC1-4F43-85DD-A1B8F74CB7EB}" type="slidenum">
+              <a:rPr lang="en-US" smtClean="0"/>
+              <a:pPr/>
+              <a:t>16</a:t>
+            </a:fld>
+            <a:endParaRPr lang="en-US"/>
+          </a:p>
+        </p:txBody>
+      </p:sp>
+    </p:spTree>
+    <p:extLst>
+      <p:ext uri="{BB962C8B-B14F-4D97-AF65-F5344CB8AC3E}">
+        <p14:creationId xmlns:p14="http://schemas.microsoft.com/office/powerpoint/2010/main" val="402498989"/>
+      </p:ext>
+    </p:extLst>
+  </p:cSld>
+  <p:clrMapOvr>
+    <a:masterClrMapping/>
+  </p:clrMapOvr>
+</p:notes>
+</file>
+
+<file path=ppt/notesSlides/notesSlide17.xml><?xml version="1.0" encoding="utf-8"?>
+<p:notes xmlns:a="http://schemas.openxmlformats.org/drawingml/2006/main" xmlns:r="http://schemas.openxmlformats.org/officeDocument/2006/relationships" xmlns:p="http://schemas.openxmlformats.org/presentationml/2006/main">
+  <p:cSld>
+    <p:spTree>
+      <p:nvGrpSpPr>
+        <p:cNvPr id="1" name=""/>
+        <p:cNvGrpSpPr/>
+        <p:nvPr/>
+      </p:nvGrpSpPr>
+      <p:grpSpPr>
+        <a:xfrm>
+          <a:off x="0" y="0"/>
+          <a:ext cx="0" cy="0"/>
+          <a:chOff x="0" y="0"/>
+          <a:chExt cx="0" cy="0"/>
+        </a:xfrm>
+      </p:grpSpPr>
+      <p:sp>
+        <p:nvSpPr>
+          <p:cNvPr id="2" name="Slide Image Placeholder 1"/>
+          <p:cNvSpPr>
+            <a:spLocks noGrp="1" noRot="1" noChangeAspect="1"/>
+          </p:cNvSpPr>
+          <p:nvPr>
+            <p:ph type="sldImg"/>
+          </p:nvPr>
+        </p:nvSpPr>
+        <p:spPr/>
+      </p:sp>
+      <p:sp>
+        <p:nvSpPr>
+          <p:cNvPr id="3" name="Notes Placeholder 2"/>
+          <p:cNvSpPr>
+            <a:spLocks noGrp="1"/>
+          </p:cNvSpPr>
+          <p:nvPr>
+            <p:ph type="body" idx="1"/>
+          </p:nvPr>
+        </p:nvSpPr>
+        <p:spPr/>
+        <p:txBody>
+          <a:bodyPr>
+            <a:normAutofit/>
+          </a:bodyPr>
+          <a:lstStyle/>
+          <a:p>
+            <a:r>
+              <a:rPr lang="en-US" dirty="0" smtClean="0"/>
+              <a:t>Key:</a:t>
+            </a:r>
+            <a:r>
+              <a:rPr lang="en-US" baseline="0" dirty="0" smtClean="0"/>
+              <a:t> High productivity and agility</a:t>
+            </a:r>
+          </a:p>
+          <a:p>
+            <a:pPr marL="171450" indent="-171450">
+              <a:buFont typeface="Wingdings" panose="05000000000000000000" pitchFamily="2" charset="2"/>
+              <a:buChar char="q"/>
+            </a:pPr>
+            <a:r>
+              <a:rPr lang="en-US" baseline="0" dirty="0" smtClean="0"/>
+              <a:t>Alternative to traditional approach:  JEE </a:t>
+            </a:r>
+            <a:r>
+              <a:rPr lang="en-US" baseline="0" dirty="0" smtClean="0"/>
+              <a:t>slowly crushed </a:t>
+            </a:r>
+            <a:r>
+              <a:rPr lang="en-US" baseline="0" dirty="0" smtClean="0"/>
+              <a:t>under its own weight gain in past 15 years</a:t>
+            </a:r>
+          </a:p>
+          <a:p>
+            <a:pPr marL="171450" marR="0" indent="-171450" algn="l" defTabSz="914400" rtl="0" eaLnBrk="1" fontAlgn="auto" latinLnBrk="0" hangingPunct="1">
+              <a:lnSpc>
+                <a:spcPct val="100000"/>
+              </a:lnSpc>
+              <a:spcBef>
+                <a:spcPts val="0"/>
+              </a:spcBef>
+              <a:spcAft>
+                <a:spcPts val="0"/>
+              </a:spcAft>
+              <a:buClrTx/>
+              <a:buSzTx/>
+              <a:buFont typeface="Wingdings" panose="05000000000000000000" pitchFamily="2" charset="2"/>
+              <a:buChar char="q"/>
+              <a:tabLst/>
+              <a:defRPr/>
+            </a:pPr>
+            <a:r>
+              <a:rPr lang="en-US" baseline="0" dirty="0" smtClean="0"/>
+              <a:t>Strong support for Agile methodology:  Support for code-test workflow naturally.  Code conciseness and easy to deploy makes 2-week sprint possible.  REPL console is an easy way for developers to test their thoughts</a:t>
+            </a:r>
+          </a:p>
+          <a:p>
+            <a:pPr marL="171450" marR="0" indent="-171450" algn="l" defTabSz="914400" rtl="0" eaLnBrk="1" fontAlgn="auto" latinLnBrk="0" hangingPunct="1">
+              <a:lnSpc>
+                <a:spcPct val="100000"/>
+              </a:lnSpc>
+              <a:spcBef>
+                <a:spcPts val="0"/>
+              </a:spcBef>
+              <a:spcAft>
+                <a:spcPts val="0"/>
+              </a:spcAft>
+              <a:buClrTx/>
+              <a:buSzTx/>
+              <a:buFont typeface="Wingdings" panose="05000000000000000000" pitchFamily="2" charset="2"/>
+              <a:buChar char="q"/>
+              <a:tabLst/>
+              <a:defRPr/>
+            </a:pPr>
+            <a:r>
+              <a:rPr lang="en-US" baseline="0" dirty="0" smtClean="0"/>
+              <a:t>Increasing interests at browser centric and asynchronous web technologies bring in more focus on dynamic language</a:t>
+            </a:r>
+            <a:endParaRPr lang="en-US" dirty="0" smtClean="0"/>
+          </a:p>
+          <a:p>
+            <a:pPr marL="171450" lvl="0" indent="-171450">
+              <a:buFont typeface="Wingdings" panose="05000000000000000000" pitchFamily="2" charset="2"/>
+              <a:buChar char="q"/>
+            </a:pPr>
+            <a:r>
+              <a:rPr lang="en-US" dirty="0" smtClean="0"/>
+              <a:t>Recognitions</a:t>
+            </a:r>
+            <a:r>
+              <a:rPr lang="en-US" baseline="0" dirty="0" smtClean="0"/>
+              <a:t> from industry</a:t>
+            </a:r>
+          </a:p>
+          <a:p>
+            <a:pPr marL="628650" lvl="1" indent="-171450">
+              <a:buFont typeface="Courier New" panose="02070309020205020404" pitchFamily="49" charset="0"/>
+              <a:buChar char="o"/>
+            </a:pPr>
+            <a:r>
+              <a:rPr lang="en-US" baseline="0" dirty="0" smtClean="0"/>
+              <a:t>Growing support from industry thought leaderships:  Garter recommend dynamic language for new web development.  TIOBE survey shows Dynamic Languages are getting popular recently</a:t>
+            </a:r>
+          </a:p>
+          <a:p>
+            <a:pPr marL="628650" lvl="1" indent="-171450">
+              <a:buFont typeface="Courier New" panose="02070309020205020404" pitchFamily="49" charset="0"/>
+              <a:buChar char="o"/>
+            </a:pPr>
+            <a:r>
+              <a:rPr lang="en-US" baseline="0" dirty="0" smtClean="0"/>
+              <a:t>Our clients is asking for our support.  Start up strategy influence to traditional enterprise application development</a:t>
+            </a:r>
+          </a:p>
+          <a:p>
+            <a:pPr marL="628650" lvl="1" indent="-171450">
+              <a:buFont typeface="Courier New" panose="02070309020205020404" pitchFamily="49" charset="0"/>
+              <a:buChar char="o"/>
+            </a:pPr>
+            <a:r>
+              <a:rPr lang="en-US" baseline="0" dirty="0" smtClean="0"/>
+              <a:t>Our competitors are ahead of us</a:t>
+            </a:r>
+          </a:p>
+          <a:p>
+            <a:pPr marL="171450" lvl="0" indent="-171450">
+              <a:buFont typeface="Wingdings" panose="05000000000000000000" pitchFamily="2" charset="2"/>
+              <a:buChar char="q"/>
+            </a:pPr>
+            <a:r>
+              <a:rPr lang="en-US" baseline="0" dirty="0" smtClean="0"/>
+              <a:t>Developers are enjoying dynamic languages coding.  Fun to </a:t>
+            </a:r>
+            <a:r>
+              <a:rPr lang="en-US" baseline="0" dirty="0" smtClean="0"/>
+              <a:t>work </a:t>
+            </a:r>
+            <a:r>
+              <a:rPr lang="en-US" baseline="0" dirty="0" smtClean="0"/>
+              <a:t>with and easy to show their product to others</a:t>
+            </a:r>
+          </a:p>
+          <a:p>
+            <a:pPr marL="0" lvl="0" indent="0">
+              <a:buFont typeface="Wingdings" panose="05000000000000000000" pitchFamily="2" charset="2"/>
+              <a:buNone/>
+            </a:pPr>
+            <a:r>
+              <a:rPr lang="en-US" baseline="0" dirty="0" smtClean="0"/>
+              <a:t>Not cure for all but have positive impact in the right </a:t>
+            </a:r>
+            <a:r>
+              <a:rPr lang="en-US" baseline="0" dirty="0" smtClean="0"/>
+              <a:t>direction</a:t>
+            </a:r>
+            <a:endParaRPr lang="en-US" baseline="0" dirty="0" smtClean="0"/>
+          </a:p>
+        </p:txBody>
+      </p:sp>
+      <p:sp>
+        <p:nvSpPr>
+          <p:cNvPr id="4" name="Slide Number Placeholder 3"/>
+          <p:cNvSpPr>
+            <a:spLocks noGrp="1"/>
+          </p:cNvSpPr>
+          <p:nvPr>
+            <p:ph type="sldNum" sz="quarter" idx="10"/>
+          </p:nvPr>
+        </p:nvSpPr>
+        <p:spPr/>
+        <p:txBody>
+          <a:bodyPr/>
+          <a:lstStyle/>
+          <a:p>
+            <a:fld id="{45852B25-0A42-4B2F-A5CC-84F19853E605}" type="slidenum">
+              <a:rPr lang="en-US" smtClean="0">
+                <a:solidFill>
+                  <a:srgbClr val="000000"/>
+                </a:solidFill>
+              </a:rPr>
+              <a:pPr/>
+              <a:t>17</a:t>
+            </a:fld>
+            <a:endParaRPr lang="en-US">
+              <a:solidFill>
+                <a:srgbClr val="000000"/>
+              </a:solidFill>
+            </a:endParaRPr>
+          </a:p>
+        </p:txBody>
+      </p:sp>
+    </p:spTree>
+    <p:extLst>
+      <p:ext uri="{BB962C8B-B14F-4D97-AF65-F5344CB8AC3E}">
+        <p14:creationId xmlns:p14="http://schemas.microsoft.com/office/powerpoint/2010/main" val="2320387295"/>
+      </p:ext>
+    </p:extLst>
+  </p:cSld>
+  <p:clrMapOvr>
+    <a:masterClrMapping/>
+  </p:clrMapOvr>
+</p:notes>
+</file>
+
+<file path=ppt/notesSlides/notesSlide18.xml><?xml version="1.0" encoding="utf-8"?>
+<p:notes xmlns:a="http://schemas.openxmlformats.org/drawingml/2006/main" xmlns:r="http://schemas.openxmlformats.org/officeDocument/2006/relationships" xmlns:p="http://schemas.openxmlformats.org/presentationml/2006/main">
+  <p:cSld>
+    <p:spTree>
+      <p:nvGrpSpPr>
+        <p:cNvPr id="1" name=""/>
+        <p:cNvGrpSpPr/>
+        <p:nvPr/>
+      </p:nvGrpSpPr>
+      <p:grpSpPr>
+        <a:xfrm>
+          <a:off x="0" y="0"/>
+          <a:ext cx="0" cy="0"/>
+          <a:chOff x="0" y="0"/>
+          <a:chExt cx="0" cy="0"/>
+        </a:xfrm>
+      </p:grpSpPr>
+      <p:sp>
+        <p:nvSpPr>
+          <p:cNvPr id="2" name="Slide Image Placeholder 1"/>
+          <p:cNvSpPr>
+            <a:spLocks noGrp="1" noRot="1" noChangeAspect="1"/>
+          </p:cNvSpPr>
+          <p:nvPr>
+            <p:ph type="sldImg"/>
+          </p:nvPr>
+        </p:nvSpPr>
+        <p:spPr/>
+      </p:sp>
+      <p:sp>
+        <p:nvSpPr>
+          <p:cNvPr id="3" name="Notes Placeholder 2"/>
+          <p:cNvSpPr>
+            <a:spLocks noGrp="1"/>
+          </p:cNvSpPr>
+          <p:nvPr>
+            <p:ph type="body" idx="1"/>
+          </p:nvPr>
+        </p:nvSpPr>
+        <p:spPr/>
+        <p:txBody>
+          <a:bodyPr>
+            <a:normAutofit fontScale="70000" lnSpcReduction="20000"/>
+          </a:bodyPr>
+          <a:lstStyle/>
+          <a:p>
+            <a:pPr lvl="0" eaLnBrk="0" fontAlgn="base" hangingPunct="0">
+              <a:lnSpc>
+                <a:spcPct val="90000"/>
+              </a:lnSpc>
+              <a:spcBef>
+                <a:spcPts val="3000"/>
+              </a:spcBef>
+              <a:spcAft>
+                <a:spcPct val="40000"/>
+              </a:spcAft>
+              <a:buClr>
+                <a:srgbClr val="FFFFFF"/>
+              </a:buClr>
+            </a:pPr>
+            <a:r>
+              <a:rPr lang="en-US" sz="1400" b="1" kern="0" dirty="0">
+                <a:solidFill>
+                  <a:srgbClr val="292929"/>
+                </a:solidFill>
+                <a:latin typeface="Arial"/>
+              </a:rPr>
+              <a:t>Dynamic languages have an established market position and are gaining in popularity and adoption</a:t>
+            </a:r>
+          </a:p>
+          <a:p>
+            <a:pPr marL="482600" lvl="1" indent="-292100" eaLnBrk="0" fontAlgn="base" hangingPunct="0">
+              <a:spcBef>
+                <a:spcPct val="60000"/>
+              </a:spcBef>
+              <a:spcAft>
+                <a:spcPct val="10000"/>
+              </a:spcAft>
+              <a:buClr>
+                <a:srgbClr val="000000"/>
+              </a:buClr>
+              <a:buSzPct val="90000"/>
+              <a:buFont typeface="Wingdings" pitchFamily="2" charset="2"/>
+              <a:buChar char="q"/>
+            </a:pPr>
+            <a:r>
+              <a:rPr lang="en-US" kern="0" dirty="0" smtClean="0">
+                <a:solidFill>
+                  <a:srgbClr val="000000"/>
+                </a:solidFill>
+                <a:latin typeface="Arial"/>
+              </a:rPr>
+              <a:t>Ruby, Python, JavaScript, and PHP are consistently ranked among the top 10 most popular languages by industry surveys</a:t>
+            </a:r>
+          </a:p>
+          <a:p>
+            <a:pPr marL="952500" lvl="2" indent="-279400" eaLnBrk="0" fontAlgn="base" hangingPunct="0">
+              <a:lnSpc>
+                <a:spcPct val="90000"/>
+              </a:lnSpc>
+              <a:spcBef>
+                <a:spcPct val="30000"/>
+              </a:spcBef>
+              <a:spcAft>
+                <a:spcPct val="0"/>
+              </a:spcAft>
+              <a:buClr>
+                <a:srgbClr val="000000"/>
+              </a:buClr>
+              <a:buSzPct val="80000"/>
+              <a:buFont typeface="Webdings" pitchFamily="18" charset="2"/>
+              <a:buChar char="="/>
+            </a:pPr>
+            <a:r>
+              <a:rPr lang="en-US" sz="1100" kern="0" dirty="0" err="1" smtClean="0">
+                <a:solidFill>
+                  <a:srgbClr val="000000"/>
+                </a:solidFill>
+                <a:latin typeface="Arial"/>
+              </a:rPr>
+              <a:t>RedMonk</a:t>
+            </a:r>
+            <a:r>
+              <a:rPr lang="en-US" sz="1100" kern="0" dirty="0" smtClean="0">
+                <a:solidFill>
+                  <a:srgbClr val="000000"/>
+                </a:solidFill>
+                <a:latin typeface="Arial"/>
+              </a:rPr>
+              <a:t> </a:t>
+            </a:r>
+            <a:r>
+              <a:rPr lang="en-US" sz="1100" kern="0" dirty="0">
+                <a:solidFill>
+                  <a:srgbClr val="000000"/>
+                </a:solidFill>
+                <a:latin typeface="Arial"/>
+              </a:rPr>
+              <a:t>Programming Language Rankings – ranks language popularity with developers based on activity on </a:t>
+            </a:r>
+            <a:r>
+              <a:rPr lang="en-US" sz="1100" kern="0" dirty="0" err="1">
+                <a:solidFill>
+                  <a:srgbClr val="000000"/>
+                </a:solidFill>
+                <a:latin typeface="Arial"/>
+              </a:rPr>
+              <a:t>GitHub</a:t>
+            </a:r>
+            <a:r>
+              <a:rPr lang="en-US" sz="1100" kern="0" dirty="0">
+                <a:solidFill>
+                  <a:srgbClr val="000000"/>
+                </a:solidFill>
+                <a:latin typeface="Arial"/>
+              </a:rPr>
+              <a:t> and </a:t>
+            </a:r>
+            <a:r>
+              <a:rPr lang="en-US" sz="1100" kern="0" dirty="0" err="1">
+                <a:solidFill>
+                  <a:srgbClr val="000000"/>
+                </a:solidFill>
+                <a:latin typeface="Arial"/>
+              </a:rPr>
+              <a:t>StackOverflow</a:t>
+            </a:r>
+            <a:r>
+              <a:rPr lang="en-US" sz="1100" kern="0" dirty="0">
+                <a:solidFill>
+                  <a:srgbClr val="000000"/>
+                </a:solidFill>
+                <a:latin typeface="Arial"/>
+              </a:rPr>
+              <a:t>.</a:t>
+            </a:r>
+          </a:p>
+          <a:p>
+            <a:pPr marL="952500" lvl="2" indent="-279400" eaLnBrk="0" fontAlgn="base" hangingPunct="0">
+              <a:lnSpc>
+                <a:spcPct val="90000"/>
+              </a:lnSpc>
+              <a:spcBef>
+                <a:spcPct val="30000"/>
+              </a:spcBef>
+              <a:spcAft>
+                <a:spcPct val="0"/>
+              </a:spcAft>
+              <a:buClr>
+                <a:srgbClr val="000000"/>
+              </a:buClr>
+              <a:buSzPct val="80000"/>
+              <a:buFont typeface="Webdings" pitchFamily="18" charset="2"/>
+              <a:buChar char="="/>
+            </a:pPr>
+            <a:r>
+              <a:rPr lang="en-US" sz="1100" kern="0" dirty="0">
+                <a:solidFill>
+                  <a:srgbClr val="000000"/>
+                </a:solidFill>
+                <a:latin typeface="Arial"/>
+              </a:rPr>
+              <a:t>TIOBE Programming Community Index – ranks language popularity based on search results from search engines Google, Bing, Yahoo!, Wikipedia, Amazon, YouTube, and </a:t>
+            </a:r>
+            <a:r>
+              <a:rPr lang="en-US" sz="1100" kern="0" dirty="0" err="1">
+                <a:solidFill>
+                  <a:srgbClr val="000000"/>
+                </a:solidFill>
+                <a:latin typeface="Arial"/>
+              </a:rPr>
+              <a:t>Baidu</a:t>
+            </a:r>
+            <a:r>
+              <a:rPr lang="en-US" sz="1100" kern="0" dirty="0" smtClean="0">
+                <a:solidFill>
+                  <a:srgbClr val="000000"/>
+                </a:solidFill>
+                <a:latin typeface="Arial"/>
+              </a:rPr>
+              <a:t>.</a:t>
+            </a:r>
+            <a:endParaRPr lang="en-US" kern="0" dirty="0" smtClean="0">
+              <a:solidFill>
+                <a:srgbClr val="000000"/>
+              </a:solidFill>
+              <a:latin typeface="Arial"/>
+            </a:endParaRPr>
+          </a:p>
+          <a:p>
+            <a:pPr marL="482600" lvl="1" indent="-292100" eaLnBrk="0" fontAlgn="base" hangingPunct="0">
+              <a:spcBef>
+                <a:spcPct val="60000"/>
+              </a:spcBef>
+              <a:spcAft>
+                <a:spcPct val="10000"/>
+              </a:spcAft>
+              <a:buClr>
+                <a:srgbClr val="000000"/>
+              </a:buClr>
+              <a:buSzPct val="90000"/>
+              <a:buFont typeface="Wingdings" pitchFamily="2" charset="2"/>
+              <a:buChar char="q"/>
+            </a:pPr>
+            <a:r>
+              <a:rPr lang="en-US" kern="0" dirty="0" smtClean="0">
+                <a:solidFill>
+                  <a:srgbClr val="000000"/>
+                </a:solidFill>
+                <a:latin typeface="Arial"/>
+              </a:rPr>
+              <a:t>Gartner reports endorse the adoption of dynamic </a:t>
+            </a:r>
+            <a:r>
+              <a:rPr lang="en-US" kern="0" dirty="0" smtClean="0">
+                <a:solidFill>
+                  <a:srgbClr val="000000"/>
+                </a:solidFill>
+                <a:latin typeface="Arial"/>
+              </a:rPr>
+              <a:t>languages</a:t>
+            </a:r>
+          </a:p>
+          <a:p>
+            <a:pPr marL="482600" lvl="1" indent="-292100" eaLnBrk="0" fontAlgn="base" hangingPunct="0">
+              <a:spcBef>
+                <a:spcPct val="60000"/>
+              </a:spcBef>
+              <a:spcAft>
+                <a:spcPct val="10000"/>
+              </a:spcAft>
+              <a:buClr>
+                <a:srgbClr val="000000"/>
+              </a:buClr>
+              <a:buSzPct val="90000"/>
+              <a:buFont typeface="Wingdings" pitchFamily="2" charset="2"/>
+              <a:buChar char="q"/>
+            </a:pPr>
+            <a:r>
+              <a:rPr lang="en-US" kern="0" dirty="0" err="1" smtClean="0">
+                <a:solidFill>
+                  <a:srgbClr val="000000"/>
+                </a:solidFill>
+                <a:latin typeface="Arial"/>
+              </a:rPr>
+              <a:t>ThoughtWorks’s</a:t>
+            </a:r>
+            <a:r>
+              <a:rPr lang="en-US" kern="0" dirty="0" smtClean="0">
+                <a:solidFill>
+                  <a:srgbClr val="000000"/>
+                </a:solidFill>
+                <a:latin typeface="Arial"/>
+              </a:rPr>
+              <a:t> </a:t>
+            </a:r>
+            <a:r>
+              <a:rPr lang="en-US" kern="0" dirty="0" smtClean="0">
+                <a:solidFill>
+                  <a:srgbClr val="000000"/>
+                </a:solidFill>
+                <a:latin typeface="Arial"/>
+              </a:rPr>
+              <a:t>influential Tech Radar moved Scala and </a:t>
+            </a:r>
+            <a:r>
+              <a:rPr lang="en-US" kern="0" dirty="0" err="1" smtClean="0">
+                <a:solidFill>
+                  <a:srgbClr val="000000"/>
+                </a:solidFill>
+                <a:latin typeface="Arial"/>
+              </a:rPr>
+              <a:t>Clojure</a:t>
+            </a:r>
+            <a:r>
+              <a:rPr lang="en-US" kern="0" dirty="0" smtClean="0">
+                <a:solidFill>
+                  <a:srgbClr val="000000"/>
+                </a:solidFill>
+                <a:latin typeface="Arial"/>
+              </a:rPr>
+              <a:t> from “Trial” to “Adopt” in Oct 2012</a:t>
+            </a:r>
+          </a:p>
+          <a:p>
+            <a:pPr marL="482600" lvl="1" indent="-292100" eaLnBrk="0" fontAlgn="base" hangingPunct="0">
+              <a:spcBef>
+                <a:spcPct val="60000"/>
+              </a:spcBef>
+              <a:spcAft>
+                <a:spcPct val="10000"/>
+              </a:spcAft>
+              <a:buClr>
+                <a:srgbClr val="000000"/>
+              </a:buClr>
+              <a:buSzPct val="90000"/>
+              <a:buFont typeface="Wingdings" pitchFamily="2" charset="2"/>
+              <a:buChar char="q"/>
+            </a:pPr>
+            <a:r>
+              <a:rPr lang="en-US" kern="0" dirty="0" smtClean="0">
+                <a:solidFill>
+                  <a:srgbClr val="000000"/>
+                </a:solidFill>
+                <a:latin typeface="Arial"/>
+              </a:rPr>
+              <a:t>Industry thought leaders are supporting dynamic languages</a:t>
+            </a:r>
+          </a:p>
+          <a:p>
+            <a:pPr marL="952500" lvl="2" indent="-279400" eaLnBrk="0" fontAlgn="base" hangingPunct="0">
+              <a:lnSpc>
+                <a:spcPct val="90000"/>
+              </a:lnSpc>
+              <a:spcBef>
+                <a:spcPct val="30000"/>
+              </a:spcBef>
+              <a:spcAft>
+                <a:spcPct val="0"/>
+              </a:spcAft>
+              <a:buClr>
+                <a:srgbClr val="000000"/>
+              </a:buClr>
+              <a:buSzPct val="80000"/>
+              <a:buFont typeface="Webdings" pitchFamily="18" charset="2"/>
+              <a:buChar char="="/>
+            </a:pPr>
+            <a:r>
+              <a:rPr lang="en-US" sz="1100" kern="0" dirty="0" smtClean="0">
+                <a:solidFill>
+                  <a:srgbClr val="000000"/>
+                </a:solidFill>
+                <a:latin typeface="Arial"/>
+              </a:rPr>
+              <a:t>Martin </a:t>
+            </a:r>
+            <a:r>
+              <a:rPr lang="en-US" sz="1100" kern="0" dirty="0">
+                <a:solidFill>
+                  <a:srgbClr val="000000"/>
+                </a:solidFill>
+                <a:latin typeface="Arial"/>
+              </a:rPr>
+              <a:t>Fowler, famous for groundbreaking work in many areas of software engineering, including patterns, refactoring, and continuous integration, has stated that “</a:t>
+            </a:r>
+            <a:r>
+              <a:rPr lang="en-US" sz="1100" i="1" kern="0" dirty="0">
+                <a:solidFill>
+                  <a:srgbClr val="000000"/>
+                </a:solidFill>
+                <a:latin typeface="Arial"/>
+              </a:rPr>
+              <a:t>Ruby is a viable platform that should be seriously considered for many forms of applications - in particular web applications using Ruby on Rails</a:t>
+            </a:r>
+            <a:r>
+              <a:rPr lang="en-US" sz="1100" kern="0" dirty="0">
+                <a:solidFill>
+                  <a:srgbClr val="000000"/>
+                </a:solidFill>
+                <a:latin typeface="Arial"/>
+              </a:rPr>
+              <a:t>”.</a:t>
+            </a:r>
+          </a:p>
+          <a:p>
+            <a:pPr marL="952500" lvl="2" indent="-279400" eaLnBrk="0" fontAlgn="base" hangingPunct="0">
+              <a:lnSpc>
+                <a:spcPct val="90000"/>
+              </a:lnSpc>
+              <a:spcBef>
+                <a:spcPct val="30000"/>
+              </a:spcBef>
+              <a:spcAft>
+                <a:spcPct val="0"/>
+              </a:spcAft>
+              <a:buClr>
+                <a:srgbClr val="000000"/>
+              </a:buClr>
+              <a:buSzPct val="80000"/>
+              <a:buFont typeface="Webdings" pitchFamily="18" charset="2"/>
+              <a:buChar char="="/>
+            </a:pPr>
+            <a:r>
+              <a:rPr lang="en-US" sz="1100" kern="0" dirty="0">
+                <a:solidFill>
+                  <a:srgbClr val="000000"/>
+                </a:solidFill>
+                <a:latin typeface="Arial"/>
+              </a:rPr>
+              <a:t>Spring framework creator Rob Johnson has joined </a:t>
+            </a:r>
+            <a:r>
+              <a:rPr lang="en-US" sz="1100" kern="0" dirty="0" err="1">
+                <a:solidFill>
+                  <a:srgbClr val="000000"/>
+                </a:solidFill>
+                <a:latin typeface="Arial"/>
+              </a:rPr>
+              <a:t>Typesafe’s</a:t>
+            </a:r>
+            <a:r>
+              <a:rPr lang="en-US" sz="1100" kern="0" dirty="0">
+                <a:solidFill>
+                  <a:srgbClr val="000000"/>
+                </a:solidFill>
+                <a:latin typeface="Arial"/>
+              </a:rPr>
+              <a:t> board, bringing additional credibility to </a:t>
+            </a:r>
+            <a:r>
+              <a:rPr lang="en-US" sz="1100" kern="0" dirty="0" err="1">
+                <a:solidFill>
+                  <a:srgbClr val="000000"/>
+                </a:solidFill>
+                <a:latin typeface="Arial"/>
+              </a:rPr>
+              <a:t>Scala</a:t>
+            </a:r>
+            <a:r>
+              <a:rPr lang="en-US" sz="1100" kern="0" dirty="0">
+                <a:solidFill>
+                  <a:srgbClr val="000000"/>
+                </a:solidFill>
+                <a:latin typeface="Arial"/>
+              </a:rPr>
+              <a:t> and Play.</a:t>
+            </a:r>
+          </a:p>
+          <a:p>
+            <a:endParaRPr lang="en-US" dirty="0"/>
+          </a:p>
+        </p:txBody>
+      </p:sp>
+      <p:sp>
+        <p:nvSpPr>
+          <p:cNvPr id="4" name="Slide Number Placeholder 3"/>
+          <p:cNvSpPr>
+            <a:spLocks noGrp="1"/>
+          </p:cNvSpPr>
+          <p:nvPr>
+            <p:ph type="sldNum" sz="quarter" idx="10"/>
+          </p:nvPr>
+        </p:nvSpPr>
+        <p:spPr/>
+        <p:txBody>
+          <a:bodyPr/>
+          <a:lstStyle/>
+          <a:p>
+            <a:fld id="{45852B25-0A42-4B2F-A5CC-84F19853E605}" type="slidenum">
+              <a:rPr lang="en-US" smtClean="0">
+                <a:solidFill>
+                  <a:srgbClr val="000000"/>
+                </a:solidFill>
+              </a:rPr>
+              <a:pPr/>
+              <a:t>18</a:t>
+            </a:fld>
+            <a:endParaRPr lang="en-US">
+              <a:solidFill>
+                <a:srgbClr val="000000"/>
+              </a:solidFill>
+            </a:endParaRPr>
+          </a:p>
+        </p:txBody>
+      </p:sp>
+    </p:spTree>
+    <p:extLst>
+      <p:ext uri="{BB962C8B-B14F-4D97-AF65-F5344CB8AC3E}">
+        <p14:creationId xmlns:p14="http://schemas.microsoft.com/office/powerpoint/2010/main" val="362583761"/>
+      </p:ext>
+    </p:extLst>
+  </p:cSld>
+  <p:clrMapOvr>
+    <a:masterClrMapping/>
+  </p:clrMapOvr>
+</p:notes>
+</file>
+
+<file path=ppt/notesSlides/notesSlide19.xml><?xml version="1.0" encoding="utf-8"?>
+<p:notes xmlns:a="http://schemas.openxmlformats.org/drawingml/2006/main" xmlns:r="http://schemas.openxmlformats.org/officeDocument/2006/relationships" xmlns:p="http://schemas.openxmlformats.org/presentationml/2006/main">
+  <p:cSld>
+    <p:spTree>
+      <p:nvGrpSpPr>
+        <p:cNvPr id="1" name=""/>
+        <p:cNvGrpSpPr/>
+        <p:nvPr/>
+      </p:nvGrpSpPr>
+      <p:grpSpPr>
+        <a:xfrm>
+          <a:off x="0" y="0"/>
+          <a:ext cx="0" cy="0"/>
+          <a:chOff x="0" y="0"/>
+          <a:chExt cx="0" cy="0"/>
+        </a:xfrm>
+      </p:grpSpPr>
+      <p:sp>
+        <p:nvSpPr>
+          <p:cNvPr id="2" name="Slide Image Placeholder 1"/>
+          <p:cNvSpPr>
+            <a:spLocks noGrp="1" noRot="1" noChangeAspect="1"/>
+          </p:cNvSpPr>
+          <p:nvPr>
+            <p:ph type="sldImg"/>
+          </p:nvPr>
+        </p:nvSpPr>
+        <p:spPr/>
+      </p:sp>
+      <p:sp>
+        <p:nvSpPr>
+          <p:cNvPr id="3" name="Notes Placeholder 2"/>
+          <p:cNvSpPr>
+            <a:spLocks noGrp="1"/>
+          </p:cNvSpPr>
+          <p:nvPr>
+            <p:ph type="body" idx="1"/>
+          </p:nvPr>
+        </p:nvSpPr>
+        <p:spPr/>
+        <p:txBody>
+          <a:bodyPr>
+            <a:normAutofit/>
+          </a:bodyPr>
+          <a:lstStyle/>
+          <a:p>
+            <a:endParaRPr lang="en-US" sz="1000" dirty="0"/>
+          </a:p>
+        </p:txBody>
+      </p:sp>
+      <p:sp>
+        <p:nvSpPr>
+          <p:cNvPr id="4" name="Slide Number Placeholder 3"/>
+          <p:cNvSpPr>
+            <a:spLocks noGrp="1"/>
+          </p:cNvSpPr>
+          <p:nvPr>
+            <p:ph type="sldNum" sz="quarter" idx="10"/>
+          </p:nvPr>
+        </p:nvSpPr>
+        <p:spPr/>
+        <p:txBody>
+          <a:bodyPr/>
+          <a:lstStyle/>
+          <a:p>
+            <a:fld id="{45852B25-0A42-4B2F-A5CC-84F19853E605}" type="slidenum">
+              <a:rPr lang="en-US" smtClean="0">
+                <a:solidFill>
+                  <a:srgbClr val="000000"/>
+                </a:solidFill>
+              </a:rPr>
+              <a:pPr/>
+              <a:t>19</a:t>
+            </a:fld>
+            <a:endParaRPr lang="en-US">
+              <a:solidFill>
+                <a:srgbClr val="000000"/>
+              </a:solidFill>
+            </a:endParaRPr>
+          </a:p>
+        </p:txBody>
+      </p:sp>
+    </p:spTree>
+    <p:extLst>
+      <p:ext uri="{BB962C8B-B14F-4D97-AF65-F5344CB8AC3E}">
+        <p14:creationId xmlns:p14="http://schemas.microsoft.com/office/powerpoint/2010/main" val="3793601919"/>
+      </p:ext>
+    </p:extLst>
+  </p:cSld>
+  <p:clrMapOvr>
+    <a:masterClrMapping/>
+  </p:clrMapOvr>
+</p:notes>
+</file>
+
 <file path=ppt/notesSlides/notesSlide2.xml><?xml version="1.0" encoding="utf-8"?>
 <p:notes xmlns:a="http://schemas.openxmlformats.org/drawingml/2006/main" xmlns:r="http://schemas.openxmlformats.org/officeDocument/2006/relationships" xmlns:p="http://schemas.openxmlformats.org/presentationml/2006/main">
   <p:cSld>
@@ -862,7 +2612,7 @@
           <a:bodyPr/>
           <a:lstStyle/>
           <a:p>
-            <a:endParaRPr lang="en-US"/>
+            <a:endParaRPr lang="en-US" dirty="0"/>
           </a:p>
         </p:txBody>
       </p:sp>
@@ -881,10 +2631,818 @@
           <a:bodyPr/>
           <a:lstStyle/>
           <a:p>
+            <a:fld id="{0C2B02A6-44A8-594C-8023-D31DDC0C2785}" type="slidenum">
+              <a:rPr lang="en-US" smtClean="0"/>
+              <a:t>2</a:t>
+            </a:fld>
+            <a:endParaRPr lang="en-US"/>
+          </a:p>
+        </p:txBody>
+      </p:sp>
+    </p:spTree>
+    <p:extLst>
+      <p:ext uri="{BB962C8B-B14F-4D97-AF65-F5344CB8AC3E}">
+        <p14:creationId xmlns:p14="http://schemas.microsoft.com/office/powerpoint/2010/main" val="796205729"/>
+      </p:ext>
+    </p:extLst>
+  </p:cSld>
+  <p:clrMapOvr>
+    <a:masterClrMapping/>
+  </p:clrMapOvr>
+</p:notes>
+</file>
+
+<file path=ppt/notesSlides/notesSlide20.xml><?xml version="1.0" encoding="utf-8"?>
+<p:notes xmlns:a="http://schemas.openxmlformats.org/drawingml/2006/main" xmlns:r="http://schemas.openxmlformats.org/officeDocument/2006/relationships" xmlns:p="http://schemas.openxmlformats.org/presentationml/2006/main">
+  <p:cSld>
+    <p:spTree>
+      <p:nvGrpSpPr>
+        <p:cNvPr id="1" name=""/>
+        <p:cNvGrpSpPr/>
+        <p:nvPr/>
+      </p:nvGrpSpPr>
+      <p:grpSpPr>
+        <a:xfrm>
+          <a:off x="0" y="0"/>
+          <a:ext cx="0" cy="0"/>
+          <a:chOff x="0" y="0"/>
+          <a:chExt cx="0" cy="0"/>
+        </a:xfrm>
+      </p:grpSpPr>
+      <p:sp>
+        <p:nvSpPr>
+          <p:cNvPr id="2" name="Slide Image Placeholder 1"/>
+          <p:cNvSpPr>
+            <a:spLocks noGrp="1" noRot="1" noChangeAspect="1"/>
+          </p:cNvSpPr>
+          <p:nvPr>
+            <p:ph type="sldImg"/>
+          </p:nvPr>
+        </p:nvSpPr>
+        <p:spPr/>
+      </p:sp>
+      <p:sp>
+        <p:nvSpPr>
+          <p:cNvPr id="3" name="Notes Placeholder 2"/>
+          <p:cNvSpPr>
+            <a:spLocks noGrp="1"/>
+          </p:cNvSpPr>
+          <p:nvPr>
+            <p:ph type="body" idx="1"/>
+          </p:nvPr>
+        </p:nvSpPr>
+        <p:spPr/>
+        <p:txBody>
+          <a:bodyPr>
+            <a:normAutofit fontScale="70000" lnSpcReduction="20000"/>
+          </a:bodyPr>
+          <a:lstStyle/>
+          <a:p>
+            <a:pPr lvl="0" eaLnBrk="0" fontAlgn="base" hangingPunct="0">
+              <a:lnSpc>
+                <a:spcPct val="90000"/>
+              </a:lnSpc>
+              <a:spcBef>
+                <a:spcPts val="3000"/>
+              </a:spcBef>
+              <a:spcAft>
+                <a:spcPct val="40000"/>
+              </a:spcAft>
+              <a:buClr>
+                <a:srgbClr val="FFFFFF"/>
+              </a:buClr>
+            </a:pPr>
+            <a:r>
+              <a:rPr lang="en-US" sz="1700" b="1" kern="0" dirty="0">
+                <a:solidFill>
+                  <a:srgbClr val="292929"/>
+                </a:solidFill>
+                <a:latin typeface="Arial"/>
+              </a:rPr>
+              <a:t>Many kinds of business applications align with the previously-listed use cases and are well-suited for development with dynamic languages</a:t>
+            </a:r>
+          </a:p>
+          <a:p>
+            <a:pPr marL="482600" lvl="1" indent="-292100" eaLnBrk="0" fontAlgn="base" hangingPunct="0">
+              <a:spcBef>
+                <a:spcPct val="60000"/>
+              </a:spcBef>
+              <a:spcAft>
+                <a:spcPct val="10000"/>
+              </a:spcAft>
+              <a:buClr>
+                <a:srgbClr val="000000"/>
+              </a:buClr>
+              <a:buSzPct val="90000"/>
+              <a:buFont typeface="Wingdings" pitchFamily="2" charset="2"/>
+              <a:buChar char="q"/>
+            </a:pPr>
+            <a:r>
+              <a:rPr lang="en-US" sz="1500" kern="0" dirty="0">
+                <a:solidFill>
+                  <a:srgbClr val="000000"/>
+                </a:solidFill>
+                <a:latin typeface="Arial"/>
+              </a:rPr>
+              <a:t>Marketing websites</a:t>
+            </a:r>
+          </a:p>
+          <a:p>
+            <a:pPr marL="952500" lvl="2" indent="-279400" eaLnBrk="0" fontAlgn="base" hangingPunct="0">
+              <a:lnSpc>
+                <a:spcPct val="90000"/>
+              </a:lnSpc>
+              <a:spcBef>
+                <a:spcPct val="30000"/>
+              </a:spcBef>
+              <a:spcAft>
+                <a:spcPct val="0"/>
+              </a:spcAft>
+              <a:buClr>
+                <a:srgbClr val="000000"/>
+              </a:buClr>
+              <a:buSzPct val="80000"/>
+              <a:buFont typeface="Webdings" pitchFamily="18" charset="2"/>
+              <a:buChar char="="/>
+            </a:pPr>
+            <a:r>
+              <a:rPr lang="en-US" sz="1300" kern="0" dirty="0">
+                <a:solidFill>
+                  <a:srgbClr val="000000"/>
+                </a:solidFill>
+                <a:latin typeface="Arial"/>
+              </a:rPr>
+              <a:t>Websites that provide product catalogs, user registration, search, social networking, content targeting</a:t>
+            </a:r>
+          </a:p>
+          <a:p>
+            <a:pPr marL="482600" lvl="1" indent="-292100" eaLnBrk="0" fontAlgn="base" hangingPunct="0">
+              <a:spcBef>
+                <a:spcPct val="60000"/>
+              </a:spcBef>
+              <a:spcAft>
+                <a:spcPct val="10000"/>
+              </a:spcAft>
+              <a:buClr>
+                <a:srgbClr val="000000"/>
+              </a:buClr>
+              <a:buSzPct val="90000"/>
+              <a:buFont typeface="Wingdings" pitchFamily="2" charset="2"/>
+              <a:buChar char="q"/>
+            </a:pPr>
+            <a:r>
+              <a:rPr lang="en-US" sz="1500" kern="0" dirty="0">
+                <a:solidFill>
+                  <a:srgbClr val="000000"/>
+                </a:solidFill>
+                <a:latin typeface="Arial"/>
+              </a:rPr>
+              <a:t>Sports websites</a:t>
+            </a:r>
+          </a:p>
+          <a:p>
+            <a:pPr marL="482600" lvl="1" indent="-292100" eaLnBrk="0" fontAlgn="base" hangingPunct="0">
+              <a:spcBef>
+                <a:spcPct val="60000"/>
+              </a:spcBef>
+              <a:spcAft>
+                <a:spcPct val="10000"/>
+              </a:spcAft>
+              <a:buClr>
+                <a:srgbClr val="000000"/>
+              </a:buClr>
+              <a:buSzPct val="90000"/>
+              <a:buFont typeface="Wingdings" pitchFamily="2" charset="2"/>
+              <a:buChar char="q"/>
+            </a:pPr>
+            <a:r>
+              <a:rPr lang="en-US" sz="1500" kern="0" dirty="0">
+                <a:solidFill>
+                  <a:srgbClr val="000000"/>
+                </a:solidFill>
+                <a:latin typeface="Arial"/>
+              </a:rPr>
+              <a:t>Shopping websites</a:t>
+            </a:r>
+          </a:p>
+          <a:p>
+            <a:pPr marL="952500" lvl="2" indent="-279400" eaLnBrk="0" fontAlgn="base" hangingPunct="0">
+              <a:lnSpc>
+                <a:spcPct val="90000"/>
+              </a:lnSpc>
+              <a:spcBef>
+                <a:spcPct val="30000"/>
+              </a:spcBef>
+              <a:spcAft>
+                <a:spcPct val="0"/>
+              </a:spcAft>
+              <a:buClr>
+                <a:srgbClr val="000000"/>
+              </a:buClr>
+              <a:buSzPct val="80000"/>
+              <a:buFont typeface="Webdings" pitchFamily="18" charset="2"/>
+              <a:buChar char="="/>
+            </a:pPr>
+            <a:r>
+              <a:rPr lang="en-US" sz="1300" kern="0" dirty="0">
+                <a:solidFill>
+                  <a:srgbClr val="000000"/>
+                </a:solidFill>
+                <a:latin typeface="Arial"/>
+              </a:rPr>
+              <a:t>Integrating with external payment services</a:t>
+            </a:r>
+          </a:p>
+          <a:p>
+            <a:pPr marL="482600" lvl="1" indent="-292100" eaLnBrk="0" fontAlgn="base" hangingPunct="0">
+              <a:spcBef>
+                <a:spcPct val="60000"/>
+              </a:spcBef>
+              <a:spcAft>
+                <a:spcPct val="10000"/>
+              </a:spcAft>
+              <a:buClr>
+                <a:srgbClr val="000000"/>
+              </a:buClr>
+              <a:buSzPct val="90000"/>
+              <a:buFont typeface="Wingdings" pitchFamily="2" charset="2"/>
+              <a:buChar char="q"/>
+            </a:pPr>
+            <a:r>
+              <a:rPr lang="en-US" sz="1500" kern="0" dirty="0">
+                <a:solidFill>
+                  <a:srgbClr val="000000"/>
+                </a:solidFill>
+                <a:latin typeface="Arial"/>
+              </a:rPr>
+              <a:t>Collaborative websites</a:t>
+            </a:r>
+          </a:p>
+          <a:p>
+            <a:pPr marL="482600" lvl="1" indent="-292100" eaLnBrk="0" fontAlgn="base" hangingPunct="0">
+              <a:spcBef>
+                <a:spcPct val="60000"/>
+              </a:spcBef>
+              <a:spcAft>
+                <a:spcPct val="10000"/>
+              </a:spcAft>
+              <a:buClr>
+                <a:srgbClr val="000000"/>
+              </a:buClr>
+              <a:buSzPct val="90000"/>
+              <a:buFont typeface="Wingdings" pitchFamily="2" charset="2"/>
+              <a:buChar char="q"/>
+            </a:pPr>
+            <a:r>
+              <a:rPr lang="en-US" sz="1500" kern="0" dirty="0">
+                <a:solidFill>
+                  <a:srgbClr val="000000"/>
+                </a:solidFill>
+                <a:latin typeface="Arial"/>
+              </a:rPr>
+              <a:t>Application pilots to test-market new services offered to customers</a:t>
+            </a:r>
+          </a:p>
+          <a:p>
+            <a:pPr marL="952500" lvl="2" indent="-279400" eaLnBrk="0" fontAlgn="base" hangingPunct="0">
+              <a:lnSpc>
+                <a:spcPct val="90000"/>
+              </a:lnSpc>
+              <a:spcBef>
+                <a:spcPct val="30000"/>
+              </a:spcBef>
+              <a:spcAft>
+                <a:spcPct val="0"/>
+              </a:spcAft>
+              <a:buClr>
+                <a:srgbClr val="000000"/>
+              </a:buClr>
+              <a:buSzPct val="80000"/>
+              <a:buFont typeface="Webdings" pitchFamily="18" charset="2"/>
+              <a:buChar char="="/>
+            </a:pPr>
+            <a:r>
+              <a:rPr lang="en-US" sz="1300" kern="0" dirty="0">
+                <a:solidFill>
+                  <a:srgbClr val="000000"/>
+                </a:solidFill>
+                <a:latin typeface="Arial"/>
+              </a:rPr>
+              <a:t>The pilot can very well become the final application </a:t>
+            </a:r>
+            <a:r>
+              <a:rPr lang="en-US" sz="1300" kern="0" dirty="0">
+                <a:solidFill>
+                  <a:srgbClr val="000000"/>
+                </a:solidFill>
+                <a:latin typeface="Arial"/>
+                <a:sym typeface="Wingdings" pitchFamily="2" charset="2"/>
+              </a:rPr>
+              <a:t></a:t>
+            </a:r>
+            <a:endParaRPr lang="en-US" sz="1300" kern="0" dirty="0">
+              <a:solidFill>
+                <a:srgbClr val="000000"/>
+              </a:solidFill>
+              <a:latin typeface="Arial"/>
+            </a:endParaRPr>
+          </a:p>
+          <a:p>
+            <a:pPr marL="482600" lvl="1" indent="-292100" eaLnBrk="0" fontAlgn="base" hangingPunct="0">
+              <a:spcBef>
+                <a:spcPct val="60000"/>
+              </a:spcBef>
+              <a:spcAft>
+                <a:spcPct val="10000"/>
+              </a:spcAft>
+              <a:buClr>
+                <a:srgbClr val="000000"/>
+              </a:buClr>
+              <a:buSzPct val="90000"/>
+              <a:buFont typeface="Wingdings" pitchFamily="2" charset="2"/>
+              <a:buChar char="q"/>
+            </a:pPr>
+            <a:r>
+              <a:rPr lang="en-US" sz="1500" kern="0" dirty="0">
+                <a:solidFill>
+                  <a:srgbClr val="000000"/>
+                </a:solidFill>
+                <a:latin typeface="Arial"/>
+              </a:rPr>
+              <a:t>Corporate intranet applications</a:t>
+            </a:r>
+          </a:p>
+          <a:p>
+            <a:pPr marL="482600" lvl="1" indent="-292100" eaLnBrk="0" fontAlgn="base" hangingPunct="0">
+              <a:spcBef>
+                <a:spcPct val="60000"/>
+              </a:spcBef>
+              <a:spcAft>
+                <a:spcPct val="10000"/>
+              </a:spcAft>
+              <a:buClr>
+                <a:srgbClr val="000000"/>
+              </a:buClr>
+              <a:buSzPct val="90000"/>
+              <a:buFont typeface="Wingdings" pitchFamily="2" charset="2"/>
+              <a:buChar char="q"/>
+            </a:pPr>
+            <a:r>
+              <a:rPr lang="en-US" sz="1500" kern="0" dirty="0">
+                <a:solidFill>
+                  <a:srgbClr val="000000"/>
+                </a:solidFill>
+                <a:latin typeface="Arial"/>
+              </a:rPr>
+              <a:t>Situational apps</a:t>
+            </a:r>
+          </a:p>
+          <a:p>
+            <a:pPr marL="952500" lvl="2" indent="-279400" eaLnBrk="0" fontAlgn="base" hangingPunct="0">
+              <a:lnSpc>
+                <a:spcPct val="90000"/>
+              </a:lnSpc>
+              <a:spcBef>
+                <a:spcPct val="30000"/>
+              </a:spcBef>
+              <a:spcAft>
+                <a:spcPct val="0"/>
+              </a:spcAft>
+              <a:buClr>
+                <a:srgbClr val="000000"/>
+              </a:buClr>
+              <a:buSzPct val="80000"/>
+              <a:buFont typeface="Webdings" pitchFamily="18" charset="2"/>
+              <a:buChar char="="/>
+            </a:pPr>
+            <a:r>
+              <a:rPr lang="en-US" sz="1300" kern="0" dirty="0">
+                <a:solidFill>
+                  <a:srgbClr val="000000"/>
+                </a:solidFill>
+                <a:latin typeface="Arial"/>
+              </a:rPr>
+              <a:t>“Good enough" software created for a narrow group of users with a unique set of needs</a:t>
+            </a:r>
+          </a:p>
+          <a:p>
+            <a:pPr marL="482600" lvl="1" indent="-292100" eaLnBrk="0" fontAlgn="base" hangingPunct="0">
+              <a:spcBef>
+                <a:spcPct val="60000"/>
+              </a:spcBef>
+              <a:spcAft>
+                <a:spcPct val="10000"/>
+              </a:spcAft>
+              <a:buClr>
+                <a:srgbClr val="000000"/>
+              </a:buClr>
+              <a:buSzPct val="90000"/>
+              <a:buFont typeface="Wingdings" pitchFamily="2" charset="2"/>
+              <a:buChar char="q"/>
+            </a:pPr>
+            <a:r>
+              <a:rPr lang="en-US" sz="1500" kern="0" dirty="0">
+                <a:solidFill>
+                  <a:srgbClr val="000000"/>
+                </a:solidFill>
+                <a:latin typeface="Arial"/>
+              </a:rPr>
+              <a:t>Web frontend for back-end services -- consumer of web services</a:t>
+            </a:r>
+          </a:p>
+          <a:p>
+            <a:pPr marL="952500" lvl="2" indent="-279400" eaLnBrk="0" fontAlgn="base" hangingPunct="0">
+              <a:lnSpc>
+                <a:spcPct val="90000"/>
+              </a:lnSpc>
+              <a:spcBef>
+                <a:spcPct val="30000"/>
+              </a:spcBef>
+              <a:spcAft>
+                <a:spcPct val="0"/>
+              </a:spcAft>
+              <a:buClr>
+                <a:srgbClr val="000000"/>
+              </a:buClr>
+              <a:buSzPct val="80000"/>
+              <a:buFont typeface="Webdings" pitchFamily="18" charset="2"/>
+              <a:buChar char="="/>
+            </a:pPr>
+            <a:r>
+              <a:rPr lang="en-US" sz="1300" kern="0" dirty="0">
+                <a:solidFill>
+                  <a:srgbClr val="000000"/>
+                </a:solidFill>
+                <a:latin typeface="Arial"/>
+              </a:rPr>
+              <a:t>E.g., applications that provide improved user experience around legacy services</a:t>
+            </a:r>
+          </a:p>
+          <a:p>
+            <a:pPr marL="482600" lvl="1" indent="-292100" eaLnBrk="0" fontAlgn="base" hangingPunct="0">
+              <a:spcBef>
+                <a:spcPct val="60000"/>
+              </a:spcBef>
+              <a:spcAft>
+                <a:spcPct val="10000"/>
+              </a:spcAft>
+              <a:buClr>
+                <a:srgbClr val="000000"/>
+              </a:buClr>
+              <a:buSzPct val="90000"/>
+              <a:buFont typeface="Wingdings" pitchFamily="2" charset="2"/>
+              <a:buChar char="q"/>
+            </a:pPr>
+            <a:r>
+              <a:rPr lang="en-US" sz="1500" kern="0" dirty="0" err="1">
+                <a:solidFill>
+                  <a:srgbClr val="000000"/>
+                </a:solidFill>
+                <a:latin typeface="Arial"/>
+              </a:rPr>
+              <a:t>RESTful</a:t>
+            </a:r>
+            <a:r>
+              <a:rPr lang="en-US" sz="1500" kern="0" dirty="0">
+                <a:solidFill>
+                  <a:srgbClr val="000000"/>
+                </a:solidFill>
+                <a:latin typeface="Arial"/>
+              </a:rPr>
+              <a:t> service APIs -- provider of web services</a:t>
+            </a:r>
+          </a:p>
+          <a:p>
+            <a:pPr marL="952500" lvl="2" indent="-279400" eaLnBrk="0" fontAlgn="base" hangingPunct="0">
+              <a:lnSpc>
+                <a:spcPct val="90000"/>
+              </a:lnSpc>
+              <a:spcBef>
+                <a:spcPct val="30000"/>
+              </a:spcBef>
+              <a:spcAft>
+                <a:spcPct val="0"/>
+              </a:spcAft>
+              <a:buClr>
+                <a:srgbClr val="000000"/>
+              </a:buClr>
+              <a:buSzPct val="80000"/>
+              <a:buFont typeface="Webdings" pitchFamily="18" charset="2"/>
+              <a:buChar char="="/>
+            </a:pPr>
+            <a:r>
+              <a:rPr lang="en-US" sz="1300" kern="0" dirty="0">
+                <a:solidFill>
+                  <a:srgbClr val="000000"/>
+                </a:solidFill>
+                <a:latin typeface="Arial"/>
+              </a:rPr>
+              <a:t>E.g., supporting rich client social and mobile apps</a:t>
+            </a:r>
+          </a:p>
+          <a:p>
+            <a:endParaRPr lang="en-US" dirty="0"/>
+          </a:p>
+        </p:txBody>
+      </p:sp>
+      <p:sp>
+        <p:nvSpPr>
+          <p:cNvPr id="4" name="Slide Number Placeholder 3"/>
+          <p:cNvSpPr>
+            <a:spLocks noGrp="1"/>
+          </p:cNvSpPr>
+          <p:nvPr>
+            <p:ph type="sldNum" sz="quarter" idx="10"/>
+          </p:nvPr>
+        </p:nvSpPr>
+        <p:spPr/>
+        <p:txBody>
+          <a:bodyPr/>
+          <a:lstStyle/>
+          <a:p>
+            <a:fld id="{45852B25-0A42-4B2F-A5CC-84F19853E605}" type="slidenum">
+              <a:rPr lang="en-US" smtClean="0">
+                <a:solidFill>
+                  <a:srgbClr val="000000"/>
+                </a:solidFill>
+              </a:rPr>
+              <a:pPr/>
+              <a:t>20</a:t>
+            </a:fld>
+            <a:endParaRPr lang="en-US">
+              <a:solidFill>
+                <a:srgbClr val="000000"/>
+              </a:solidFill>
+            </a:endParaRPr>
+          </a:p>
+        </p:txBody>
+      </p:sp>
+    </p:spTree>
+    <p:extLst>
+      <p:ext uri="{BB962C8B-B14F-4D97-AF65-F5344CB8AC3E}">
+        <p14:creationId xmlns:p14="http://schemas.microsoft.com/office/powerpoint/2010/main" val="1031116058"/>
+      </p:ext>
+    </p:extLst>
+  </p:cSld>
+  <p:clrMapOvr>
+    <a:masterClrMapping/>
+  </p:clrMapOvr>
+</p:notes>
+</file>
+
+<file path=ppt/notesSlides/notesSlide21.xml><?xml version="1.0" encoding="utf-8"?>
+<p:notes xmlns:a="http://schemas.openxmlformats.org/drawingml/2006/main" xmlns:r="http://schemas.openxmlformats.org/officeDocument/2006/relationships" xmlns:p="http://schemas.openxmlformats.org/presentationml/2006/main">
+  <p:cSld>
+    <p:spTree>
+      <p:nvGrpSpPr>
+        <p:cNvPr id="1" name=""/>
+        <p:cNvGrpSpPr/>
+        <p:nvPr/>
+      </p:nvGrpSpPr>
+      <p:grpSpPr>
+        <a:xfrm>
+          <a:off x="0" y="0"/>
+          <a:ext cx="0" cy="0"/>
+          <a:chOff x="0" y="0"/>
+          <a:chExt cx="0" cy="0"/>
+        </a:xfrm>
+      </p:grpSpPr>
+      <p:sp>
+        <p:nvSpPr>
+          <p:cNvPr id="2" name="Slide Image Placeholder 1"/>
+          <p:cNvSpPr>
+            <a:spLocks noGrp="1" noRot="1" noChangeAspect="1"/>
+          </p:cNvSpPr>
+          <p:nvPr>
+            <p:ph type="sldImg"/>
+          </p:nvPr>
+        </p:nvSpPr>
+        <p:spPr/>
+      </p:sp>
+      <p:sp>
+        <p:nvSpPr>
+          <p:cNvPr id="3" name="Notes Placeholder 2"/>
+          <p:cNvSpPr>
+            <a:spLocks noGrp="1"/>
+          </p:cNvSpPr>
+          <p:nvPr>
+            <p:ph type="body" idx="1"/>
+          </p:nvPr>
+        </p:nvSpPr>
+        <p:spPr/>
+        <p:txBody>
+          <a:bodyPr/>
+          <a:lstStyle/>
+          <a:p>
+            <a:endParaRPr lang="en-US"/>
+          </a:p>
+        </p:txBody>
+      </p:sp>
+      <p:sp>
+        <p:nvSpPr>
+          <p:cNvPr id="4" name="Slide Number Placeholder 3"/>
+          <p:cNvSpPr>
+            <a:spLocks noGrp="1"/>
+          </p:cNvSpPr>
+          <p:nvPr>
+            <p:ph type="sldNum" sz="quarter" idx="10"/>
+          </p:nvPr>
+        </p:nvSpPr>
+        <p:spPr/>
+        <p:txBody>
+          <a:bodyPr/>
+          <a:lstStyle/>
+          <a:p>
+            <a:fld id="{45852B25-0A42-4B2F-A5CC-84F19853E605}" type="slidenum">
+              <a:rPr lang="en-US" smtClean="0">
+                <a:solidFill>
+                  <a:srgbClr val="000000"/>
+                </a:solidFill>
+              </a:rPr>
+              <a:pPr/>
+              <a:t>21</a:t>
+            </a:fld>
+            <a:endParaRPr lang="en-US">
+              <a:solidFill>
+                <a:srgbClr val="000000"/>
+              </a:solidFill>
+            </a:endParaRPr>
+          </a:p>
+        </p:txBody>
+      </p:sp>
+    </p:spTree>
+    <p:extLst>
+      <p:ext uri="{BB962C8B-B14F-4D97-AF65-F5344CB8AC3E}">
+        <p14:creationId xmlns:p14="http://schemas.microsoft.com/office/powerpoint/2010/main" val="3099870947"/>
+      </p:ext>
+    </p:extLst>
+  </p:cSld>
+  <p:clrMapOvr>
+    <a:masterClrMapping/>
+  </p:clrMapOvr>
+</p:notes>
+</file>
+
+<file path=ppt/notesSlides/notesSlide22.xml><?xml version="1.0" encoding="utf-8"?>
+<p:notes xmlns:a="http://schemas.openxmlformats.org/drawingml/2006/main" xmlns:r="http://schemas.openxmlformats.org/officeDocument/2006/relationships" xmlns:p="http://schemas.openxmlformats.org/presentationml/2006/main">
+  <p:cSld>
+    <p:spTree>
+      <p:nvGrpSpPr>
+        <p:cNvPr id="1" name=""/>
+        <p:cNvGrpSpPr/>
+        <p:nvPr/>
+      </p:nvGrpSpPr>
+      <p:grpSpPr>
+        <a:xfrm>
+          <a:off x="0" y="0"/>
+          <a:ext cx="0" cy="0"/>
+          <a:chOff x="0" y="0"/>
+          <a:chExt cx="0" cy="0"/>
+        </a:xfrm>
+      </p:grpSpPr>
+      <p:sp>
+        <p:nvSpPr>
+          <p:cNvPr id="2" name="Slide Image Placeholder 1"/>
+          <p:cNvSpPr>
+            <a:spLocks noGrp="1" noRot="1" noChangeAspect="1"/>
+          </p:cNvSpPr>
+          <p:nvPr>
+            <p:ph type="sldImg"/>
+          </p:nvPr>
+        </p:nvSpPr>
+        <p:spPr/>
+      </p:sp>
+      <p:sp>
+        <p:nvSpPr>
+          <p:cNvPr id="3" name="Notes Placeholder 2"/>
+          <p:cNvSpPr>
+            <a:spLocks noGrp="1"/>
+          </p:cNvSpPr>
+          <p:nvPr>
+            <p:ph type="body" idx="1"/>
+          </p:nvPr>
+        </p:nvSpPr>
+        <p:spPr/>
+        <p:txBody>
+          <a:bodyPr/>
+          <a:lstStyle/>
+          <a:p>
+            <a:endParaRPr lang="en-US" dirty="0"/>
+          </a:p>
+        </p:txBody>
+      </p:sp>
+      <p:sp>
+        <p:nvSpPr>
+          <p:cNvPr id="4" name="Slide Number Placeholder 3"/>
+          <p:cNvSpPr>
+            <a:spLocks noGrp="1"/>
+          </p:cNvSpPr>
+          <p:nvPr>
+            <p:ph type="sldNum" sz="quarter" idx="10"/>
+          </p:nvPr>
+        </p:nvSpPr>
+        <p:spPr/>
+        <p:txBody>
+          <a:bodyPr/>
+          <a:lstStyle/>
+          <a:p>
+            <a:fld id="{4BD3D54D-DEB2-44DD-8C29-97A45BDAAA3D}" type="slidenum">
+              <a:rPr lang="en-US" smtClean="0">
+                <a:solidFill>
+                  <a:srgbClr val="000000"/>
+                </a:solidFill>
+              </a:rPr>
+              <a:pPr/>
+              <a:t>22</a:t>
+            </a:fld>
+            <a:endParaRPr lang="en-US">
+              <a:solidFill>
+                <a:srgbClr val="000000"/>
+              </a:solidFill>
+            </a:endParaRPr>
+          </a:p>
+        </p:txBody>
+      </p:sp>
+    </p:spTree>
+    <p:extLst>
+      <p:ext uri="{BB962C8B-B14F-4D97-AF65-F5344CB8AC3E}">
+        <p14:creationId xmlns:p14="http://schemas.microsoft.com/office/powerpoint/2010/main" val="86338041"/>
+      </p:ext>
+    </p:extLst>
+  </p:cSld>
+  <p:clrMapOvr>
+    <a:masterClrMapping/>
+  </p:clrMapOvr>
+</p:notes>
+</file>
+
+<file path=ppt/notesSlides/notesSlide23.xml><?xml version="1.0" encoding="utf-8"?>
+<p:notes xmlns:a="http://schemas.openxmlformats.org/drawingml/2006/main" xmlns:r="http://schemas.openxmlformats.org/officeDocument/2006/relationships" xmlns:p="http://schemas.openxmlformats.org/presentationml/2006/main">
+  <p:cSld>
+    <p:spTree>
+      <p:nvGrpSpPr>
+        <p:cNvPr id="1" name=""/>
+        <p:cNvGrpSpPr/>
+        <p:nvPr/>
+      </p:nvGrpSpPr>
+      <p:grpSpPr>
+        <a:xfrm>
+          <a:off x="0" y="0"/>
+          <a:ext cx="0" cy="0"/>
+          <a:chOff x="0" y="0"/>
+          <a:chExt cx="0" cy="0"/>
+        </a:xfrm>
+      </p:grpSpPr>
+      <p:sp>
+        <p:nvSpPr>
+          <p:cNvPr id="2" name="Slide Image Placeholder 1"/>
+          <p:cNvSpPr>
+            <a:spLocks noGrp="1" noRot="1" noChangeAspect="1"/>
+          </p:cNvSpPr>
+          <p:nvPr>
+            <p:ph type="sldImg"/>
+          </p:nvPr>
+        </p:nvSpPr>
+        <p:spPr/>
+      </p:sp>
+      <p:sp>
+        <p:nvSpPr>
+          <p:cNvPr id="3" name="Notes Placeholder 2"/>
+          <p:cNvSpPr>
+            <a:spLocks noGrp="1"/>
+          </p:cNvSpPr>
+          <p:nvPr>
+            <p:ph type="body" idx="1"/>
+          </p:nvPr>
+        </p:nvSpPr>
+        <p:spPr/>
+        <p:txBody>
+          <a:bodyPr/>
+          <a:lstStyle/>
+          <a:p>
+            <a:endParaRPr lang="en-US" dirty="0"/>
+          </a:p>
+        </p:txBody>
+      </p:sp>
+      <p:sp>
+        <p:nvSpPr>
+          <p:cNvPr id="4" name="Slide Number Placeholder 3"/>
+          <p:cNvSpPr>
+            <a:spLocks noGrp="1"/>
+          </p:cNvSpPr>
+          <p:nvPr>
+            <p:ph type="sldNum" sz="quarter" idx="10"/>
+          </p:nvPr>
+        </p:nvSpPr>
+        <p:spPr/>
+        <p:txBody>
+          <a:bodyPr/>
+          <a:lstStyle/>
+          <a:p>
             <a:fld id="{FE9BC4E5-2BC1-4F43-85DD-A1B8F74CB7EB}" type="slidenum">
               <a:rPr lang="en-US" smtClean="0"/>
               <a:pPr/>
-              <a:t>2</a:t>
+              <a:t>23</a:t>
             </a:fld>
             <a:endParaRPr lang="en-US"/>
           </a:p>
@@ -893,7 +3451,473 @@
     </p:spTree>
     <p:extLst>
       <p:ext uri="{BB962C8B-B14F-4D97-AF65-F5344CB8AC3E}">
-        <p14:creationId xmlns:p14="http://schemas.microsoft.com/office/powerpoint/2010/main" val="307932277"/>
+        <p14:creationId xmlns:p14="http://schemas.microsoft.com/office/powerpoint/2010/main" val="1738276297"/>
+      </p:ext>
+    </p:extLst>
+  </p:cSld>
+  <p:clrMapOvr>
+    <a:masterClrMapping/>
+  </p:clrMapOvr>
+</p:notes>
+</file>
+
+<file path=ppt/notesSlides/notesSlide24.xml><?xml version="1.0" encoding="utf-8"?>
+<p:notes xmlns:a="http://schemas.openxmlformats.org/drawingml/2006/main" xmlns:r="http://schemas.openxmlformats.org/officeDocument/2006/relationships" xmlns:p="http://schemas.openxmlformats.org/presentationml/2006/main">
+  <p:cSld>
+    <p:spTree>
+      <p:nvGrpSpPr>
+        <p:cNvPr id="1" name=""/>
+        <p:cNvGrpSpPr/>
+        <p:nvPr/>
+      </p:nvGrpSpPr>
+      <p:grpSpPr>
+        <a:xfrm>
+          <a:off x="0" y="0"/>
+          <a:ext cx="0" cy="0"/>
+          <a:chOff x="0" y="0"/>
+          <a:chExt cx="0" cy="0"/>
+        </a:xfrm>
+      </p:grpSpPr>
+      <p:sp>
+        <p:nvSpPr>
+          <p:cNvPr id="2" name="Slide Image Placeholder 1"/>
+          <p:cNvSpPr>
+            <a:spLocks noGrp="1" noRot="1" noChangeAspect="1"/>
+          </p:cNvSpPr>
+          <p:nvPr>
+            <p:ph type="sldImg"/>
+          </p:nvPr>
+        </p:nvSpPr>
+        <p:spPr/>
+      </p:sp>
+      <p:sp>
+        <p:nvSpPr>
+          <p:cNvPr id="3" name="Notes Placeholder 2"/>
+          <p:cNvSpPr>
+            <a:spLocks noGrp="1"/>
+          </p:cNvSpPr>
+          <p:nvPr>
+            <p:ph type="body" idx="1"/>
+          </p:nvPr>
+        </p:nvSpPr>
+        <p:spPr/>
+        <p:txBody>
+          <a:bodyPr/>
+          <a:lstStyle/>
+          <a:p>
+            <a:endParaRPr lang="en-US" dirty="0"/>
+          </a:p>
+        </p:txBody>
+      </p:sp>
+      <p:sp>
+        <p:nvSpPr>
+          <p:cNvPr id="4" name="Slide Number Placeholder 3"/>
+          <p:cNvSpPr>
+            <a:spLocks noGrp="1"/>
+          </p:cNvSpPr>
+          <p:nvPr>
+            <p:ph type="sldNum" sz="quarter" idx="10"/>
+          </p:nvPr>
+        </p:nvSpPr>
+        <p:spPr/>
+        <p:txBody>
+          <a:bodyPr/>
+          <a:lstStyle/>
+          <a:p>
+            <a:fld id="{FE9BC4E5-2BC1-4F43-85DD-A1B8F74CB7EB}" type="slidenum">
+              <a:rPr lang="en-US" smtClean="0"/>
+              <a:pPr/>
+              <a:t>24</a:t>
+            </a:fld>
+            <a:endParaRPr lang="en-US"/>
+          </a:p>
+        </p:txBody>
+      </p:sp>
+    </p:spTree>
+    <p:extLst>
+      <p:ext uri="{BB962C8B-B14F-4D97-AF65-F5344CB8AC3E}">
+        <p14:creationId xmlns:p14="http://schemas.microsoft.com/office/powerpoint/2010/main" val="3185056677"/>
+      </p:ext>
+    </p:extLst>
+  </p:cSld>
+  <p:clrMapOvr>
+    <a:masterClrMapping/>
+  </p:clrMapOvr>
+</p:notes>
+</file>
+
+<file path=ppt/notesSlides/notesSlide25.xml><?xml version="1.0" encoding="utf-8"?>
+<p:notes xmlns:a="http://schemas.openxmlformats.org/drawingml/2006/main" xmlns:r="http://schemas.openxmlformats.org/officeDocument/2006/relationships" xmlns:p="http://schemas.openxmlformats.org/presentationml/2006/main">
+  <p:cSld>
+    <p:spTree>
+      <p:nvGrpSpPr>
+        <p:cNvPr id="1" name=""/>
+        <p:cNvGrpSpPr/>
+        <p:nvPr/>
+      </p:nvGrpSpPr>
+      <p:grpSpPr>
+        <a:xfrm>
+          <a:off x="0" y="0"/>
+          <a:ext cx="0" cy="0"/>
+          <a:chOff x="0" y="0"/>
+          <a:chExt cx="0" cy="0"/>
+        </a:xfrm>
+      </p:grpSpPr>
+      <p:sp>
+        <p:nvSpPr>
+          <p:cNvPr id="2" name="Slide Image Placeholder 1"/>
+          <p:cNvSpPr>
+            <a:spLocks noGrp="1" noRot="1" noChangeAspect="1"/>
+          </p:cNvSpPr>
+          <p:nvPr>
+            <p:ph type="sldImg"/>
+          </p:nvPr>
+        </p:nvSpPr>
+        <p:spPr/>
+      </p:sp>
+      <p:sp>
+        <p:nvSpPr>
+          <p:cNvPr id="3" name="Notes Placeholder 2"/>
+          <p:cNvSpPr>
+            <a:spLocks noGrp="1"/>
+          </p:cNvSpPr>
+          <p:nvPr>
+            <p:ph type="body" idx="1"/>
+          </p:nvPr>
+        </p:nvSpPr>
+        <p:spPr/>
+        <p:txBody>
+          <a:bodyPr/>
+          <a:lstStyle/>
+          <a:p>
+            <a:endParaRPr lang="en-US" dirty="0"/>
+          </a:p>
+        </p:txBody>
+      </p:sp>
+      <p:sp>
+        <p:nvSpPr>
+          <p:cNvPr id="4" name="Slide Number Placeholder 3"/>
+          <p:cNvSpPr>
+            <a:spLocks noGrp="1"/>
+          </p:cNvSpPr>
+          <p:nvPr>
+            <p:ph type="sldNum" sz="quarter" idx="10"/>
+          </p:nvPr>
+        </p:nvSpPr>
+        <p:spPr/>
+        <p:txBody>
+          <a:bodyPr/>
+          <a:lstStyle/>
+          <a:p>
+            <a:fld id="{FE9BC4E5-2BC1-4F43-85DD-A1B8F74CB7EB}" type="slidenum">
+              <a:rPr lang="en-US" smtClean="0"/>
+              <a:pPr/>
+              <a:t>25</a:t>
+            </a:fld>
+            <a:endParaRPr lang="en-US"/>
+          </a:p>
+        </p:txBody>
+      </p:sp>
+    </p:spTree>
+    <p:extLst>
+      <p:ext uri="{BB962C8B-B14F-4D97-AF65-F5344CB8AC3E}">
+        <p14:creationId xmlns:p14="http://schemas.microsoft.com/office/powerpoint/2010/main" val="2913955023"/>
+      </p:ext>
+    </p:extLst>
+  </p:cSld>
+  <p:clrMapOvr>
+    <a:masterClrMapping/>
+  </p:clrMapOvr>
+</p:notes>
+</file>
+
+<file path=ppt/notesSlides/notesSlide26.xml><?xml version="1.0" encoding="utf-8"?>
+<p:notes xmlns:a="http://schemas.openxmlformats.org/drawingml/2006/main" xmlns:r="http://schemas.openxmlformats.org/officeDocument/2006/relationships" xmlns:p="http://schemas.openxmlformats.org/presentationml/2006/main">
+  <p:cSld>
+    <p:spTree>
+      <p:nvGrpSpPr>
+        <p:cNvPr id="1" name=""/>
+        <p:cNvGrpSpPr/>
+        <p:nvPr/>
+      </p:nvGrpSpPr>
+      <p:grpSpPr>
+        <a:xfrm>
+          <a:off x="0" y="0"/>
+          <a:ext cx="0" cy="0"/>
+          <a:chOff x="0" y="0"/>
+          <a:chExt cx="0" cy="0"/>
+        </a:xfrm>
+      </p:grpSpPr>
+      <p:sp>
+        <p:nvSpPr>
+          <p:cNvPr id="2" name="Slide Image Placeholder 1"/>
+          <p:cNvSpPr>
+            <a:spLocks noGrp="1" noRot="1" noChangeAspect="1"/>
+          </p:cNvSpPr>
+          <p:nvPr>
+            <p:ph type="sldImg"/>
+          </p:nvPr>
+        </p:nvSpPr>
+        <p:spPr/>
+      </p:sp>
+      <p:sp>
+        <p:nvSpPr>
+          <p:cNvPr id="3" name="Notes Placeholder 2"/>
+          <p:cNvSpPr>
+            <a:spLocks noGrp="1"/>
+          </p:cNvSpPr>
+          <p:nvPr>
+            <p:ph type="body" idx="1"/>
+          </p:nvPr>
+        </p:nvSpPr>
+        <p:spPr/>
+        <p:txBody>
+          <a:bodyPr/>
+          <a:lstStyle/>
+          <a:p>
+            <a:endParaRPr lang="en-US" dirty="0"/>
+          </a:p>
+        </p:txBody>
+      </p:sp>
+      <p:sp>
+        <p:nvSpPr>
+          <p:cNvPr id="4" name="Slide Number Placeholder 3"/>
+          <p:cNvSpPr>
+            <a:spLocks noGrp="1"/>
+          </p:cNvSpPr>
+          <p:nvPr>
+            <p:ph type="sldNum" sz="quarter" idx="10"/>
+          </p:nvPr>
+        </p:nvSpPr>
+        <p:spPr/>
+        <p:txBody>
+          <a:bodyPr/>
+          <a:lstStyle/>
+          <a:p>
+            <a:fld id="{FE9BC4E5-2BC1-4F43-85DD-A1B8F74CB7EB}" type="slidenum">
+              <a:rPr lang="en-US" smtClean="0"/>
+              <a:pPr/>
+              <a:t>26</a:t>
+            </a:fld>
+            <a:endParaRPr lang="en-US"/>
+          </a:p>
+        </p:txBody>
+      </p:sp>
+    </p:spTree>
+    <p:extLst>
+      <p:ext uri="{BB962C8B-B14F-4D97-AF65-F5344CB8AC3E}">
+        <p14:creationId xmlns:p14="http://schemas.microsoft.com/office/powerpoint/2010/main" val="1274367988"/>
+      </p:ext>
+    </p:extLst>
+  </p:cSld>
+  <p:clrMapOvr>
+    <a:masterClrMapping/>
+  </p:clrMapOvr>
+</p:notes>
+</file>
+
+<file path=ppt/notesSlides/notesSlide27.xml><?xml version="1.0" encoding="utf-8"?>
+<p:notes xmlns:a="http://schemas.openxmlformats.org/drawingml/2006/main" xmlns:r="http://schemas.openxmlformats.org/officeDocument/2006/relationships" xmlns:p="http://schemas.openxmlformats.org/presentationml/2006/main">
+  <p:cSld>
+    <p:spTree>
+      <p:nvGrpSpPr>
+        <p:cNvPr id="1" name=""/>
+        <p:cNvGrpSpPr/>
+        <p:nvPr/>
+      </p:nvGrpSpPr>
+      <p:grpSpPr>
+        <a:xfrm>
+          <a:off x="0" y="0"/>
+          <a:ext cx="0" cy="0"/>
+          <a:chOff x="0" y="0"/>
+          <a:chExt cx="0" cy="0"/>
+        </a:xfrm>
+      </p:grpSpPr>
+      <p:sp>
+        <p:nvSpPr>
+          <p:cNvPr id="2" name="Slide Image Placeholder 1"/>
+          <p:cNvSpPr>
+            <a:spLocks noGrp="1" noRot="1" noChangeAspect="1"/>
+          </p:cNvSpPr>
+          <p:nvPr>
+            <p:ph type="sldImg"/>
+          </p:nvPr>
+        </p:nvSpPr>
+        <p:spPr/>
+      </p:sp>
+      <p:sp>
+        <p:nvSpPr>
+          <p:cNvPr id="3" name="Notes Placeholder 2"/>
+          <p:cNvSpPr>
+            <a:spLocks noGrp="1"/>
+          </p:cNvSpPr>
+          <p:nvPr>
+            <p:ph type="body" idx="1"/>
+          </p:nvPr>
+        </p:nvSpPr>
+        <p:spPr/>
+        <p:txBody>
+          <a:bodyPr/>
+          <a:lstStyle/>
+          <a:p>
+            <a:endParaRPr lang="en-US" dirty="0"/>
+          </a:p>
+        </p:txBody>
+      </p:sp>
+      <p:sp>
+        <p:nvSpPr>
+          <p:cNvPr id="4" name="Slide Number Placeholder 3"/>
+          <p:cNvSpPr>
+            <a:spLocks noGrp="1"/>
+          </p:cNvSpPr>
+          <p:nvPr>
+            <p:ph type="sldNum" sz="quarter" idx="10"/>
+          </p:nvPr>
+        </p:nvSpPr>
+        <p:spPr/>
+        <p:txBody>
+          <a:bodyPr/>
+          <a:lstStyle/>
+          <a:p>
+            <a:fld id="{FE9BC4E5-2BC1-4F43-85DD-A1B8F74CB7EB}" type="slidenum">
+              <a:rPr lang="en-US" smtClean="0"/>
+              <a:pPr/>
+              <a:t>27</a:t>
+            </a:fld>
+            <a:endParaRPr lang="en-US"/>
+          </a:p>
+        </p:txBody>
+      </p:sp>
+    </p:spTree>
+    <p:extLst>
+      <p:ext uri="{BB962C8B-B14F-4D97-AF65-F5344CB8AC3E}">
+        <p14:creationId xmlns:p14="http://schemas.microsoft.com/office/powerpoint/2010/main" val="670075122"/>
+      </p:ext>
+    </p:extLst>
+  </p:cSld>
+  <p:clrMapOvr>
+    <a:masterClrMapping/>
+  </p:clrMapOvr>
+</p:notes>
+</file>
+
+<file path=ppt/notesSlides/notesSlide28.xml><?xml version="1.0" encoding="utf-8"?>
+<p:notes xmlns:a="http://schemas.openxmlformats.org/drawingml/2006/main" xmlns:r="http://schemas.openxmlformats.org/officeDocument/2006/relationships" xmlns:p="http://schemas.openxmlformats.org/presentationml/2006/main">
+  <p:cSld>
+    <p:spTree>
+      <p:nvGrpSpPr>
+        <p:cNvPr id="1" name=""/>
+        <p:cNvGrpSpPr/>
+        <p:nvPr/>
+      </p:nvGrpSpPr>
+      <p:grpSpPr>
+        <a:xfrm>
+          <a:off x="0" y="0"/>
+          <a:ext cx="0" cy="0"/>
+          <a:chOff x="0" y="0"/>
+          <a:chExt cx="0" cy="0"/>
+        </a:xfrm>
+      </p:grpSpPr>
+      <p:sp>
+        <p:nvSpPr>
+          <p:cNvPr id="2" name="Slide Image Placeholder 1"/>
+          <p:cNvSpPr>
+            <a:spLocks noGrp="1" noRot="1" noChangeAspect="1"/>
+          </p:cNvSpPr>
+          <p:nvPr>
+            <p:ph type="sldImg"/>
+          </p:nvPr>
+        </p:nvSpPr>
+        <p:spPr/>
+      </p:sp>
+      <p:sp>
+        <p:nvSpPr>
+          <p:cNvPr id="3" name="Notes Placeholder 2"/>
+          <p:cNvSpPr>
+            <a:spLocks noGrp="1"/>
+          </p:cNvSpPr>
+          <p:nvPr>
+            <p:ph type="body" idx="1"/>
+          </p:nvPr>
+        </p:nvSpPr>
+        <p:spPr/>
+        <p:txBody>
+          <a:bodyPr>
+            <a:normAutofit/>
+          </a:bodyPr>
+          <a:lstStyle/>
+          <a:p>
+            <a:endParaRPr lang="en-US" dirty="0"/>
+          </a:p>
+        </p:txBody>
+      </p:sp>
+    </p:spTree>
+    <p:extLst>
+      <p:ext uri="{BB962C8B-B14F-4D97-AF65-F5344CB8AC3E}">
+        <p14:creationId xmlns:p14="http://schemas.microsoft.com/office/powerpoint/2010/main" val="3245807082"/>
+      </p:ext>
+    </p:extLst>
+  </p:cSld>
+  <p:clrMapOvr>
+    <a:masterClrMapping/>
+  </p:clrMapOvr>
+</p:notes>
+</file>
+
+<file path=ppt/notesSlides/notesSlide29.xml><?xml version="1.0" encoding="utf-8"?>
+<p:notes xmlns:a="http://schemas.openxmlformats.org/drawingml/2006/main" xmlns:r="http://schemas.openxmlformats.org/officeDocument/2006/relationships" xmlns:p="http://schemas.openxmlformats.org/presentationml/2006/main">
+  <p:cSld>
+    <p:spTree>
+      <p:nvGrpSpPr>
+        <p:cNvPr id="1" name=""/>
+        <p:cNvGrpSpPr/>
+        <p:nvPr/>
+      </p:nvGrpSpPr>
+      <p:grpSpPr>
+        <a:xfrm>
+          <a:off x="0" y="0"/>
+          <a:ext cx="0" cy="0"/>
+          <a:chOff x="0" y="0"/>
+          <a:chExt cx="0" cy="0"/>
+        </a:xfrm>
+      </p:grpSpPr>
+      <p:sp>
+        <p:nvSpPr>
+          <p:cNvPr id="2" name="Slide Image Placeholder 1"/>
+          <p:cNvSpPr>
+            <a:spLocks noGrp="1" noRot="1" noChangeAspect="1"/>
+          </p:cNvSpPr>
+          <p:nvPr>
+            <p:ph type="sldImg"/>
+          </p:nvPr>
+        </p:nvSpPr>
+        <p:spPr/>
+      </p:sp>
+      <p:sp>
+        <p:nvSpPr>
+          <p:cNvPr id="3" name="Notes Placeholder 2"/>
+          <p:cNvSpPr>
+            <a:spLocks noGrp="1"/>
+          </p:cNvSpPr>
+          <p:nvPr>
+            <p:ph type="body" idx="1"/>
+          </p:nvPr>
+        </p:nvSpPr>
+        <p:spPr/>
+        <p:txBody>
+          <a:bodyPr>
+            <a:normAutofit/>
+          </a:bodyPr>
+          <a:lstStyle/>
+          <a:p>
+            <a:endParaRPr lang="en-US" dirty="0"/>
+          </a:p>
+        </p:txBody>
+      </p:sp>
+    </p:spTree>
+    <p:extLst>
+      <p:ext uri="{BB962C8B-B14F-4D97-AF65-F5344CB8AC3E}">
+        <p14:creationId xmlns:p14="http://schemas.microsoft.com/office/powerpoint/2010/main" val="1269527749"/>
       </p:ext>
     </p:extLst>
   </p:cSld>
@@ -1072,25 +4096,7 @@
                 </a:solidFill>
                 <a:latin typeface="Arial"/>
               </a:rPr>
-              <a:t>Our focus also including strong type functional languages and framework like </a:t>
-            </a:r>
-            <a:r>
-              <a:rPr lang="en-US" sz="1600" kern="0" baseline="0" dirty="0" err="1" smtClean="0">
-                <a:solidFill>
-                  <a:srgbClr val="000000"/>
-                </a:solidFill>
-                <a:latin typeface="Arial"/>
-              </a:rPr>
-              <a:t>Scala</a:t>
-            </a:r>
-            <a:r>
-              <a:rPr lang="en-US" sz="1600" kern="0" baseline="0" dirty="0" smtClean="0">
-                <a:solidFill>
-                  <a:srgbClr val="000000"/>
-                </a:solidFill>
-                <a:latin typeface="Arial"/>
-              </a:rPr>
-              <a:t> and Play </a:t>
+              <a:t>Our focus also including strong type functional languages and framework like Scala and Play </a:t>
             </a:r>
             <a:endParaRPr lang="en-US" sz="1400" kern="0" dirty="0">
               <a:solidFill>
@@ -1098,9 +4104,6 @@
               </a:solidFill>
               <a:latin typeface="Arial"/>
             </a:endParaRPr>
-          </a:p>
-          <a:p>
-            <a:endParaRPr lang="en-US" dirty="0"/>
           </a:p>
         </p:txBody>
       </p:sp>
@@ -1140,6 +4143,162 @@
     <p:extLst>
       <p:ext uri="{BB962C8B-B14F-4D97-AF65-F5344CB8AC3E}">
         <p14:creationId xmlns:p14="http://schemas.microsoft.com/office/powerpoint/2010/main" val="2400612079"/>
+      </p:ext>
+    </p:extLst>
+  </p:cSld>
+  <p:clrMapOvr>
+    <a:masterClrMapping/>
+  </p:clrMapOvr>
+</p:notes>
+</file>
+
+<file path=ppt/notesSlides/notesSlide30.xml><?xml version="1.0" encoding="utf-8"?>
+<p:notes xmlns:a="http://schemas.openxmlformats.org/drawingml/2006/main" xmlns:r="http://schemas.openxmlformats.org/officeDocument/2006/relationships" xmlns:p="http://schemas.openxmlformats.org/presentationml/2006/main">
+  <p:cSld>
+    <p:spTree>
+      <p:nvGrpSpPr>
+        <p:cNvPr id="1" name=""/>
+        <p:cNvGrpSpPr/>
+        <p:nvPr/>
+      </p:nvGrpSpPr>
+      <p:grpSpPr>
+        <a:xfrm>
+          <a:off x="0" y="0"/>
+          <a:ext cx="0" cy="0"/>
+          <a:chOff x="0" y="0"/>
+          <a:chExt cx="0" cy="0"/>
+        </a:xfrm>
+      </p:grpSpPr>
+      <p:sp>
+        <p:nvSpPr>
+          <p:cNvPr id="2" name="Slide Image Placeholder 1"/>
+          <p:cNvSpPr>
+            <a:spLocks noGrp="1" noRot="1" noChangeAspect="1"/>
+          </p:cNvSpPr>
+          <p:nvPr>
+            <p:ph type="sldImg"/>
+          </p:nvPr>
+        </p:nvSpPr>
+        <p:spPr/>
+      </p:sp>
+      <p:sp>
+        <p:nvSpPr>
+          <p:cNvPr id="3" name="Notes Placeholder 2"/>
+          <p:cNvSpPr>
+            <a:spLocks noGrp="1"/>
+          </p:cNvSpPr>
+          <p:nvPr>
+            <p:ph type="body" idx="1"/>
+          </p:nvPr>
+        </p:nvSpPr>
+        <p:spPr/>
+        <p:txBody>
+          <a:bodyPr>
+            <a:normAutofit fontScale="40000" lnSpcReduction="20000"/>
+          </a:bodyPr>
+          <a:lstStyle/>
+          <a:p>
+            <a:endParaRPr lang="en-US" sz="1100" dirty="0"/>
+          </a:p>
+        </p:txBody>
+      </p:sp>
+    </p:spTree>
+    <p:extLst>
+      <p:ext uri="{BB962C8B-B14F-4D97-AF65-F5344CB8AC3E}">
+        <p14:creationId xmlns:p14="http://schemas.microsoft.com/office/powerpoint/2010/main" val="1293484630"/>
+      </p:ext>
+    </p:extLst>
+  </p:cSld>
+  <p:clrMapOvr>
+    <a:masterClrMapping/>
+  </p:clrMapOvr>
+</p:notes>
+</file>
+
+<file path=ppt/notesSlides/notesSlide31.xml><?xml version="1.0" encoding="utf-8"?>
+<p:notes xmlns:a="http://schemas.openxmlformats.org/drawingml/2006/main" xmlns:r="http://schemas.openxmlformats.org/officeDocument/2006/relationships" xmlns:p="http://schemas.openxmlformats.org/presentationml/2006/main">
+  <p:cSld>
+    <p:spTree>
+      <p:nvGrpSpPr>
+        <p:cNvPr id="1" name=""/>
+        <p:cNvGrpSpPr/>
+        <p:nvPr/>
+      </p:nvGrpSpPr>
+      <p:grpSpPr>
+        <a:xfrm>
+          <a:off x="0" y="0"/>
+          <a:ext cx="0" cy="0"/>
+          <a:chOff x="0" y="0"/>
+          <a:chExt cx="0" cy="0"/>
+        </a:xfrm>
+      </p:grpSpPr>
+      <p:sp>
+        <p:nvSpPr>
+          <p:cNvPr id="2" name="Slide Image Placeholder 1"/>
+          <p:cNvSpPr>
+            <a:spLocks noGrp="1" noRot="1" noChangeAspect="1"/>
+          </p:cNvSpPr>
+          <p:nvPr>
+            <p:ph type="sldImg"/>
+          </p:nvPr>
+        </p:nvSpPr>
+        <p:spPr/>
+      </p:sp>
+      <p:sp>
+        <p:nvSpPr>
+          <p:cNvPr id="3" name="Notes Placeholder 2"/>
+          <p:cNvSpPr>
+            <a:spLocks noGrp="1"/>
+          </p:cNvSpPr>
+          <p:nvPr>
+            <p:ph type="body" idx="1"/>
+          </p:nvPr>
+        </p:nvSpPr>
+        <p:spPr/>
+        <p:txBody>
+          <a:bodyPr/>
+          <a:lstStyle/>
+          <a:p>
+            <a:endParaRPr lang="en-US"/>
+          </a:p>
+        </p:txBody>
+      </p:sp>
+      <p:sp>
+        <p:nvSpPr>
+          <p:cNvPr id="4" name="Slide Number Placeholder 3"/>
+          <p:cNvSpPr>
+            <a:spLocks noGrp="1"/>
+          </p:cNvSpPr>
+          <p:nvPr>
+            <p:ph type="sldNum" sz="quarter" idx="10"/>
+          </p:nvPr>
+        </p:nvSpPr>
+        <p:spPr/>
+        <p:txBody>
+          <a:bodyPr/>
+          <a:lstStyle/>
+          <a:p>
+            <a:fld id="{45852B25-0A42-4B2F-A5CC-84F19853E605}" type="slidenum">
+              <a:rPr lang="en-US" smtClean="0">
+                <a:solidFill>
+                  <a:srgbClr val="000000"/>
+                </a:solidFill>
+              </a:rPr>
+              <a:pPr/>
+              <a:t>31</a:t>
+            </a:fld>
+            <a:endParaRPr lang="en-US">
+              <a:solidFill>
+                <a:srgbClr val="000000"/>
+              </a:solidFill>
+            </a:endParaRPr>
+          </a:p>
+        </p:txBody>
+      </p:sp>
+    </p:spTree>
+    <p:extLst>
+      <p:ext uri="{BB962C8B-B14F-4D97-AF65-F5344CB8AC3E}">
+        <p14:creationId xmlns:p14="http://schemas.microsoft.com/office/powerpoint/2010/main" val="4163340931"/>
       </p:ext>
     </p:extLst>
   </p:cSld>
@@ -1194,157 +4353,6 @@
             <a:normAutofit/>
           </a:bodyPr>
           <a:lstStyle/>
-          <a:p>
-            <a:pPr marL="482600" lvl="1" indent="-292100" eaLnBrk="0" fontAlgn="base" hangingPunct="0">
-              <a:spcBef>
-                <a:spcPct val="60000"/>
-              </a:spcBef>
-              <a:spcAft>
-                <a:spcPct val="10000"/>
-              </a:spcAft>
-              <a:buClr>
-                <a:srgbClr val="000000"/>
-              </a:buClr>
-              <a:buSzPct val="90000"/>
-              <a:buFont typeface="Wingdings" pitchFamily="2" charset="2"/>
-              <a:buChar char="q"/>
-            </a:pPr>
-            <a:r>
-              <a:rPr lang="en-US" sz="1600" kern="0" dirty="0" smtClean="0">
-                <a:solidFill>
-                  <a:srgbClr val="000000"/>
-                </a:solidFill>
-                <a:latin typeface="Arial"/>
-              </a:rPr>
-              <a:t>Key characteristics: dynamic typing, interpreted,</a:t>
-            </a:r>
-            <a:r>
-              <a:rPr lang="en-US" sz="1600" kern="0" baseline="0" dirty="0" smtClean="0">
-                <a:solidFill>
-                  <a:srgbClr val="000000"/>
-                </a:solidFill>
-                <a:latin typeface="Arial"/>
-              </a:rPr>
-              <a:t> code conciseness and REPL interactive console</a:t>
-            </a:r>
-          </a:p>
-          <a:p>
-            <a:pPr marL="482600" lvl="1" indent="-292100" eaLnBrk="0" fontAlgn="base" hangingPunct="0">
-              <a:spcBef>
-                <a:spcPct val="60000"/>
-              </a:spcBef>
-              <a:spcAft>
-                <a:spcPct val="10000"/>
-              </a:spcAft>
-              <a:buClr>
-                <a:srgbClr val="000000"/>
-              </a:buClr>
-              <a:buSzPct val="90000"/>
-              <a:buFont typeface="Wingdings" pitchFamily="2" charset="2"/>
-              <a:buChar char="q"/>
-            </a:pPr>
-            <a:r>
-              <a:rPr lang="en-US" sz="1600" kern="0" baseline="0" dirty="0" smtClean="0">
-                <a:solidFill>
-                  <a:srgbClr val="000000"/>
-                </a:solidFill>
-                <a:latin typeface="Arial"/>
-              </a:rPr>
-              <a:t>Dynamic language with long history: Lisp and Python</a:t>
-            </a:r>
-          </a:p>
-          <a:p>
-            <a:pPr marL="482600" lvl="1" indent="-292100" eaLnBrk="0" fontAlgn="base" hangingPunct="0">
-              <a:spcBef>
-                <a:spcPct val="60000"/>
-              </a:spcBef>
-              <a:spcAft>
-                <a:spcPct val="10000"/>
-              </a:spcAft>
-              <a:buClr>
-                <a:srgbClr val="000000"/>
-              </a:buClr>
-              <a:buSzPct val="90000"/>
-              <a:buFont typeface="Wingdings" pitchFamily="2" charset="2"/>
-              <a:buChar char="q"/>
-            </a:pPr>
-            <a:r>
-              <a:rPr lang="en-US" sz="1600" kern="0" baseline="0" dirty="0" smtClean="0">
-                <a:solidFill>
-                  <a:srgbClr val="000000"/>
-                </a:solidFill>
-                <a:latin typeface="Arial"/>
-              </a:rPr>
-              <a:t>Our focus: Generic Language like Groovy, Ruby, Python, </a:t>
-            </a:r>
-            <a:r>
-              <a:rPr lang="en-US" sz="1600" kern="0" baseline="0" dirty="0" err="1" smtClean="0">
-                <a:solidFill>
-                  <a:srgbClr val="000000"/>
-                </a:solidFill>
-                <a:latin typeface="Arial"/>
-              </a:rPr>
-              <a:t>Clojure</a:t>
-            </a:r>
-            <a:r>
-              <a:rPr lang="en-US" sz="1600" kern="0" baseline="0" dirty="0" smtClean="0">
-                <a:solidFill>
-                  <a:srgbClr val="000000"/>
-                </a:solidFill>
-                <a:latin typeface="Arial"/>
-              </a:rPr>
-              <a:t> and JavaScript + PHP for web application</a:t>
-            </a:r>
-          </a:p>
-          <a:p>
-            <a:pPr marL="482600" lvl="1" indent="-292100" eaLnBrk="0" fontAlgn="base" hangingPunct="0">
-              <a:spcBef>
-                <a:spcPct val="60000"/>
-              </a:spcBef>
-              <a:spcAft>
-                <a:spcPct val="10000"/>
-              </a:spcAft>
-              <a:buClr>
-                <a:srgbClr val="000000"/>
-              </a:buClr>
-              <a:buSzPct val="90000"/>
-              <a:buFont typeface="Wingdings" pitchFamily="2" charset="2"/>
-              <a:buChar char="q"/>
-            </a:pPr>
-            <a:r>
-              <a:rPr lang="en-US" sz="1600" kern="0" baseline="0" dirty="0" smtClean="0">
-                <a:solidFill>
-                  <a:srgbClr val="000000"/>
-                </a:solidFill>
-                <a:latin typeface="Arial"/>
-              </a:rPr>
-              <a:t>Our focus also including strong type functional languages and framework like </a:t>
-            </a:r>
-            <a:r>
-              <a:rPr lang="en-US" sz="1600" kern="0" baseline="0" dirty="0" err="1" smtClean="0">
-                <a:solidFill>
-                  <a:srgbClr val="000000"/>
-                </a:solidFill>
-                <a:latin typeface="Arial"/>
-              </a:rPr>
-              <a:t>Scala</a:t>
-            </a:r>
-            <a:r>
-              <a:rPr lang="en-US" sz="1600" kern="0" baseline="0" dirty="0" smtClean="0">
-                <a:solidFill>
-                  <a:srgbClr val="000000"/>
-                </a:solidFill>
-                <a:latin typeface="Arial"/>
-              </a:rPr>
-              <a:t> and Play </a:t>
-            </a:r>
-            <a:endParaRPr lang="en-US" sz="1400" kern="0" dirty="0">
-              <a:solidFill>
-                <a:srgbClr val="000000"/>
-              </a:solidFill>
-              <a:latin typeface="Arial"/>
-            </a:endParaRPr>
-          </a:p>
           <a:p>
             <a:endParaRPr lang="en-US" dirty="0"/>
           </a:p>
@@ -1441,157 +4449,6 @@
           </a:bodyPr>
           <a:lstStyle/>
           <a:p>
-            <a:pPr marL="482600" lvl="1" indent="-292100" eaLnBrk="0" fontAlgn="base" hangingPunct="0">
-              <a:spcBef>
-                <a:spcPct val="60000"/>
-              </a:spcBef>
-              <a:spcAft>
-                <a:spcPct val="10000"/>
-              </a:spcAft>
-              <a:buClr>
-                <a:srgbClr val="000000"/>
-              </a:buClr>
-              <a:buSzPct val="90000"/>
-              <a:buFont typeface="Wingdings" pitchFamily="2" charset="2"/>
-              <a:buChar char="q"/>
-            </a:pPr>
-            <a:r>
-              <a:rPr lang="en-US" sz="1600" kern="0" dirty="0" smtClean="0">
-                <a:solidFill>
-                  <a:srgbClr val="000000"/>
-                </a:solidFill>
-                <a:latin typeface="Arial"/>
-              </a:rPr>
-              <a:t>Key characteristics: dynamic typing, interpreted,</a:t>
-            </a:r>
-            <a:r>
-              <a:rPr lang="en-US" sz="1600" kern="0" baseline="0" dirty="0" smtClean="0">
-                <a:solidFill>
-                  <a:srgbClr val="000000"/>
-                </a:solidFill>
-                <a:latin typeface="Arial"/>
-              </a:rPr>
-              <a:t> code conciseness and REPL interactive console</a:t>
-            </a:r>
-          </a:p>
-          <a:p>
-            <a:pPr marL="482600" lvl="1" indent="-292100" eaLnBrk="0" fontAlgn="base" hangingPunct="0">
-              <a:spcBef>
-                <a:spcPct val="60000"/>
-              </a:spcBef>
-              <a:spcAft>
-                <a:spcPct val="10000"/>
-              </a:spcAft>
-              <a:buClr>
-                <a:srgbClr val="000000"/>
-              </a:buClr>
-              <a:buSzPct val="90000"/>
-              <a:buFont typeface="Wingdings" pitchFamily="2" charset="2"/>
-              <a:buChar char="q"/>
-            </a:pPr>
-            <a:r>
-              <a:rPr lang="en-US" sz="1600" kern="0" baseline="0" dirty="0" smtClean="0">
-                <a:solidFill>
-                  <a:srgbClr val="000000"/>
-                </a:solidFill>
-                <a:latin typeface="Arial"/>
-              </a:rPr>
-              <a:t>Dynamic language with long history: Lisp and Python</a:t>
-            </a:r>
-          </a:p>
-          <a:p>
-            <a:pPr marL="482600" lvl="1" indent="-292100" eaLnBrk="0" fontAlgn="base" hangingPunct="0">
-              <a:spcBef>
-                <a:spcPct val="60000"/>
-              </a:spcBef>
-              <a:spcAft>
-                <a:spcPct val="10000"/>
-              </a:spcAft>
-              <a:buClr>
-                <a:srgbClr val="000000"/>
-              </a:buClr>
-              <a:buSzPct val="90000"/>
-              <a:buFont typeface="Wingdings" pitchFamily="2" charset="2"/>
-              <a:buChar char="q"/>
-            </a:pPr>
-            <a:r>
-              <a:rPr lang="en-US" sz="1600" kern="0" baseline="0" dirty="0" smtClean="0">
-                <a:solidFill>
-                  <a:srgbClr val="000000"/>
-                </a:solidFill>
-                <a:latin typeface="Arial"/>
-              </a:rPr>
-              <a:t>Our focus: Generic Language like Groovy, Ruby, Python, </a:t>
-            </a:r>
-            <a:r>
-              <a:rPr lang="en-US" sz="1600" kern="0" baseline="0" dirty="0" err="1" smtClean="0">
-                <a:solidFill>
-                  <a:srgbClr val="000000"/>
-                </a:solidFill>
-                <a:latin typeface="Arial"/>
-              </a:rPr>
-              <a:t>Clojure</a:t>
-            </a:r>
-            <a:r>
-              <a:rPr lang="en-US" sz="1600" kern="0" baseline="0" dirty="0" smtClean="0">
-                <a:solidFill>
-                  <a:srgbClr val="000000"/>
-                </a:solidFill>
-                <a:latin typeface="Arial"/>
-              </a:rPr>
-              <a:t> and JavaScript + PHP for web application</a:t>
-            </a:r>
-          </a:p>
-          <a:p>
-            <a:pPr marL="482600" lvl="1" indent="-292100" eaLnBrk="0" fontAlgn="base" hangingPunct="0">
-              <a:spcBef>
-                <a:spcPct val="60000"/>
-              </a:spcBef>
-              <a:spcAft>
-                <a:spcPct val="10000"/>
-              </a:spcAft>
-              <a:buClr>
-                <a:srgbClr val="000000"/>
-              </a:buClr>
-              <a:buSzPct val="90000"/>
-              <a:buFont typeface="Wingdings" pitchFamily="2" charset="2"/>
-              <a:buChar char="q"/>
-            </a:pPr>
-            <a:r>
-              <a:rPr lang="en-US" sz="1600" kern="0" baseline="0" dirty="0" smtClean="0">
-                <a:solidFill>
-                  <a:srgbClr val="000000"/>
-                </a:solidFill>
-                <a:latin typeface="Arial"/>
-              </a:rPr>
-              <a:t>Our focus also including strong type functional languages and framework like </a:t>
-            </a:r>
-            <a:r>
-              <a:rPr lang="en-US" sz="1600" kern="0" baseline="0" dirty="0" err="1" smtClean="0">
-                <a:solidFill>
-                  <a:srgbClr val="000000"/>
-                </a:solidFill>
-                <a:latin typeface="Arial"/>
-              </a:rPr>
-              <a:t>Scala</a:t>
-            </a:r>
-            <a:r>
-              <a:rPr lang="en-US" sz="1600" kern="0" baseline="0" dirty="0" smtClean="0">
-                <a:solidFill>
-                  <a:srgbClr val="000000"/>
-                </a:solidFill>
-                <a:latin typeface="Arial"/>
-              </a:rPr>
-              <a:t> and Play </a:t>
-            </a:r>
-            <a:endParaRPr lang="en-US" sz="1400" kern="0" dirty="0">
-              <a:solidFill>
-                <a:srgbClr val="000000"/>
-              </a:solidFill>
-              <a:latin typeface="Arial"/>
-            </a:endParaRPr>
-          </a:p>
-          <a:p>
             <a:endParaRPr lang="en-US" dirty="0"/>
           </a:p>
         </p:txBody>
@@ -1986,7 +4843,7 @@
           <a:bodyPr/>
           <a:lstStyle/>
           <a:p>
-            <a:endParaRPr lang="en-US"/>
+            <a:endParaRPr lang="en-US" dirty="0"/>
           </a:p>
         </p:txBody>
       </p:sp>
@@ -2018,6 +4875,198 @@
     <p:extLst>
       <p:ext uri="{BB962C8B-B14F-4D97-AF65-F5344CB8AC3E}">
         <p14:creationId xmlns:p14="http://schemas.microsoft.com/office/powerpoint/2010/main" val="389443190"/>
+      </p:ext>
+    </p:extLst>
+  </p:cSld>
+  <p:clrMapOvr>
+    <a:masterClrMapping/>
+  </p:clrMapOvr>
+</p:notes>
+</file>
+
+<file path=ppt/notesSlides/notesSlide8.xml><?xml version="1.0" encoding="utf-8"?>
+<p:notes xmlns:a="http://schemas.openxmlformats.org/drawingml/2006/main" xmlns:r="http://schemas.openxmlformats.org/officeDocument/2006/relationships" xmlns:p="http://schemas.openxmlformats.org/presentationml/2006/main">
+  <p:cSld>
+    <p:spTree>
+      <p:nvGrpSpPr>
+        <p:cNvPr id="1" name=""/>
+        <p:cNvGrpSpPr/>
+        <p:nvPr/>
+      </p:nvGrpSpPr>
+      <p:grpSpPr>
+        <a:xfrm>
+          <a:off x="0" y="0"/>
+          <a:ext cx="0" cy="0"/>
+          <a:chOff x="0" y="0"/>
+          <a:chExt cx="0" cy="0"/>
+        </a:xfrm>
+      </p:grpSpPr>
+      <p:sp>
+        <p:nvSpPr>
+          <p:cNvPr id="2" name="Slide Image Placeholder 1"/>
+          <p:cNvSpPr>
+            <a:spLocks noGrp="1" noRot="1" noChangeAspect="1"/>
+          </p:cNvSpPr>
+          <p:nvPr>
+            <p:ph type="sldImg"/>
+          </p:nvPr>
+        </p:nvSpPr>
+        <p:spPr/>
+      </p:sp>
+      <p:sp>
+        <p:nvSpPr>
+          <p:cNvPr id="3" name="Notes Placeholder 2"/>
+          <p:cNvSpPr>
+            <a:spLocks noGrp="1"/>
+          </p:cNvSpPr>
+          <p:nvPr>
+            <p:ph type="body" idx="1"/>
+          </p:nvPr>
+        </p:nvSpPr>
+        <p:spPr/>
+        <p:txBody>
+          <a:bodyPr/>
+          <a:lstStyle/>
+          <a:p>
+            <a:pPr marL="171450" indent="-171450">
+              <a:buFont typeface="Arial" panose="020B0604020202020204" pitchFamily="34" charset="0"/>
+              <a:buChar char="•"/>
+            </a:pPr>
+            <a:r>
+              <a:rPr lang="es-ES_tradnl" dirty="0" smtClean="0"/>
+              <a:t>AT&amp;T: http://</a:t>
+            </a:r>
+            <a:r>
+              <a:rPr lang="es-ES_tradnl" dirty="0" smtClean="0"/>
+              <a:t>www.slideshare.net/randquistcp/att-interactive-the-many-facets-of-ruby-presentation</a:t>
+            </a:r>
+            <a:endParaRPr lang="es-ES_tradnl" baseline="0" dirty="0" smtClean="0"/>
+          </a:p>
+          <a:p>
+            <a:pPr marL="171450" indent="-171450">
+              <a:buFont typeface="Arial" panose="020B0604020202020204" pitchFamily="34" charset="0"/>
+              <a:buChar char="•"/>
+            </a:pPr>
+            <a:r>
+              <a:rPr lang="es-ES_tradnl" baseline="0" dirty="0" smtClean="0"/>
+              <a:t>ESPN: http://www.gunnertech.com/2011/06/espn-ruby-on-rails-case-study/</a:t>
+            </a:r>
+          </a:p>
+        </p:txBody>
+      </p:sp>
+      <p:sp>
+        <p:nvSpPr>
+          <p:cNvPr id="4" name="Slide Number Placeholder 3"/>
+          <p:cNvSpPr>
+            <a:spLocks noGrp="1"/>
+          </p:cNvSpPr>
+          <p:nvPr>
+            <p:ph type="sldNum" sz="quarter" idx="10"/>
+          </p:nvPr>
+        </p:nvSpPr>
+        <p:spPr/>
+        <p:txBody>
+          <a:bodyPr/>
+          <a:lstStyle/>
+          <a:p>
+            <a:fld id="{45852B25-0A42-4B2F-A5CC-84F19853E605}" type="slidenum">
+              <a:rPr lang="en-US" smtClean="0"/>
+              <a:pPr/>
+              <a:t>8</a:t>
+            </a:fld>
+            <a:endParaRPr lang="en-US"/>
+          </a:p>
+        </p:txBody>
+      </p:sp>
+    </p:spTree>
+    <p:extLst>
+      <p:ext uri="{BB962C8B-B14F-4D97-AF65-F5344CB8AC3E}">
+        <p14:creationId xmlns:p14="http://schemas.microsoft.com/office/powerpoint/2010/main" val="1697243318"/>
+      </p:ext>
+    </p:extLst>
+  </p:cSld>
+  <p:clrMapOvr>
+    <a:masterClrMapping/>
+  </p:clrMapOvr>
+</p:notes>
+</file>
+
+<file path=ppt/notesSlides/notesSlide9.xml><?xml version="1.0" encoding="utf-8"?>
+<p:notes xmlns:a="http://schemas.openxmlformats.org/drawingml/2006/main" xmlns:r="http://schemas.openxmlformats.org/officeDocument/2006/relationships" xmlns:p="http://schemas.openxmlformats.org/presentationml/2006/main">
+  <p:cSld>
+    <p:spTree>
+      <p:nvGrpSpPr>
+        <p:cNvPr id="1" name=""/>
+        <p:cNvGrpSpPr/>
+        <p:nvPr/>
+      </p:nvGrpSpPr>
+      <p:grpSpPr>
+        <a:xfrm>
+          <a:off x="0" y="0"/>
+          <a:ext cx="0" cy="0"/>
+          <a:chOff x="0" y="0"/>
+          <a:chExt cx="0" cy="0"/>
+        </a:xfrm>
+      </p:grpSpPr>
+      <p:sp>
+        <p:nvSpPr>
+          <p:cNvPr id="2" name="Slide Image Placeholder 1"/>
+          <p:cNvSpPr>
+            <a:spLocks noGrp="1" noRot="1" noChangeAspect="1"/>
+          </p:cNvSpPr>
+          <p:nvPr>
+            <p:ph type="sldImg"/>
+          </p:nvPr>
+        </p:nvSpPr>
+        <p:spPr/>
+      </p:sp>
+      <p:sp>
+        <p:nvSpPr>
+          <p:cNvPr id="3" name="Notes Placeholder 2"/>
+          <p:cNvSpPr>
+            <a:spLocks noGrp="1"/>
+          </p:cNvSpPr>
+          <p:nvPr>
+            <p:ph type="body" idx="1"/>
+          </p:nvPr>
+        </p:nvSpPr>
+        <p:spPr/>
+        <p:txBody>
+          <a:bodyPr/>
+          <a:lstStyle/>
+          <a:p>
+            <a:endParaRPr lang="en-US"/>
+          </a:p>
+        </p:txBody>
+      </p:sp>
+      <p:sp>
+        <p:nvSpPr>
+          <p:cNvPr id="4" name="Slide Number Placeholder 3"/>
+          <p:cNvSpPr>
+            <a:spLocks noGrp="1"/>
+          </p:cNvSpPr>
+          <p:nvPr>
+            <p:ph type="sldNum" sz="quarter" idx="10"/>
+          </p:nvPr>
+        </p:nvSpPr>
+        <p:spPr/>
+        <p:txBody>
+          <a:bodyPr/>
+          <a:lstStyle/>
+          <a:p>
+            <a:fld id="{45852B25-0A42-4B2F-A5CC-84F19853E605}" type="slidenum">
+              <a:rPr lang="en-US" smtClean="0"/>
+              <a:pPr/>
+              <a:t>9</a:t>
+            </a:fld>
+            <a:endParaRPr lang="en-US"/>
+          </a:p>
+        </p:txBody>
+      </p:sp>
+    </p:spTree>
+    <p:extLst>
+      <p:ext uri="{BB962C8B-B14F-4D97-AF65-F5344CB8AC3E}">
+        <p14:creationId xmlns:p14="http://schemas.microsoft.com/office/powerpoint/2010/main" val="1645013353"/>
       </p:ext>
     </p:extLst>
   </p:cSld>
@@ -3521,7 +6570,7 @@
         </p:nvSpPr>
         <p:spPr bwMode="auto">
           <a:xfrm>
-            <a:off x="1835696" y="6584950"/>
+            <a:off x="3370206" y="6584950"/>
             <a:ext cx="5760640" cy="230832"/>
           </a:xfrm>
           <a:prstGeom prst="rect">
@@ -3572,7 +6621,7 @@
                   <a:schemeClr val="bg1"/>
                 </a:solidFill>
               </a:rPr>
-              <a:t>Accenture.  All Rights Reserved.  Confidential Information of Accenture</a:t>
+              <a:t>Accenture.  All Rights Reserved</a:t>
             </a:r>
             <a:r>
               <a:rPr lang="en-US" sz="900" b="0" dirty="0" smtClean="0">
@@ -3580,7 +6629,7 @@
                   <a:schemeClr val="bg1"/>
                 </a:solidFill>
               </a:rPr>
-              <a:t>.  For internal use only.</a:t>
+              <a:t>.</a:t>
             </a:r>
             <a:endParaRPr lang="en-US" sz="900" b="0" dirty="0">
               <a:solidFill>
@@ -3599,6 +6648,48 @@
   </p:cSld>
   <p:clrMapOvr>
     <a:masterClrMapping/>
+  </p:clrMapOvr>
+  <p:timing>
+    <p:tnLst>
+      <p:par>
+        <p:cTn id="1" dur="indefinite" restart="never" nodeType="tmRoot"/>
+      </p:par>
+    </p:tnLst>
+  </p:timing>
+</p:sldLayout>
+</file>
+
+<file path=ppt/slideLayouts/slideLayout10.xml><?xml version="1.0" encoding="utf-8"?>
+<p:sldLayout xmlns:a="http://schemas.openxmlformats.org/drawingml/2006/main" xmlns:r="http://schemas.openxmlformats.org/officeDocument/2006/relationships" xmlns:p="http://schemas.openxmlformats.org/presentationml/2006/main" preserve="1" userDrawn="1">
+  <p:cSld name="1_Blank">
+    <p:bg>
+      <p:bgRef idx="1001">
+        <a:schemeClr val="bg1"/>
+      </p:bgRef>
+    </p:bg>
+    <p:spTree>
+      <p:nvGrpSpPr>
+        <p:cNvPr id="1" name=""/>
+        <p:cNvGrpSpPr/>
+        <p:nvPr/>
+      </p:nvGrpSpPr>
+      <p:grpSpPr>
+        <a:xfrm>
+          <a:off x="0" y="0"/>
+          <a:ext cx="0" cy="0"/>
+          <a:chOff x="0" y="0"/>
+          <a:chExt cx="0" cy="0"/>
+        </a:xfrm>
+      </p:grpSpPr>
+    </p:spTree>
+    <p:extLst>
+      <p:ext uri="{BB962C8B-B14F-4D97-AF65-F5344CB8AC3E}">
+        <p14:creationId xmlns:p14="http://schemas.microsoft.com/office/powerpoint/2010/main" val="4173440593"/>
+      </p:ext>
+    </p:extLst>
+  </p:cSld>
+  <p:clrMapOvr>
+    <a:overrideClrMapping bg1="dk1" tx1="lt1" bg2="dk2" tx2="lt2" accent1="accent1" accent2="accent2" accent3="accent3" accent4="accent4" accent5="accent5" accent6="accent6" hlink="hlink" folHlink="folHlink"/>
   </p:clrMapOvr>
   <p:timing>
     <p:tnLst>
@@ -3951,60 +7042,59 @@
       </p:sp>
       <p:sp>
         <p:nvSpPr>
-          <p:cNvPr id="11" name="Text Box 44"/>
-          <p:cNvSpPr txBox="1">
-            <a:spLocks noChangeArrowheads="1"/>
-          </p:cNvSpPr>
+          <p:cNvPr id="7" name="TextBox 6"/>
+          <p:cNvSpPr txBox="1"/>
           <p:nvPr userDrawn="1"/>
         </p:nvSpPr>
-        <p:spPr bwMode="auto">
+        <p:spPr>
           <a:xfrm>
-            <a:off x="1554352" y="6584950"/>
-            <a:ext cx="5760640" cy="230832"/>
+            <a:off x="444500" y="6572250"/>
+            <a:ext cx="2573227" cy="230832"/>
           </a:xfrm>
           <a:prstGeom prst="rect">
             <a:avLst/>
           </a:prstGeom>
           <a:noFill/>
-          <a:ln w="9525">
-            <a:noFill/>
-            <a:miter lim="800000"/>
-            <a:headEnd/>
-            <a:tailEnd/>
-          </a:ln>
-          <a:effectLst/>
         </p:spPr>
         <p:txBody>
-          <a:bodyPr wrap="square">
+          <a:bodyPr wrap="square" lIns="0">
             <a:spAutoFit/>
           </a:bodyPr>
           <a:lstStyle/>
           <a:p>
-            <a:pPr algn="r" eaLnBrk="0" hangingPunct="0">
-              <a:lnSpc>
-                <a:spcPct val="100000"/>
-              </a:lnSpc>
-              <a:buFontTx/>
-              <a:buNone/>
+            <a:pPr algn="ctr">
               <a:defRPr/>
             </a:pPr>
             <a:r>
-              <a:rPr lang="en-US" sz="900" b="0" dirty="0"/>
-              <a:t>© </a:t>
-            </a:r>
-            <a:r>
-              <a:rPr lang="en-US" sz="900" b="0" dirty="0" smtClean="0"/>
-              <a:t>2006-2013 </a:t>
-            </a:r>
-            <a:r>
-              <a:rPr lang="en-US" sz="900" b="0" dirty="0"/>
-              <a:t>Accenture.  All Rights Reserved.  Confidential Information of Accenture</a:t>
-            </a:r>
-            <a:r>
-              <a:rPr lang="en-US" sz="900" b="0" dirty="0" smtClean="0"/>
-              <a:t>.  For internal use only.</a:t>
-            </a:r>
-            <a:endParaRPr lang="en-US" sz="900" b="0" dirty="0"/>
+              <a:rPr lang="en-US" sz="900" dirty="0">
+                <a:solidFill>
+                  <a:srgbClr val="858789"/>
+                </a:solidFill>
+                <a:latin typeface="Arial" pitchFamily="34" charset="0"/>
+                <a:cs typeface="Arial" pitchFamily="34" charset="0"/>
+              </a:rPr>
+              <a:t>Copyright © </a:t>
+            </a:r>
+            <a:r>
+              <a:rPr lang="en-US" sz="900" dirty="0" smtClean="0">
+                <a:solidFill>
+                  <a:srgbClr val="858789"/>
+                </a:solidFill>
+                <a:latin typeface="Arial" pitchFamily="34" charset="0"/>
+                <a:cs typeface="Arial" pitchFamily="34" charset="0"/>
+              </a:rPr>
+              <a:t>2013 </a:t>
+            </a:r>
+            <a:r>
+              <a:rPr lang="en-US" sz="900" dirty="0">
+                <a:solidFill>
+                  <a:srgbClr val="858789"/>
+                </a:solidFill>
+                <a:latin typeface="Arial" pitchFamily="34" charset="0"/>
+                <a:cs typeface="Arial" pitchFamily="34" charset="0"/>
+              </a:rPr>
+              <a:t>Accenture  All rights reserved.</a:t>
+            </a:r>
           </a:p>
         </p:txBody>
       </p:sp>
@@ -4029,6 +7119,235 @@
 </file>
 
 <file path=ppt/slideLayouts/slideLayout4.xml><?xml version="1.0" encoding="utf-8"?>
+<p:sldLayout xmlns:a="http://schemas.openxmlformats.org/drawingml/2006/main" xmlns:r="http://schemas.openxmlformats.org/officeDocument/2006/relationships" xmlns:p="http://schemas.openxmlformats.org/presentationml/2006/main" preserve="1" userDrawn="1">
+  <p:cSld name="1_Title and Paragraphs">
+    <p:bg>
+      <p:bgRef idx="1001">
+        <a:schemeClr val="bg1"/>
+      </p:bgRef>
+    </p:bg>
+    <p:spTree>
+      <p:nvGrpSpPr>
+        <p:cNvPr id="1" name=""/>
+        <p:cNvGrpSpPr/>
+        <p:nvPr/>
+      </p:nvGrpSpPr>
+      <p:grpSpPr>
+        <a:xfrm>
+          <a:off x="0" y="0"/>
+          <a:ext cx="0" cy="0"/>
+          <a:chOff x="0" y="0"/>
+          <a:chExt cx="0" cy="0"/>
+        </a:xfrm>
+      </p:grpSpPr>
+      <p:sp>
+        <p:nvSpPr>
+          <p:cNvPr id="10" name="Content Placeholder 9"/>
+          <p:cNvSpPr>
+            <a:spLocks noGrp="1"/>
+          </p:cNvSpPr>
+          <p:nvPr>
+            <p:ph sz="quarter" idx="12" hasCustomPrompt="1"/>
+          </p:nvPr>
+        </p:nvSpPr>
+        <p:spPr>
+          <a:xfrm>
+            <a:off x="457200" y="1381124"/>
+            <a:ext cx="8345155" cy="5181815"/>
+          </a:xfrm>
+        </p:spPr>
+        <p:txBody>
+          <a:bodyPr/>
+          <a:lstStyle>
+            <a:lvl1pPr marL="0" indent="0">
+              <a:spcBef>
+                <a:spcPts val="1200"/>
+              </a:spcBef>
+              <a:spcAft>
+                <a:spcPts val="0"/>
+              </a:spcAft>
+              <a:buNone/>
+              <a:defRPr sz="2000" b="1">
+                <a:solidFill>
+                  <a:srgbClr val="DD4411"/>
+                </a:solidFill>
+              </a:defRPr>
+            </a:lvl1pPr>
+            <a:lvl2pPr marL="457200" indent="-403225">
+              <a:spcBef>
+                <a:spcPts val="1150"/>
+              </a:spcBef>
+              <a:spcAft>
+                <a:spcPts val="200"/>
+              </a:spcAft>
+              <a:buFont typeface="Wingdings" panose="05000000000000000000" pitchFamily="2" charset="2"/>
+              <a:buChar char="q"/>
+              <a:defRPr sz="1800">
+                <a:solidFill>
+                  <a:schemeClr val="tx1"/>
+                </a:solidFill>
+              </a:defRPr>
+            </a:lvl2pPr>
+            <a:lvl3pPr marL="914400" indent="-457200">
+              <a:buFont typeface="Arial" pitchFamily="34" charset="0"/>
+              <a:buChar char="–"/>
+              <a:defRPr sz="1600">
+                <a:solidFill>
+                  <a:schemeClr val="tx1"/>
+                </a:solidFill>
+              </a:defRPr>
+            </a:lvl3pPr>
+            <a:lvl4pPr marL="1492250" indent="-346075">
+              <a:buFont typeface="Arial" pitchFamily="34" charset="0"/>
+              <a:buChar char="•"/>
+              <a:defRPr sz="1400">
+                <a:solidFill>
+                  <a:schemeClr val="tx1"/>
+                </a:solidFill>
+              </a:defRPr>
+            </a:lvl4pPr>
+            <a:lvl5pPr marL="1946275" indent="-344488">
+              <a:buFont typeface="Arial" pitchFamily="34" charset="0"/>
+              <a:buChar char="–"/>
+              <a:tabLst/>
+              <a:defRPr sz="1200">
+                <a:solidFill>
+                  <a:schemeClr val="tx1"/>
+                </a:solidFill>
+              </a:defRPr>
+            </a:lvl5pPr>
+          </a:lstStyle>
+          <a:p>
+            <a:pPr lvl="0"/>
+            <a:r>
+              <a:rPr lang="en-CA" dirty="0" smtClean="0"/>
+              <a:t>First Level Text</a:t>
+            </a:r>
+          </a:p>
+          <a:p>
+            <a:pPr lvl="1"/>
+            <a:r>
+              <a:rPr lang="en-CA" dirty="0" smtClean="0"/>
+              <a:t>Second Level Text</a:t>
+            </a:r>
+          </a:p>
+          <a:p>
+            <a:pPr lvl="2"/>
+            <a:r>
+              <a:rPr lang="en-CA" dirty="0" smtClean="0"/>
+              <a:t>Third Level Text</a:t>
+            </a:r>
+          </a:p>
+          <a:p>
+            <a:pPr lvl="3"/>
+            <a:r>
+              <a:rPr lang="en-CA" dirty="0" smtClean="0"/>
+              <a:t>Fourth Level Text</a:t>
+            </a:r>
+          </a:p>
+          <a:p>
+            <a:pPr lvl="4"/>
+            <a:r>
+              <a:rPr lang="en-CA" dirty="0" smtClean="0"/>
+              <a:t>Fifth Level Text</a:t>
+            </a:r>
+          </a:p>
+        </p:txBody>
+      </p:sp>
+      <p:cxnSp>
+        <p:nvCxnSpPr>
+          <p:cNvPr id="8" name="Straight Connector 7"/>
+          <p:cNvCxnSpPr/>
+          <p:nvPr userDrawn="1"/>
+        </p:nvCxnSpPr>
+        <p:spPr>
+          <a:xfrm>
+            <a:off x="457994" y="1162050"/>
+            <a:ext cx="8686006" cy="0"/>
+          </a:xfrm>
+          <a:prstGeom prst="line">
+            <a:avLst/>
+          </a:prstGeom>
+          <a:ln w="12700">
+            <a:solidFill>
+              <a:srgbClr val="DD4411"/>
+            </a:solidFill>
+          </a:ln>
+        </p:spPr>
+        <p:style>
+          <a:lnRef idx="1">
+            <a:schemeClr val="accent1"/>
+          </a:lnRef>
+          <a:fillRef idx="0">
+            <a:schemeClr val="accent1"/>
+          </a:fillRef>
+          <a:effectRef idx="0">
+            <a:schemeClr val="accent1"/>
+          </a:effectRef>
+          <a:fontRef idx="minor">
+            <a:schemeClr val="tx1"/>
+          </a:fontRef>
+        </p:style>
+      </p:cxnSp>
+      <p:sp>
+        <p:nvSpPr>
+          <p:cNvPr id="3" name="Title 2"/>
+          <p:cNvSpPr>
+            <a:spLocks noGrp="1"/>
+          </p:cNvSpPr>
+          <p:nvPr>
+            <p:ph type="title" hasCustomPrompt="1"/>
+          </p:nvPr>
+        </p:nvSpPr>
+        <p:spPr>
+          <a:xfrm>
+            <a:off x="461035" y="170122"/>
+            <a:ext cx="8341320" cy="785553"/>
+          </a:xfrm>
+        </p:spPr>
+        <p:txBody>
+          <a:bodyPr>
+            <a:normAutofit/>
+          </a:bodyPr>
+          <a:lstStyle>
+            <a:lvl1pPr>
+              <a:defRPr sz="2400">
+                <a:solidFill>
+                  <a:schemeClr val="tx1"/>
+                </a:solidFill>
+              </a:defRPr>
+            </a:lvl1pPr>
+          </a:lstStyle>
+          <a:p>
+            <a:r>
+              <a:rPr lang="en-US" dirty="0" smtClean="0"/>
+              <a:t>Master Title Slide Headline</a:t>
+            </a:r>
+            <a:endParaRPr lang="en-CA" dirty="0"/>
+          </a:p>
+        </p:txBody>
+      </p:sp>
+    </p:spTree>
+    <p:extLst>
+      <p:ext uri="{BB962C8B-B14F-4D97-AF65-F5344CB8AC3E}">
+        <p14:creationId xmlns:p14="http://schemas.microsoft.com/office/powerpoint/2010/main" val="638460256"/>
+      </p:ext>
+    </p:extLst>
+  </p:cSld>
+  <p:clrMapOvr>
+    <a:overrideClrMapping bg1="dk1" tx1="lt1" bg2="dk2" tx2="lt2" accent1="accent1" accent2="accent2" accent3="accent3" accent4="accent4" accent5="accent5" accent6="accent6" hlink="hlink" folHlink="folHlink"/>
+  </p:clrMapOvr>
+  <p:timing>
+    <p:tnLst>
+      <p:par>
+        <p:cTn id="1" dur="indefinite" restart="never" nodeType="tmRoot"/>
+      </p:par>
+    </p:tnLst>
+  </p:timing>
+</p:sldLayout>
+</file>
+
+<file path=ppt/slideLayouts/slideLayout5.xml><?xml version="1.0" encoding="utf-8"?>
 <p:sldLayout xmlns:a="http://schemas.openxmlformats.org/drawingml/2006/main" xmlns:r="http://schemas.openxmlformats.org/officeDocument/2006/relationships" xmlns:p="http://schemas.openxmlformats.org/presentationml/2006/main" preserve="1" userDrawn="1">
   <p:cSld name="Title and Content">
     <p:spTree>
@@ -4283,7 +7602,7 @@
 </p:sldLayout>
 </file>
 
-<file path=ppt/slideLayouts/slideLayout5.xml><?xml version="1.0" encoding="utf-8"?>
+<file path=ppt/slideLayouts/slideLayout6.xml><?xml version="1.0" encoding="utf-8"?>
 <p:sldLayout xmlns:a="http://schemas.openxmlformats.org/drawingml/2006/main" xmlns:r="http://schemas.openxmlformats.org/officeDocument/2006/relationships" xmlns:p="http://schemas.openxmlformats.org/presentationml/2006/main" preserve="1" userDrawn="1">
   <p:cSld name="Title and 2-Content">
     <p:spTree>
@@ -4628,7 +7947,7 @@
 </p:sldLayout>
 </file>
 
-<file path=ppt/slideLayouts/slideLayout6.xml><?xml version="1.0" encoding="utf-8"?>
+<file path=ppt/slideLayouts/slideLayout7.xml><?xml version="1.0" encoding="utf-8"?>
 <p:sldLayout xmlns:a="http://schemas.openxmlformats.org/drawingml/2006/main" xmlns:r="http://schemas.openxmlformats.org/officeDocument/2006/relationships" xmlns:p="http://schemas.openxmlformats.org/presentationml/2006/main" preserve="1" userDrawn="1">
   <p:cSld name="Title and 2-content Paragraphs">
     <p:spTree>
@@ -5013,7 +8332,7 @@
 </p:sldLayout>
 </file>
 
-<file path=ppt/slideLayouts/slideLayout7.xml><?xml version="1.0" encoding="utf-8"?>
+<file path=ppt/slideLayouts/slideLayout8.xml><?xml version="1.0" encoding="utf-8"?>
 <p:sldLayout xmlns:a="http://schemas.openxmlformats.org/drawingml/2006/main" xmlns:r="http://schemas.openxmlformats.org/officeDocument/2006/relationships" xmlns:p="http://schemas.openxmlformats.org/presentationml/2006/main" preserve="1" userDrawn="1">
   <p:cSld name="Title Only">
     <p:spTree>
@@ -5210,7 +8529,7 @@
 </p:sldLayout>
 </file>
 
-<file path=ppt/slideLayouts/slideLayout8.xml><?xml version="1.0" encoding="utf-8"?>
+<file path=ppt/slideLayouts/slideLayout9.xml><?xml version="1.0" encoding="utf-8"?>
 <p:sldLayout xmlns:a="http://schemas.openxmlformats.org/drawingml/2006/main" xmlns:r="http://schemas.openxmlformats.org/officeDocument/2006/relationships" xmlns:p="http://schemas.openxmlformats.org/presentationml/2006/main" preserve="1" userDrawn="1">
   <p:cSld name="Blank">
     <p:spTree>
@@ -5227,108 +8546,6 @@
           <a:chExt cx="0" cy="0"/>
         </a:xfrm>
       </p:grpSpPr>
-      <p:sp>
-        <p:nvSpPr>
-          <p:cNvPr id="5" name="TextBox 4"/>
-          <p:cNvSpPr txBox="1"/>
-          <p:nvPr userDrawn="1"/>
-        </p:nvSpPr>
-        <p:spPr>
-          <a:xfrm>
-            <a:off x="444500" y="6572250"/>
-            <a:ext cx="2573227" cy="230832"/>
-          </a:xfrm>
-          <a:prstGeom prst="rect">
-            <a:avLst/>
-          </a:prstGeom>
-          <a:noFill/>
-        </p:spPr>
-        <p:txBody>
-          <a:bodyPr wrap="square" lIns="0">
-            <a:spAutoFit/>
-          </a:bodyPr>
-          <a:lstStyle/>
-          <a:p>
-            <a:pPr algn="ctr">
-              <a:defRPr/>
-            </a:pPr>
-            <a:r>
-              <a:rPr lang="en-US" sz="900" dirty="0">
-                <a:solidFill>
-                  <a:srgbClr val="858789"/>
-                </a:solidFill>
-                <a:latin typeface="Arial" pitchFamily="34" charset="0"/>
-                <a:cs typeface="Arial" pitchFamily="34" charset="0"/>
-              </a:rPr>
-              <a:t>Copyright © </a:t>
-            </a:r>
-            <a:r>
-              <a:rPr lang="en-US" sz="900" dirty="0" smtClean="0">
-                <a:solidFill>
-                  <a:srgbClr val="858789"/>
-                </a:solidFill>
-                <a:latin typeface="Arial" pitchFamily="34" charset="0"/>
-                <a:cs typeface="Arial" pitchFamily="34" charset="0"/>
-              </a:rPr>
-              <a:t>2013 </a:t>
-            </a:r>
-            <a:r>
-              <a:rPr lang="en-US" sz="900" dirty="0">
-                <a:solidFill>
-                  <a:srgbClr val="858789"/>
-                </a:solidFill>
-                <a:latin typeface="Arial" pitchFamily="34" charset="0"/>
-                <a:cs typeface="Arial" pitchFamily="34" charset="0"/>
-              </a:rPr>
-              <a:t>Accenture  All rights reserved.</a:t>
-            </a:r>
-          </a:p>
-        </p:txBody>
-      </p:sp>
-      <p:sp>
-        <p:nvSpPr>
-          <p:cNvPr id="3" name="TextBox 2"/>
-          <p:cNvSpPr txBox="1"/>
-          <p:nvPr userDrawn="1"/>
-        </p:nvSpPr>
-        <p:spPr>
-          <a:xfrm>
-            <a:off x="8144698" y="6562940"/>
-            <a:ext cx="536400" cy="244800"/>
-          </a:xfrm>
-          <a:prstGeom prst="rect">
-            <a:avLst/>
-          </a:prstGeom>
-          <a:noFill/>
-        </p:spPr>
-        <p:txBody>
-          <a:bodyPr wrap="square" lIns="0" tIns="0" rIns="0" bIns="0" rtlCol="0" anchor="ctr" anchorCtr="0">
-            <a:noAutofit/>
-          </a:bodyPr>
-          <a:lstStyle/>
-          <a:p>
-            <a:pPr algn="r"/>
-            <a:fld id="{597A8DCA-8F96-49CD-B4D5-7AC92F955860}" type="slidenum">
-              <a:rPr lang="en-CA" sz="900" smtClean="0">
-                <a:solidFill>
-                  <a:srgbClr val="858789"/>
-                </a:solidFill>
-                <a:latin typeface="Arial" pitchFamily="34" charset="0"/>
-                <a:cs typeface="Arial" pitchFamily="34" charset="0"/>
-              </a:rPr>
-              <a:pPr algn="r"/>
-              <a:t>‹#›</a:t>
-            </a:fld>
-            <a:endParaRPr lang="en-CA" sz="900" dirty="0">
-              <a:solidFill>
-                <a:srgbClr val="858789"/>
-              </a:solidFill>
-              <a:latin typeface="Arial" pitchFamily="34" charset="0"/>
-              <a:cs typeface="Arial" pitchFamily="34" charset="0"/>
-            </a:endParaRPr>
-          </a:p>
-        </p:txBody>
-      </p:sp>
     </p:spTree>
     <p:extLst>
       <p:ext uri="{BB962C8B-B14F-4D97-AF65-F5344CB8AC3E}">
@@ -5478,11 +8695,13 @@
     <p:sldLayoutId id="2147483649" r:id="rId1"/>
     <p:sldLayoutId id="2147483650" r:id="rId2"/>
     <p:sldLayoutId id="2147483652" r:id="rId3"/>
-    <p:sldLayoutId id="2147483651" r:id="rId4"/>
-    <p:sldLayoutId id="2147483653" r:id="rId5"/>
-    <p:sldLayoutId id="2147483654" r:id="rId6"/>
-    <p:sldLayoutId id="2147483655" r:id="rId7"/>
-    <p:sldLayoutId id="2147483656" r:id="rId8"/>
+    <p:sldLayoutId id="2147483658" r:id="rId4"/>
+    <p:sldLayoutId id="2147483651" r:id="rId5"/>
+    <p:sldLayoutId id="2147483653" r:id="rId6"/>
+    <p:sldLayoutId id="2147483654" r:id="rId7"/>
+    <p:sldLayoutId id="2147483655" r:id="rId8"/>
+    <p:sldLayoutId id="2147483656" r:id="rId9"/>
+    <p:sldLayoutId id="2147483659" r:id="rId10"/>
   </p:sldLayoutIdLst>
   <p:timing>
     <p:tnLst>
@@ -5886,6 +9105,2648 @@
 </p:sld>
 </file>
 
+<file path=ppt/slides/slide10.xml><?xml version="1.0" encoding="utf-8"?>
+<p:sld xmlns:a="http://schemas.openxmlformats.org/drawingml/2006/main" xmlns:r="http://schemas.openxmlformats.org/officeDocument/2006/relationships" xmlns:p="http://schemas.openxmlformats.org/presentationml/2006/main">
+  <p:cSld>
+    <p:spTree>
+      <p:nvGrpSpPr>
+        <p:cNvPr id="1" name=""/>
+        <p:cNvGrpSpPr/>
+        <p:nvPr/>
+      </p:nvGrpSpPr>
+      <p:grpSpPr>
+        <a:xfrm>
+          <a:off x="0" y="0"/>
+          <a:ext cx="0" cy="0"/>
+          <a:chOff x="0" y="0"/>
+          <a:chExt cx="0" cy="0"/>
+        </a:xfrm>
+      </p:grpSpPr>
+      <p:sp>
+        <p:nvSpPr>
+          <p:cNvPr id="3" name="Content Placeholder 2"/>
+          <p:cNvSpPr>
+            <a:spLocks noGrp="1"/>
+          </p:cNvSpPr>
+          <p:nvPr>
+            <p:ph sz="quarter" idx="12"/>
+          </p:nvPr>
+        </p:nvSpPr>
+        <p:spPr>
+          <a:prstGeom prst="rect">
+            <a:avLst/>
+          </a:prstGeom>
+        </p:spPr>
+        <p:txBody>
+          <a:bodyPr>
+            <a:normAutofit fontScale="70000" lnSpcReduction="20000"/>
+          </a:bodyPr>
+          <a:lstStyle/>
+          <a:p>
+            <a:pPr lvl="1"/>
+            <a:r>
+              <a:rPr lang="en-US" dirty="0" smtClean="0"/>
+              <a:t>Overview</a:t>
+            </a:r>
+            <a:endParaRPr lang="en-CA" dirty="0" smtClean="0"/>
+          </a:p>
+          <a:p>
+            <a:pPr lvl="2"/>
+            <a:r>
+              <a:rPr lang="en-CA" dirty="0" smtClean="0"/>
+              <a:t>Mature language, predates Java</a:t>
+            </a:r>
+          </a:p>
+          <a:p>
+            <a:pPr lvl="2"/>
+            <a:r>
+              <a:rPr lang="en-US" dirty="0" smtClean="0"/>
+              <a:t>Object-oriented, with advanced meta-programming features</a:t>
+            </a:r>
+          </a:p>
+          <a:p>
+            <a:pPr lvl="2"/>
+            <a:r>
+              <a:rPr lang="en-US" dirty="0" smtClean="0"/>
+              <a:t>Powerful built-in collections</a:t>
+            </a:r>
+          </a:p>
+          <a:p>
+            <a:pPr lvl="2"/>
+            <a:r>
+              <a:rPr lang="en-US" dirty="0" smtClean="0"/>
+              <a:t>Functional programming support includes closures, nested functions, comprehensions</a:t>
+            </a:r>
+          </a:p>
+          <a:p>
+            <a:pPr lvl="2"/>
+            <a:r>
+              <a:rPr lang="en-US" dirty="0" smtClean="0"/>
+              <a:t>Modularity supported by packages</a:t>
+            </a:r>
+          </a:p>
+          <a:p>
+            <a:pPr lvl="2"/>
+            <a:r>
+              <a:rPr lang="en-CA" dirty="0" smtClean="0"/>
+              <a:t>Extensive library</a:t>
+            </a:r>
+          </a:p>
+          <a:p>
+            <a:pPr lvl="3"/>
+            <a:r>
+              <a:rPr lang="en-CA" dirty="0" err="1" smtClean="0"/>
+              <a:t>PyPi</a:t>
+            </a:r>
+            <a:r>
+              <a:rPr lang="en-CA" dirty="0" smtClean="0"/>
+              <a:t> package repository</a:t>
+            </a:r>
+          </a:p>
+          <a:p>
+            <a:pPr lvl="2"/>
+            <a:r>
+              <a:rPr lang="en-US" dirty="0" smtClean="0"/>
+              <a:t>Strong documentation frameworks</a:t>
+            </a:r>
+          </a:p>
+          <a:p>
+            <a:pPr lvl="2"/>
+            <a:r>
+              <a:rPr lang="en-US" dirty="0" smtClean="0"/>
+              <a:t>Powerful testing frameworks</a:t>
+            </a:r>
+          </a:p>
+          <a:p>
+            <a:pPr lvl="2"/>
+            <a:r>
+              <a:rPr lang="en-CA" dirty="0" smtClean="0"/>
+              <a:t>Clean, readable structure promotes maintainable code</a:t>
+            </a:r>
+            <a:endParaRPr lang="en-US" dirty="0" smtClean="0"/>
+          </a:p>
+          <a:p>
+            <a:pPr lvl="2"/>
+            <a:r>
+              <a:rPr lang="en-CA" dirty="0" smtClean="0"/>
+              <a:t>Easy to integrate with and wrap C/C++ code</a:t>
+            </a:r>
+          </a:p>
+          <a:p>
+            <a:pPr lvl="2"/>
+            <a:r>
+              <a:rPr lang="en-US" dirty="0" smtClean="0"/>
+              <a:t>Several good books available</a:t>
+            </a:r>
+          </a:p>
+          <a:p>
+            <a:pPr lvl="2"/>
+            <a:r>
+              <a:rPr lang="en-CA" dirty="0" smtClean="0"/>
+              <a:t>Easy-to-learn, increasingly taught as first programming language</a:t>
+            </a:r>
+          </a:p>
+          <a:p>
+            <a:pPr lvl="2"/>
+            <a:r>
+              <a:rPr lang="en-CA" dirty="0" smtClean="0"/>
+              <a:t>No commercial vendor support</a:t>
+            </a:r>
+          </a:p>
+          <a:p>
+            <a:pPr lvl="2"/>
+            <a:r>
+              <a:rPr lang="en-US" dirty="0" err="1" smtClean="0"/>
+              <a:t>Jython</a:t>
+            </a:r>
+            <a:r>
+              <a:rPr lang="en-US" dirty="0" smtClean="0"/>
+              <a:t> is a fully-compliant Python implementation that runs on the JVM</a:t>
+            </a:r>
+          </a:p>
+          <a:p>
+            <a:pPr lvl="2"/>
+            <a:r>
+              <a:rPr lang="en-CA" dirty="0" err="1" smtClean="0"/>
+              <a:t>Django</a:t>
+            </a:r>
+            <a:r>
+              <a:rPr lang="en-CA" dirty="0" smtClean="0"/>
+              <a:t>, a popular web framework written in Python, competes with Rails</a:t>
+            </a:r>
+          </a:p>
+          <a:p>
+            <a:pPr lvl="1"/>
+            <a:r>
+              <a:rPr lang="en-US" dirty="0" smtClean="0"/>
+              <a:t>Usage</a:t>
+            </a:r>
+          </a:p>
+          <a:p>
+            <a:pPr lvl="2"/>
+            <a:r>
+              <a:rPr lang="en-US" dirty="0" smtClean="0"/>
+              <a:t>Heavily used at Google</a:t>
+            </a:r>
+          </a:p>
+          <a:p>
+            <a:pPr lvl="2"/>
+            <a:r>
+              <a:rPr lang="en-US" dirty="0" smtClean="0"/>
+              <a:t>WashingtonPost.com and many other sites using the </a:t>
+            </a:r>
+            <a:r>
+              <a:rPr lang="en-US" dirty="0" err="1" smtClean="0"/>
+              <a:t>Django</a:t>
+            </a:r>
+            <a:r>
+              <a:rPr lang="en-US" dirty="0" smtClean="0"/>
+              <a:t> framework</a:t>
+            </a:r>
+          </a:p>
+          <a:p>
+            <a:pPr lvl="2"/>
+            <a:r>
+              <a:rPr lang="en-US" dirty="0" smtClean="0"/>
+              <a:t>Major financial institution:  risk management and compliance</a:t>
+            </a:r>
+          </a:p>
+          <a:p>
+            <a:pPr lvl="2"/>
+            <a:r>
+              <a:rPr lang="en-US" dirty="0" smtClean="0"/>
+              <a:t>Popular for financial modeling and analysis</a:t>
+            </a:r>
+          </a:p>
+          <a:p>
+            <a:pPr lvl="2"/>
+            <a:r>
+              <a:rPr lang="en-US" dirty="0" smtClean="0"/>
+              <a:t>Widely used in scientific and Big Data applications</a:t>
+            </a:r>
+          </a:p>
+          <a:p>
+            <a:pPr lvl="2"/>
+            <a:r>
+              <a:rPr lang="en-CA" dirty="0" smtClean="0"/>
+              <a:t>Not generally as popular as Ruby for business and web applications</a:t>
+            </a:r>
+          </a:p>
+          <a:p>
+            <a:pPr lvl="1"/>
+            <a:endParaRPr lang="en-US" dirty="0" smtClean="0"/>
+          </a:p>
+        </p:txBody>
+      </p:sp>
+      <p:sp>
+        <p:nvSpPr>
+          <p:cNvPr id="2" name="Title 1"/>
+          <p:cNvSpPr>
+            <a:spLocks noGrp="1"/>
+          </p:cNvSpPr>
+          <p:nvPr>
+            <p:ph type="title"/>
+          </p:nvPr>
+        </p:nvSpPr>
+        <p:spPr/>
+        <p:txBody>
+          <a:bodyPr/>
+          <a:lstStyle/>
+          <a:p>
+            <a:r>
+              <a:rPr lang="en-US" dirty="0" smtClean="0"/>
+              <a:t>Python</a:t>
+            </a:r>
+            <a:endParaRPr lang="en-US" dirty="0"/>
+          </a:p>
+        </p:txBody>
+      </p:sp>
+      <p:pic>
+        <p:nvPicPr>
+          <p:cNvPr id="2052" name="Picture 4" descr="C:\Users\duston.r.mounts\Documents\Accenture\1. Projects\1 - Current Projects\Architecture Innovation\Application Development\Heroku\Webinar\Need To Know\LanguageLogos\LanguageLogos\python-logo.gif"/>
+          <p:cNvPicPr>
+            <a:picLocks noChangeAspect="1" noChangeArrowheads="1"/>
+          </p:cNvPicPr>
+          <p:nvPr/>
+        </p:nvPicPr>
+        <p:blipFill>
+          <a:blip r:embed="rId3">
+            <a:extLst>
+              <a:ext uri="{28A0092B-C50C-407E-A947-70E740481C1C}">
+                <a14:useLocalDpi xmlns:a14="http://schemas.microsoft.com/office/drawing/2010/main" val="0"/>
+              </a:ext>
+            </a:extLst>
+          </a:blip>
+          <a:srcRect/>
+          <a:stretch>
+            <a:fillRect/>
+          </a:stretch>
+        </p:blipFill>
+        <p:spPr bwMode="auto">
+          <a:xfrm>
+            <a:off x="7282668" y="116633"/>
+            <a:ext cx="1925958" cy="648072"/>
+          </a:xfrm>
+          <a:prstGeom prst="rect">
+            <a:avLst/>
+          </a:prstGeom>
+          <a:noFill/>
+          <a:extLst>
+            <a:ext uri="{909E8E84-426E-40DD-AFC4-6F175D3DCCD1}">
+              <a14:hiddenFill xmlns:a14="http://schemas.microsoft.com/office/drawing/2010/main">
+                <a:solidFill>
+                  <a:srgbClr val="FFFFFF"/>
+                </a:solidFill>
+              </a14:hiddenFill>
+            </a:ext>
+          </a:extLst>
+        </p:spPr>
+      </p:pic>
+    </p:spTree>
+    <p:extLst>
+      <p:ext uri="{BB962C8B-B14F-4D97-AF65-F5344CB8AC3E}">
+        <p14:creationId xmlns:p14="http://schemas.microsoft.com/office/powerpoint/2010/main" val="491086951"/>
+      </p:ext>
+    </p:extLst>
+  </p:cSld>
+  <p:clrMapOvr>
+    <a:masterClrMapping/>
+  </p:clrMapOvr>
+  <mc:AlternateContent xmlns:mc="http://schemas.openxmlformats.org/markup-compatibility/2006" xmlns:p14="http://schemas.microsoft.com/office/powerpoint/2010/main">
+    <mc:Choice Requires="p14">
+      <p:transition spd="slow" p14:dur="2000"/>
+    </mc:Choice>
+    <mc:Fallback xmlns="">
+      <p:transition spd="slow"/>
+    </mc:Fallback>
+  </mc:AlternateContent>
+  <p:timing>
+    <p:tnLst>
+      <p:par>
+        <p:cTn id="1" dur="indefinite" restart="never" nodeType="tmRoot"/>
+      </p:par>
+    </p:tnLst>
+  </p:timing>
+</p:sld>
+</file>
+
+<file path=ppt/slides/slide11.xml><?xml version="1.0" encoding="utf-8"?>
+<p:sld xmlns:a="http://schemas.openxmlformats.org/drawingml/2006/main" xmlns:r="http://schemas.openxmlformats.org/officeDocument/2006/relationships" xmlns:p="http://schemas.openxmlformats.org/presentationml/2006/main">
+  <p:cSld>
+    <p:spTree>
+      <p:nvGrpSpPr>
+        <p:cNvPr id="1" name=""/>
+        <p:cNvGrpSpPr/>
+        <p:nvPr/>
+      </p:nvGrpSpPr>
+      <p:grpSpPr>
+        <a:xfrm>
+          <a:off x="0" y="0"/>
+          <a:ext cx="0" cy="0"/>
+          <a:chOff x="0" y="0"/>
+          <a:chExt cx="0" cy="0"/>
+        </a:xfrm>
+      </p:grpSpPr>
+      <p:sp>
+        <p:nvSpPr>
+          <p:cNvPr id="3" name="Content Placeholder 2"/>
+          <p:cNvSpPr>
+            <a:spLocks noGrp="1"/>
+          </p:cNvSpPr>
+          <p:nvPr>
+            <p:ph sz="quarter" idx="12"/>
+          </p:nvPr>
+        </p:nvSpPr>
+        <p:spPr>
+          <a:prstGeom prst="rect">
+            <a:avLst/>
+          </a:prstGeom>
+        </p:spPr>
+        <p:txBody>
+          <a:bodyPr>
+            <a:noAutofit/>
+          </a:bodyPr>
+          <a:lstStyle/>
+          <a:p>
+            <a:pPr lvl="1"/>
+            <a:r>
+              <a:rPr lang="en-US" sz="1100" dirty="0" smtClean="0"/>
+              <a:t>Overview</a:t>
+            </a:r>
+            <a:endParaRPr lang="en-CA" sz="1100" dirty="0" smtClean="0"/>
+          </a:p>
+          <a:p>
+            <a:pPr lvl="2"/>
+            <a:r>
+              <a:rPr lang="en-CA" sz="1100" dirty="0" smtClean="0"/>
+              <a:t>Mature language, released for execution in web browsers circa 1995 though  </a:t>
+            </a:r>
+            <a:r>
+              <a:rPr lang="en-US" sz="1100" dirty="0" err="1" smtClean="0"/>
+              <a:t>ECMAScript</a:t>
+            </a:r>
+            <a:r>
+              <a:rPr lang="en-US" sz="1100" dirty="0" smtClean="0"/>
+              <a:t> is the standard language definition.</a:t>
+            </a:r>
+          </a:p>
+          <a:p>
+            <a:pPr lvl="2"/>
+            <a:r>
+              <a:rPr lang="en-CA" sz="1100" dirty="0" smtClean="0"/>
+              <a:t>Interest in client-side JavaScript has been boosted over the years by the advent of Ajax, frameworks like </a:t>
+            </a:r>
+            <a:r>
+              <a:rPr lang="en-CA" sz="1100" dirty="0" err="1" smtClean="0"/>
+              <a:t>jQuery</a:t>
+            </a:r>
+            <a:r>
+              <a:rPr lang="en-CA" sz="1100" dirty="0" smtClean="0"/>
+              <a:t>, HTML5, the asynchronous web, the single-page web application style, and browser-side MVC frameworks.</a:t>
+            </a:r>
+          </a:p>
+          <a:p>
+            <a:pPr lvl="2"/>
+            <a:r>
+              <a:rPr lang="en-US" sz="1100" dirty="0" smtClean="0"/>
+              <a:t>JavaScript is object-based but uses the prototype model, where objects are cloned instead of being instantiated from classes</a:t>
+            </a:r>
+          </a:p>
+          <a:p>
+            <a:pPr lvl="2"/>
+            <a:r>
+              <a:rPr lang="en-US" sz="1100" dirty="0" smtClean="0"/>
+              <a:t>Functional programming support includes closures, nested functions</a:t>
+            </a:r>
+          </a:p>
+          <a:p>
+            <a:pPr lvl="2"/>
+            <a:r>
+              <a:rPr lang="en-CA" sz="1100" dirty="0" smtClean="0"/>
+              <a:t>The language is relatively easy to learn.  It is used by a very large number of (primarily web) developers, but often without the basic standards of hygiene expected of code written in other languages.</a:t>
+            </a:r>
+          </a:p>
+          <a:p>
+            <a:pPr lvl="2"/>
+            <a:r>
+              <a:rPr lang="en-CA" sz="1100" dirty="0" smtClean="0"/>
+              <a:t>Compared to the other major dynamic languages, JavaScript lags in certain areas such as lack of established documentation frameworks, inconsistent language features, multi-threading support and immature tooling</a:t>
+            </a:r>
+          </a:p>
+          <a:p>
+            <a:pPr lvl="2"/>
+            <a:r>
+              <a:rPr lang="en-CA" sz="1100" dirty="0" smtClean="0"/>
+              <a:t>Node.js has accelerated the adoption of JavaScript for server-side development</a:t>
+            </a:r>
+          </a:p>
+          <a:p>
+            <a:pPr lvl="2"/>
+            <a:r>
+              <a:rPr lang="en-CA" sz="1100" dirty="0" smtClean="0"/>
+              <a:t>There are many frameworks for JavaScript client-side and server-side:</a:t>
+            </a:r>
+          </a:p>
+          <a:p>
+            <a:pPr lvl="3"/>
+            <a:r>
+              <a:rPr lang="en-CA" sz="1100" dirty="0" smtClean="0"/>
+              <a:t>General libraries like </a:t>
+            </a:r>
+            <a:r>
+              <a:rPr lang="en-CA" sz="1100" dirty="0" err="1" smtClean="0"/>
+              <a:t>jQuery</a:t>
+            </a:r>
+            <a:r>
+              <a:rPr lang="en-CA" sz="1100" dirty="0" smtClean="0"/>
+              <a:t>, Prototype, Dojo, and YUI, and MVC frameworks like Backbone.js, </a:t>
+            </a:r>
+            <a:r>
+              <a:rPr lang="en-CA" sz="1100" dirty="0" err="1" smtClean="0"/>
+              <a:t>AngularJS</a:t>
+            </a:r>
+            <a:r>
+              <a:rPr lang="en-CA" sz="1100" dirty="0" smtClean="0"/>
+              <a:t>, Ember.js, and Knockout.</a:t>
+            </a:r>
+          </a:p>
+          <a:p>
+            <a:pPr lvl="3"/>
+            <a:r>
+              <a:rPr lang="en-CA" sz="1100" dirty="0" smtClean="0"/>
+              <a:t>Major server-side (Node.js) frameworks include Express, </a:t>
+            </a:r>
+            <a:r>
+              <a:rPr lang="en-CA" sz="1100" dirty="0" err="1" smtClean="0"/>
+              <a:t>FlatIron</a:t>
+            </a:r>
+            <a:r>
+              <a:rPr lang="en-CA" sz="1100" dirty="0" smtClean="0"/>
+              <a:t>, </a:t>
+            </a:r>
+            <a:r>
+              <a:rPr lang="en-CA" sz="1100" dirty="0" err="1" smtClean="0"/>
+              <a:t>SocketStream</a:t>
+            </a:r>
+            <a:r>
+              <a:rPr lang="en-CA" sz="1100" dirty="0" smtClean="0"/>
+              <a:t>, </a:t>
+            </a:r>
+            <a:r>
+              <a:rPr lang="en-CA" sz="1100" dirty="0" err="1" smtClean="0"/>
+              <a:t>TowerJS</a:t>
+            </a:r>
+            <a:r>
+              <a:rPr lang="en-CA" sz="1100" dirty="0" smtClean="0"/>
+              <a:t>, Derby, Meteor, and Mojito. </a:t>
+            </a:r>
+          </a:p>
+          <a:p>
+            <a:pPr lvl="1"/>
+            <a:r>
+              <a:rPr lang="en-US" sz="1100" dirty="0" smtClean="0"/>
+              <a:t>Usage</a:t>
+            </a:r>
+          </a:p>
+          <a:p>
+            <a:pPr lvl="2"/>
+            <a:r>
+              <a:rPr lang="en-US" sz="1100" dirty="0" smtClean="0"/>
+              <a:t>Client-side:  widespread browser-side usage on virtually every conceivable web application</a:t>
+            </a:r>
+          </a:p>
+          <a:p>
+            <a:pPr lvl="2"/>
+            <a:r>
+              <a:rPr lang="en-US" sz="1100" dirty="0" smtClean="0"/>
+              <a:t>Server-side (Node.js):  Dow Jones, eBay, LinkedIn, Microsoft, OPOWER, Walmart, Yahoo!, Yammer, others</a:t>
+            </a:r>
+          </a:p>
+        </p:txBody>
+      </p:sp>
+      <p:sp>
+        <p:nvSpPr>
+          <p:cNvPr id="2" name="Title 1"/>
+          <p:cNvSpPr>
+            <a:spLocks noGrp="1"/>
+          </p:cNvSpPr>
+          <p:nvPr>
+            <p:ph type="title"/>
+          </p:nvPr>
+        </p:nvSpPr>
+        <p:spPr/>
+        <p:txBody>
+          <a:bodyPr/>
+          <a:lstStyle/>
+          <a:p>
+            <a:r>
+              <a:rPr lang="en-US" dirty="0" smtClean="0"/>
+              <a:t>JavaScript</a:t>
+            </a:r>
+            <a:endParaRPr lang="en-US" dirty="0"/>
+          </a:p>
+        </p:txBody>
+      </p:sp>
+      <p:pic>
+        <p:nvPicPr>
+          <p:cNvPr id="2050" name="Picture 2" descr="https://encrypted-tbn1.gstatic.com/images?q=tbn:ANd9GcTvaWp0lkD4EMfL61QvdMUNTrlpoT2Bq4v8KcU25VY0GE16jafEqw"/>
+          <p:cNvPicPr>
+            <a:picLocks noChangeAspect="1" noChangeArrowheads="1"/>
+          </p:cNvPicPr>
+          <p:nvPr/>
+        </p:nvPicPr>
+        <p:blipFill>
+          <a:blip r:embed="rId3" cstate="print">
+            <a:extLst>
+              <a:ext uri="{28A0092B-C50C-407E-A947-70E740481C1C}">
+                <a14:useLocalDpi xmlns:a14="http://schemas.microsoft.com/office/drawing/2010/main" val="0"/>
+              </a:ext>
+            </a:extLst>
+          </a:blip>
+          <a:srcRect/>
+          <a:stretch>
+            <a:fillRect/>
+          </a:stretch>
+        </p:blipFill>
+        <p:spPr bwMode="auto">
+          <a:xfrm>
+            <a:off x="8457081" y="20960"/>
+            <a:ext cx="702965" cy="702965"/>
+          </a:xfrm>
+          <a:prstGeom prst="rect">
+            <a:avLst/>
+          </a:prstGeom>
+          <a:noFill/>
+          <a:extLst>
+            <a:ext uri="{909E8E84-426E-40DD-AFC4-6F175D3DCCD1}">
+              <a14:hiddenFill xmlns:a14="http://schemas.microsoft.com/office/drawing/2010/main">
+                <a:solidFill>
+                  <a:srgbClr val="FFFFFF"/>
+                </a:solidFill>
+              </a14:hiddenFill>
+            </a:ext>
+          </a:extLst>
+        </p:spPr>
+      </p:pic>
+    </p:spTree>
+    <p:extLst>
+      <p:ext uri="{BB962C8B-B14F-4D97-AF65-F5344CB8AC3E}">
+        <p14:creationId xmlns:p14="http://schemas.microsoft.com/office/powerpoint/2010/main" val="3414518415"/>
+      </p:ext>
+    </p:extLst>
+  </p:cSld>
+  <p:clrMapOvr>
+    <a:masterClrMapping/>
+  </p:clrMapOvr>
+  <mc:AlternateContent xmlns:mc="http://schemas.openxmlformats.org/markup-compatibility/2006" xmlns:p14="http://schemas.microsoft.com/office/powerpoint/2010/main">
+    <mc:Choice Requires="p14">
+      <p:transition spd="slow" p14:dur="2000"/>
+    </mc:Choice>
+    <mc:Fallback xmlns="">
+      <p:transition spd="slow"/>
+    </mc:Fallback>
+  </mc:AlternateContent>
+  <p:timing>
+    <p:tnLst>
+      <p:par>
+        <p:cTn id="1" dur="indefinite" restart="never" nodeType="tmRoot"/>
+      </p:par>
+    </p:tnLst>
+  </p:timing>
+</p:sld>
+</file>
+
+<file path=ppt/slides/slide12.xml><?xml version="1.0" encoding="utf-8"?>
+<p:sld xmlns:a="http://schemas.openxmlformats.org/drawingml/2006/main" xmlns:r="http://schemas.openxmlformats.org/officeDocument/2006/relationships" xmlns:p="http://schemas.openxmlformats.org/presentationml/2006/main">
+  <p:cSld>
+    <p:spTree>
+      <p:nvGrpSpPr>
+        <p:cNvPr id="1" name=""/>
+        <p:cNvGrpSpPr/>
+        <p:nvPr/>
+      </p:nvGrpSpPr>
+      <p:grpSpPr>
+        <a:xfrm>
+          <a:off x="0" y="0"/>
+          <a:ext cx="0" cy="0"/>
+          <a:chOff x="0" y="0"/>
+          <a:chExt cx="0" cy="0"/>
+        </a:xfrm>
+      </p:grpSpPr>
+      <p:sp>
+        <p:nvSpPr>
+          <p:cNvPr id="3" name="Content Placeholder 2"/>
+          <p:cNvSpPr>
+            <a:spLocks noGrp="1"/>
+          </p:cNvSpPr>
+          <p:nvPr>
+            <p:ph sz="quarter" idx="12"/>
+          </p:nvPr>
+        </p:nvSpPr>
+        <p:spPr>
+          <a:prstGeom prst="rect">
+            <a:avLst/>
+          </a:prstGeom>
+        </p:spPr>
+        <p:txBody>
+          <a:bodyPr>
+            <a:normAutofit fontScale="92500" lnSpcReduction="20000"/>
+          </a:bodyPr>
+          <a:lstStyle/>
+          <a:p>
+            <a:pPr lvl="1"/>
+            <a:r>
+              <a:rPr lang="en-US" dirty="0" smtClean="0"/>
+              <a:t>Overview</a:t>
+            </a:r>
+          </a:p>
+          <a:p>
+            <a:pPr lvl="2"/>
+            <a:r>
+              <a:rPr lang="en-US" dirty="0" smtClean="0"/>
+              <a:t>As powerful as Ruby and Python, but not as mature</a:t>
+            </a:r>
+          </a:p>
+          <a:p>
+            <a:pPr lvl="2"/>
+            <a:r>
+              <a:rPr lang="en-US" dirty="0" smtClean="0"/>
+              <a:t>Integrates seamlessly with Java, effectively leverages all of Java’s capabilities and ecosystem </a:t>
+            </a:r>
+          </a:p>
+          <a:p>
+            <a:pPr lvl="2"/>
+            <a:r>
+              <a:rPr lang="en-US" dirty="0" smtClean="0"/>
+              <a:t>Object-oriented with advanced meta-programming features</a:t>
+            </a:r>
+          </a:p>
+          <a:p>
+            <a:pPr lvl="2"/>
+            <a:r>
+              <a:rPr lang="en-US" dirty="0" smtClean="0"/>
+              <a:t>Powerful built-in collections</a:t>
+            </a:r>
+          </a:p>
+          <a:p>
+            <a:pPr lvl="2"/>
+            <a:r>
+              <a:rPr lang="en-US" dirty="0" smtClean="0"/>
+              <a:t>Functional programming support includes functions as first-class citizens</a:t>
+            </a:r>
+          </a:p>
+          <a:p>
+            <a:pPr lvl="2"/>
+            <a:r>
+              <a:rPr lang="en-CA" dirty="0" smtClean="0"/>
+              <a:t>Promotes code conciseness, comparable to that of Ruby</a:t>
+            </a:r>
+            <a:endParaRPr lang="en-US" dirty="0" smtClean="0"/>
+          </a:p>
+          <a:p>
+            <a:pPr lvl="2"/>
+            <a:r>
+              <a:rPr lang="en-US" dirty="0" smtClean="0"/>
+              <a:t>Strong support for domain-specific languages</a:t>
+            </a:r>
+          </a:p>
+          <a:p>
+            <a:pPr lvl="2"/>
+            <a:r>
+              <a:rPr lang="en-CA" dirty="0" smtClean="0"/>
+              <a:t>Easier to learn than Ruby or Python for Java developers</a:t>
+            </a:r>
+          </a:p>
+          <a:p>
+            <a:pPr lvl="2"/>
+            <a:r>
+              <a:rPr lang="en-US" dirty="0" smtClean="0"/>
+              <a:t>Vendor support from VMware</a:t>
+            </a:r>
+          </a:p>
+          <a:p>
+            <a:pPr lvl="2"/>
+            <a:r>
+              <a:rPr lang="en-US" dirty="0" smtClean="0"/>
+              <a:t>Grails web framework</a:t>
+            </a:r>
+          </a:p>
+          <a:p>
+            <a:pPr lvl="3"/>
+            <a:r>
+              <a:rPr lang="en-US" dirty="0" smtClean="0"/>
+              <a:t>Inspired by Ruby-on-Rails, implements the convention-over-configuration philosophy with Groovy</a:t>
+            </a:r>
+          </a:p>
+          <a:p>
+            <a:pPr lvl="3"/>
+            <a:r>
+              <a:rPr lang="en-US" dirty="0" smtClean="0"/>
+              <a:t>Supports more flexible domain object modeling than Rails</a:t>
+            </a:r>
+          </a:p>
+          <a:p>
+            <a:pPr lvl="3"/>
+            <a:r>
+              <a:rPr lang="en-US" dirty="0" smtClean="0"/>
+              <a:t>Targets developers and organizations familiar with Java web development, leverages Spring and Hibernate</a:t>
+            </a:r>
+          </a:p>
+          <a:p>
+            <a:pPr lvl="2"/>
+            <a:r>
+              <a:rPr lang="en-US" dirty="0" smtClean="0"/>
+              <a:t>Groovy/Grails ecosystem not as vibrant as that of Ruby/Rails</a:t>
+            </a:r>
+          </a:p>
+          <a:p>
+            <a:pPr lvl="1"/>
+            <a:r>
+              <a:rPr lang="en-US" dirty="0" smtClean="0"/>
+              <a:t>Usage</a:t>
+            </a:r>
+          </a:p>
+          <a:p>
+            <a:pPr lvl="2"/>
+            <a:r>
+              <a:rPr lang="en-US" dirty="0" smtClean="0"/>
+              <a:t>sky.com, canoo.com, wired.com, several other sites built with Grails</a:t>
+            </a:r>
+          </a:p>
+          <a:p>
+            <a:pPr lvl="2"/>
+            <a:r>
+              <a:rPr lang="en-US" dirty="0" smtClean="0"/>
+              <a:t>Disney, Finnish Tax Authority, other Accenture clients</a:t>
+            </a:r>
+          </a:p>
+        </p:txBody>
+      </p:sp>
+      <p:sp>
+        <p:nvSpPr>
+          <p:cNvPr id="2" name="Title 1"/>
+          <p:cNvSpPr>
+            <a:spLocks noGrp="1"/>
+          </p:cNvSpPr>
+          <p:nvPr>
+            <p:ph type="title"/>
+          </p:nvPr>
+        </p:nvSpPr>
+        <p:spPr/>
+        <p:txBody>
+          <a:bodyPr/>
+          <a:lstStyle/>
+          <a:p>
+            <a:r>
+              <a:rPr lang="en-US" dirty="0" smtClean="0"/>
+              <a:t>Groovy</a:t>
+            </a:r>
+            <a:endParaRPr lang="en-US" dirty="0"/>
+          </a:p>
+        </p:txBody>
+      </p:sp>
+      <p:pic>
+        <p:nvPicPr>
+          <p:cNvPr id="3074" name="Picture 2" descr="C:\Users\duston.r.mounts\Documents\Accenture\1. Projects\1 - Current Projects\Architecture Innovation\Application Development\Heroku\Webinar\Need To Know\LanguageLogos\LanguageLogos\groovy.png"/>
+          <p:cNvPicPr>
+            <a:picLocks noChangeAspect="1" noChangeArrowheads="1"/>
+          </p:cNvPicPr>
+          <p:nvPr/>
+        </p:nvPicPr>
+        <p:blipFill>
+          <a:blip r:embed="rId3">
+            <a:extLst>
+              <a:ext uri="{28A0092B-C50C-407E-A947-70E740481C1C}">
+                <a14:useLocalDpi xmlns:a14="http://schemas.microsoft.com/office/drawing/2010/main" val="0"/>
+              </a:ext>
+            </a:extLst>
+          </a:blip>
+          <a:srcRect/>
+          <a:stretch>
+            <a:fillRect/>
+          </a:stretch>
+        </p:blipFill>
+        <p:spPr bwMode="auto">
+          <a:xfrm>
+            <a:off x="7812360" y="311170"/>
+            <a:ext cx="1187624" cy="585036"/>
+          </a:xfrm>
+          <a:prstGeom prst="rect">
+            <a:avLst/>
+          </a:prstGeom>
+          <a:noFill/>
+          <a:extLst>
+            <a:ext uri="{909E8E84-426E-40DD-AFC4-6F175D3DCCD1}">
+              <a14:hiddenFill xmlns:a14="http://schemas.microsoft.com/office/drawing/2010/main">
+                <a:solidFill>
+                  <a:srgbClr val="FFFFFF"/>
+                </a:solidFill>
+              </a14:hiddenFill>
+            </a:ext>
+          </a:extLst>
+        </p:spPr>
+      </p:pic>
+    </p:spTree>
+    <p:extLst>
+      <p:ext uri="{BB962C8B-B14F-4D97-AF65-F5344CB8AC3E}">
+        <p14:creationId xmlns:p14="http://schemas.microsoft.com/office/powerpoint/2010/main" val="2326699770"/>
+      </p:ext>
+    </p:extLst>
+  </p:cSld>
+  <p:clrMapOvr>
+    <a:masterClrMapping/>
+  </p:clrMapOvr>
+  <mc:AlternateContent xmlns:mc="http://schemas.openxmlformats.org/markup-compatibility/2006" xmlns:p14="http://schemas.microsoft.com/office/powerpoint/2010/main">
+    <mc:Choice Requires="p14">
+      <p:transition spd="slow" p14:dur="2000"/>
+    </mc:Choice>
+    <mc:Fallback xmlns="">
+      <p:transition spd="slow"/>
+    </mc:Fallback>
+  </mc:AlternateContent>
+  <p:timing>
+    <p:tnLst>
+      <p:par>
+        <p:cTn id="1" dur="indefinite" restart="never" nodeType="tmRoot"/>
+      </p:par>
+    </p:tnLst>
+  </p:timing>
+</p:sld>
+</file>
+
+<file path=ppt/slides/slide13.xml><?xml version="1.0" encoding="utf-8"?>
+<p:sld xmlns:a="http://schemas.openxmlformats.org/drawingml/2006/main" xmlns:r="http://schemas.openxmlformats.org/officeDocument/2006/relationships" xmlns:p="http://schemas.openxmlformats.org/presentationml/2006/main">
+  <p:cSld>
+    <p:spTree>
+      <p:nvGrpSpPr>
+        <p:cNvPr id="1" name=""/>
+        <p:cNvGrpSpPr/>
+        <p:nvPr/>
+      </p:nvGrpSpPr>
+      <p:grpSpPr>
+        <a:xfrm>
+          <a:off x="0" y="0"/>
+          <a:ext cx="0" cy="0"/>
+          <a:chOff x="0" y="0"/>
+          <a:chExt cx="0" cy="0"/>
+        </a:xfrm>
+      </p:grpSpPr>
+      <p:sp>
+        <p:nvSpPr>
+          <p:cNvPr id="3" name="Content Placeholder 2"/>
+          <p:cNvSpPr>
+            <a:spLocks noGrp="1"/>
+          </p:cNvSpPr>
+          <p:nvPr>
+            <p:ph sz="quarter" idx="12"/>
+          </p:nvPr>
+        </p:nvSpPr>
+        <p:spPr>
+          <a:prstGeom prst="rect">
+            <a:avLst/>
+          </a:prstGeom>
+        </p:spPr>
+        <p:txBody>
+          <a:bodyPr>
+            <a:normAutofit fontScale="92500" lnSpcReduction="20000"/>
+          </a:bodyPr>
+          <a:lstStyle/>
+          <a:p>
+            <a:pPr lvl="1"/>
+            <a:r>
+              <a:rPr lang="en-US" dirty="0" smtClean="0"/>
+              <a:t>Overview</a:t>
+            </a:r>
+          </a:p>
+          <a:p>
+            <a:pPr lvl="2"/>
+            <a:r>
+              <a:rPr lang="en-US" dirty="0" smtClean="0"/>
+              <a:t>Language released in 2003, has a strong following</a:t>
+            </a:r>
+          </a:p>
+          <a:p>
+            <a:pPr lvl="2"/>
+            <a:r>
+              <a:rPr lang="en-US" dirty="0" smtClean="0"/>
+              <a:t>Very powerful, with full-featured support for both the object-oriented and functional paradigms</a:t>
+            </a:r>
+          </a:p>
+          <a:p>
+            <a:pPr lvl="2"/>
+            <a:r>
+              <a:rPr lang="en-US" dirty="0" smtClean="0"/>
+              <a:t>Compiles to Java </a:t>
+            </a:r>
+            <a:r>
+              <a:rPr lang="en-US" dirty="0" err="1" smtClean="0"/>
+              <a:t>bytecode</a:t>
+            </a:r>
+            <a:r>
+              <a:rPr lang="en-US" dirty="0" smtClean="0"/>
+              <a:t>, runs on the JVM, performance comparable to that of Java with seamless interoperation with Java, effectively leverages all of Java’s capabilities and ecosystem</a:t>
+            </a:r>
+          </a:p>
+          <a:p>
+            <a:pPr lvl="2"/>
+            <a:r>
+              <a:rPr lang="en-US" dirty="0" smtClean="0"/>
+              <a:t>Syntax and type inference enable code conciseness and readability</a:t>
+            </a:r>
+          </a:p>
+          <a:p>
+            <a:pPr lvl="2"/>
+            <a:r>
+              <a:rPr lang="en-US" dirty="0" smtClean="0"/>
+              <a:t>Higher learning curve than Groovy, Ruby, and Python for Java developers – the price to pay for the language’s power</a:t>
+            </a:r>
+          </a:p>
+          <a:p>
+            <a:pPr lvl="2"/>
+            <a:r>
+              <a:rPr lang="en-US" dirty="0" smtClean="0"/>
+              <a:t>Well-suited for high-productivity development of quality-critical, complex logic (e.g., in automated securities trading)</a:t>
+            </a:r>
+          </a:p>
+          <a:p>
+            <a:pPr lvl="2"/>
+            <a:r>
+              <a:rPr lang="en-US" dirty="0" smtClean="0"/>
+              <a:t>Excellent for developing architecture frameworks and domain-specific languages (both internal and external), which can be leveraged for more effective development of Java applications</a:t>
+            </a:r>
+          </a:p>
+          <a:p>
+            <a:pPr lvl="2"/>
+            <a:r>
+              <a:rPr lang="en-US" dirty="0" smtClean="0"/>
+              <a:t>Strong support for concurrent programming through actors frameworks</a:t>
+            </a:r>
+          </a:p>
+          <a:p>
+            <a:pPr lvl="2"/>
+            <a:r>
+              <a:rPr lang="en-US" dirty="0" smtClean="0"/>
+              <a:t>Vendor support from </a:t>
+            </a:r>
+            <a:r>
+              <a:rPr lang="en-US" dirty="0" err="1" smtClean="0"/>
+              <a:t>Typesafe</a:t>
+            </a:r>
+            <a:endParaRPr lang="en-US" dirty="0" smtClean="0"/>
+          </a:p>
+          <a:p>
+            <a:pPr lvl="2"/>
+            <a:r>
+              <a:rPr lang="en-US" dirty="0" smtClean="0"/>
+              <a:t>The major web frameworks for </a:t>
+            </a:r>
+            <a:r>
+              <a:rPr lang="en-US" dirty="0" err="1" smtClean="0"/>
+              <a:t>Scala</a:t>
+            </a:r>
+            <a:r>
+              <a:rPr lang="en-US" dirty="0" smtClean="0"/>
+              <a:t> are Play (similar to Ruby on Rails; see slide below), Lift, and </a:t>
+            </a:r>
+            <a:r>
+              <a:rPr lang="en-US" dirty="0" err="1" smtClean="0"/>
+              <a:t>Scalatra</a:t>
+            </a:r>
+            <a:r>
+              <a:rPr lang="en-US" dirty="0" smtClean="0"/>
+              <a:t> (similar to Ruby’s Sinatra)</a:t>
+            </a:r>
+          </a:p>
+          <a:p>
+            <a:pPr lvl="1"/>
+            <a:r>
+              <a:rPr lang="pt-BR" dirty="0" smtClean="0"/>
+              <a:t>Usage</a:t>
+            </a:r>
+          </a:p>
+          <a:p>
+            <a:pPr lvl="2"/>
+            <a:r>
+              <a:rPr lang="pt-BR" dirty="0" smtClean="0"/>
+              <a:t>Twitter, FourSquare, LinkedIn, UK NHS, The Guardian, Novell Vibe, OPOWER, EDF Trading, others</a:t>
+            </a:r>
+          </a:p>
+        </p:txBody>
+      </p:sp>
+      <p:sp>
+        <p:nvSpPr>
+          <p:cNvPr id="2" name="Title 1"/>
+          <p:cNvSpPr>
+            <a:spLocks noGrp="1"/>
+          </p:cNvSpPr>
+          <p:nvPr>
+            <p:ph type="title"/>
+          </p:nvPr>
+        </p:nvSpPr>
+        <p:spPr/>
+        <p:txBody>
+          <a:bodyPr/>
+          <a:lstStyle/>
+          <a:p>
+            <a:r>
+              <a:rPr lang="en-US" dirty="0" err="1" smtClean="0"/>
+              <a:t>Scala</a:t>
+            </a:r>
+            <a:endParaRPr lang="en-US" dirty="0"/>
+          </a:p>
+        </p:txBody>
+      </p:sp>
+      <p:pic>
+        <p:nvPicPr>
+          <p:cNvPr id="4100" name="Picture 4"/>
+          <p:cNvPicPr>
+            <a:picLocks noChangeAspect="1" noChangeArrowheads="1"/>
+          </p:cNvPicPr>
+          <p:nvPr/>
+        </p:nvPicPr>
+        <p:blipFill>
+          <a:blip r:embed="rId3">
+            <a:extLst>
+              <a:ext uri="{28A0092B-C50C-407E-A947-70E740481C1C}">
+                <a14:useLocalDpi xmlns:a14="http://schemas.microsoft.com/office/drawing/2010/main" val="0"/>
+              </a:ext>
+            </a:extLst>
+          </a:blip>
+          <a:srcRect/>
+          <a:stretch>
+            <a:fillRect/>
+          </a:stretch>
+        </p:blipFill>
+        <p:spPr bwMode="auto">
+          <a:xfrm>
+            <a:off x="7596336" y="238245"/>
+            <a:ext cx="1409140" cy="441029"/>
+          </a:xfrm>
+          <a:prstGeom prst="rect">
+            <a:avLst/>
+          </a:prstGeom>
+          <a:noFill/>
+          <a:ln>
+            <a:noFill/>
+          </a:ln>
+          <a:effectLst/>
+          <a:extLst>
+            <a:ext uri="{909E8E84-426E-40DD-AFC4-6F175D3DCCD1}">
+              <a14:hiddenFill xmlns:a14="http://schemas.microsoft.com/office/drawing/2010/main">
+                <a:solidFill>
+                  <a:schemeClr val="accent1"/>
+                </a:solidFill>
+              </a14:hiddenFill>
+            </a:ext>
+            <a:ext uri="{91240B29-F687-4F45-9708-019B960494DF}">
+              <a14:hiddenLine xmlns:a14="http://schemas.microsoft.com/office/drawing/2010/main" w="9525">
+                <a:solidFill>
+                  <a:schemeClr val="tx1"/>
+                </a:solidFill>
+                <a:miter lim="800000"/>
+                <a:headEnd/>
+                <a:tailEnd/>
+              </a14:hiddenLine>
+            </a:ext>
+            <a:ext uri="{AF507438-7753-43E0-B8FC-AC1667EBCBE1}">
+              <a14:hiddenEffects xmlns:a14="http://schemas.microsoft.com/office/drawing/2010/main">
+                <a:effectLst>
+                  <a:outerShdw dist="35921" dir="2700000" algn="ctr" rotWithShape="0">
+                    <a:schemeClr val="bg2"/>
+                  </a:outerShdw>
+                </a:effectLst>
+              </a14:hiddenEffects>
+            </a:ext>
+          </a:extLst>
+        </p:spPr>
+      </p:pic>
+    </p:spTree>
+    <p:extLst>
+      <p:ext uri="{BB962C8B-B14F-4D97-AF65-F5344CB8AC3E}">
+        <p14:creationId xmlns:p14="http://schemas.microsoft.com/office/powerpoint/2010/main" val="2071474552"/>
+      </p:ext>
+    </p:extLst>
+  </p:cSld>
+  <p:clrMapOvr>
+    <a:masterClrMapping/>
+  </p:clrMapOvr>
+  <mc:AlternateContent xmlns:mc="http://schemas.openxmlformats.org/markup-compatibility/2006" xmlns:p14="http://schemas.microsoft.com/office/powerpoint/2010/main">
+    <mc:Choice Requires="p14">
+      <p:transition spd="slow" p14:dur="2000"/>
+    </mc:Choice>
+    <mc:Fallback xmlns="">
+      <p:transition spd="slow"/>
+    </mc:Fallback>
+  </mc:AlternateContent>
+  <p:timing>
+    <p:tnLst>
+      <p:par>
+        <p:cTn id="1" dur="indefinite" restart="never" nodeType="tmRoot"/>
+      </p:par>
+    </p:tnLst>
+  </p:timing>
+</p:sld>
+</file>
+
+<file path=ppt/slides/slide14.xml><?xml version="1.0" encoding="utf-8"?>
+<p:sld xmlns:a="http://schemas.openxmlformats.org/drawingml/2006/main" xmlns:r="http://schemas.openxmlformats.org/officeDocument/2006/relationships" xmlns:p="http://schemas.openxmlformats.org/presentationml/2006/main">
+  <p:cSld>
+    <p:spTree>
+      <p:nvGrpSpPr>
+        <p:cNvPr id="1" name=""/>
+        <p:cNvGrpSpPr/>
+        <p:nvPr/>
+      </p:nvGrpSpPr>
+      <p:grpSpPr>
+        <a:xfrm>
+          <a:off x="0" y="0"/>
+          <a:ext cx="0" cy="0"/>
+          <a:chOff x="0" y="0"/>
+          <a:chExt cx="0" cy="0"/>
+        </a:xfrm>
+      </p:grpSpPr>
+      <p:sp>
+        <p:nvSpPr>
+          <p:cNvPr id="3" name="Content Placeholder 2"/>
+          <p:cNvSpPr>
+            <a:spLocks noGrp="1"/>
+          </p:cNvSpPr>
+          <p:nvPr>
+            <p:ph sz="quarter" idx="12"/>
+          </p:nvPr>
+        </p:nvSpPr>
+        <p:spPr>
+          <a:prstGeom prst="rect">
+            <a:avLst/>
+          </a:prstGeom>
+        </p:spPr>
+        <p:txBody>
+          <a:bodyPr>
+            <a:normAutofit fontScale="92500" lnSpcReduction="20000"/>
+          </a:bodyPr>
+          <a:lstStyle/>
+          <a:p>
+            <a:pPr lvl="1"/>
+            <a:r>
+              <a:rPr lang="en-US" dirty="0" smtClean="0"/>
+              <a:t>Overview</a:t>
+            </a:r>
+          </a:p>
+          <a:p>
+            <a:pPr lvl="2"/>
+            <a:r>
+              <a:rPr lang="en-US" dirty="0"/>
+              <a:t>Play is an open </a:t>
+            </a:r>
+            <a:r>
+              <a:rPr lang="en-US" dirty="0" smtClean="0"/>
+              <a:t>source, </a:t>
+            </a:r>
+            <a:r>
+              <a:rPr lang="en-US" dirty="0"/>
+              <a:t>lightweight web application </a:t>
+            </a:r>
+            <a:r>
+              <a:rPr lang="en-US" dirty="0" smtClean="0"/>
+              <a:t>framework, </a:t>
+            </a:r>
+            <a:r>
+              <a:rPr lang="en-US" dirty="0"/>
+              <a:t>focusing on scalable asynchronous applications and developer </a:t>
+            </a:r>
+            <a:r>
+              <a:rPr lang="en-US" dirty="0" smtClean="0"/>
+              <a:t>productivity</a:t>
+            </a:r>
+          </a:p>
+          <a:p>
+            <a:pPr lvl="2"/>
+            <a:r>
+              <a:rPr lang="en-US" dirty="0" smtClean="0"/>
+              <a:t>Written in </a:t>
+            </a:r>
+            <a:r>
+              <a:rPr lang="en-US" dirty="0" err="1" smtClean="0"/>
+              <a:t>Scala</a:t>
+            </a:r>
+            <a:r>
+              <a:rPr lang="en-US" dirty="0" smtClean="0"/>
+              <a:t> provides both a Java and </a:t>
+            </a:r>
+            <a:r>
+              <a:rPr lang="en-US" dirty="0" err="1" smtClean="0"/>
+              <a:t>Scala</a:t>
+            </a:r>
+            <a:r>
+              <a:rPr lang="en-US" dirty="0" smtClean="0"/>
+              <a:t> API</a:t>
+            </a:r>
+            <a:endParaRPr lang="en-US" dirty="0"/>
+          </a:p>
+          <a:p>
+            <a:pPr lvl="2"/>
+            <a:r>
+              <a:rPr lang="en-US" dirty="0" smtClean="0"/>
+              <a:t>Brings a Rails-like agile, high-productivity development workflow to Java: fast </a:t>
+            </a:r>
+            <a:r>
+              <a:rPr lang="en-US" dirty="0"/>
+              <a:t>turn-around; hot-reloading of code built into the framework, useful error reporting in the </a:t>
+            </a:r>
+            <a:r>
+              <a:rPr lang="en-US" dirty="0" smtClean="0"/>
+              <a:t>browser</a:t>
+            </a:r>
+            <a:endParaRPr lang="en-US" dirty="0"/>
+          </a:p>
+          <a:p>
+            <a:pPr lvl="2"/>
+            <a:r>
+              <a:rPr lang="en-US" dirty="0" smtClean="0"/>
+              <a:t>Promotes “convention </a:t>
+            </a:r>
+            <a:r>
+              <a:rPr lang="en-US" dirty="0"/>
+              <a:t>over </a:t>
+            </a:r>
+            <a:r>
+              <a:rPr lang="en-US" dirty="0" smtClean="0"/>
+              <a:t>configuration”, </a:t>
+            </a:r>
+            <a:r>
+              <a:rPr lang="en-US" dirty="0"/>
+              <a:t>XML-free experience</a:t>
+            </a:r>
+          </a:p>
+          <a:p>
+            <a:pPr lvl="2"/>
+            <a:r>
+              <a:rPr lang="en-US" dirty="0" err="1" smtClean="0"/>
+              <a:t>RESTful</a:t>
+            </a:r>
+            <a:r>
+              <a:rPr lang="en-US" dirty="0" smtClean="0"/>
+              <a:t> </a:t>
+            </a:r>
+            <a:r>
+              <a:rPr lang="en-US" dirty="0"/>
+              <a:t>– </a:t>
+            </a:r>
+            <a:r>
+              <a:rPr lang="en-US" dirty="0" smtClean="0"/>
+              <a:t>Play URL routing </a:t>
+            </a:r>
+            <a:r>
+              <a:rPr lang="en-US" dirty="0"/>
+              <a:t>mechanisms </a:t>
+            </a:r>
+            <a:r>
+              <a:rPr lang="en-US" dirty="0" smtClean="0"/>
+              <a:t>based on the </a:t>
+            </a:r>
+            <a:r>
+              <a:rPr lang="en-US" dirty="0"/>
+              <a:t>REST paradigm</a:t>
+            </a:r>
+          </a:p>
+          <a:p>
+            <a:pPr lvl="2"/>
+            <a:r>
+              <a:rPr lang="en-US" dirty="0"/>
+              <a:t>Promotes scalable </a:t>
+            </a:r>
+            <a:r>
+              <a:rPr lang="en-US" dirty="0" smtClean="0"/>
+              <a:t>applications</a:t>
+            </a:r>
+          </a:p>
+          <a:p>
+            <a:pPr lvl="3"/>
+            <a:r>
+              <a:rPr lang="en-US" dirty="0" smtClean="0"/>
+              <a:t>No </a:t>
+            </a:r>
+            <a:r>
+              <a:rPr lang="en-US" dirty="0"/>
+              <a:t>session state kept in application memory</a:t>
+            </a:r>
+          </a:p>
+          <a:p>
+            <a:pPr lvl="3"/>
+            <a:r>
+              <a:rPr lang="en-US" dirty="0" smtClean="0"/>
+              <a:t>Asynchronous </a:t>
+            </a:r>
+            <a:r>
+              <a:rPr lang="en-US" dirty="0"/>
+              <a:t>– built on the </a:t>
+            </a:r>
+            <a:r>
+              <a:rPr lang="en-US" dirty="0" err="1"/>
+              <a:t>Netty</a:t>
+            </a:r>
+            <a:r>
+              <a:rPr lang="en-US" dirty="0"/>
+              <a:t> asynchronous web container and the </a:t>
+            </a:r>
+            <a:r>
+              <a:rPr lang="en-US" dirty="0" err="1"/>
+              <a:t>Akka</a:t>
+            </a:r>
+            <a:r>
+              <a:rPr lang="en-US" dirty="0"/>
+              <a:t> actor framework</a:t>
+            </a:r>
+          </a:p>
+          <a:p>
+            <a:pPr lvl="2"/>
+            <a:r>
+              <a:rPr lang="en-US" dirty="0" smtClean="0"/>
+              <a:t>Not </a:t>
+            </a:r>
+            <a:r>
+              <a:rPr lang="en-US" dirty="0"/>
+              <a:t>based on the servlet </a:t>
+            </a:r>
+            <a:r>
+              <a:rPr lang="en-US" dirty="0" smtClean="0"/>
+              <a:t>API environment </a:t>
+            </a:r>
+            <a:r>
+              <a:rPr lang="en-US" dirty="0"/>
+              <a:t>– does not require an application server or JEE stack to run</a:t>
+            </a:r>
+          </a:p>
+          <a:p>
+            <a:pPr lvl="2"/>
+            <a:r>
+              <a:rPr lang="en-US" dirty="0" smtClean="0"/>
+              <a:t>Testable </a:t>
+            </a:r>
+            <a:r>
+              <a:rPr lang="en-US" dirty="0"/>
+              <a:t>– provides a built-in framework for unit testing and functional testing, including support for Selenium </a:t>
+            </a:r>
+            <a:r>
+              <a:rPr lang="en-US" dirty="0" err="1"/>
+              <a:t>WebDriver</a:t>
+            </a:r>
+            <a:r>
+              <a:rPr lang="en-US" dirty="0"/>
+              <a:t> and </a:t>
+            </a:r>
+            <a:r>
+              <a:rPr lang="en-US" dirty="0" err="1"/>
+              <a:t>FluentLenium</a:t>
+            </a:r>
+            <a:endParaRPr lang="en-US" dirty="0"/>
+          </a:p>
+          <a:p>
+            <a:pPr lvl="2"/>
+            <a:r>
+              <a:rPr lang="en-US" dirty="0" smtClean="0"/>
+              <a:t>Libraries </a:t>
+            </a:r>
+            <a:r>
+              <a:rPr lang="en-US" dirty="0"/>
+              <a:t>and library management not as mature as for other dynamic languages/frameworks</a:t>
+            </a:r>
+          </a:p>
+          <a:p>
+            <a:pPr lvl="2"/>
+            <a:r>
+              <a:rPr lang="en-US" dirty="0"/>
+              <a:t>Vendor support from </a:t>
+            </a:r>
+            <a:r>
+              <a:rPr lang="en-US" dirty="0" err="1"/>
+              <a:t>Typesafe</a:t>
+            </a:r>
+            <a:endParaRPr lang="en-US" dirty="0"/>
+          </a:p>
+          <a:p>
+            <a:pPr lvl="1"/>
+            <a:r>
+              <a:rPr lang="en-US" dirty="0" smtClean="0"/>
+              <a:t>Usage</a:t>
+            </a:r>
+          </a:p>
+          <a:p>
+            <a:pPr lvl="2"/>
+            <a:r>
+              <a:rPr lang="en-US" dirty="0" smtClean="0"/>
+              <a:t>Used by LinkedIn, </a:t>
+            </a:r>
+            <a:r>
+              <a:rPr lang="en-US" dirty="0" err="1" smtClean="0"/>
+              <a:t>Klout</a:t>
+            </a:r>
+            <a:r>
+              <a:rPr lang="en-US" dirty="0" smtClean="0"/>
+              <a:t>, The Guardian, Gilt, </a:t>
+            </a:r>
+            <a:r>
+              <a:rPr lang="en-US" dirty="0" err="1" smtClean="0"/>
+              <a:t>Egraphs</a:t>
+            </a:r>
+            <a:r>
+              <a:rPr lang="en-US" dirty="0" smtClean="0"/>
+              <a:t>, </a:t>
+            </a:r>
+            <a:r>
+              <a:rPr lang="en-US" dirty="0" err="1" smtClean="0"/>
+              <a:t>ZapTravel</a:t>
+            </a:r>
+            <a:endParaRPr lang="en-US" dirty="0" smtClean="0"/>
+          </a:p>
+          <a:p>
+            <a:pPr lvl="3"/>
+            <a:endParaRPr lang="en-US" dirty="0" smtClean="0"/>
+          </a:p>
+          <a:p>
+            <a:pPr lvl="3"/>
+            <a:endParaRPr lang="en-US" dirty="0" smtClean="0"/>
+          </a:p>
+          <a:p>
+            <a:pPr lvl="2"/>
+            <a:endParaRPr lang="en-US" dirty="0" smtClean="0"/>
+          </a:p>
+        </p:txBody>
+      </p:sp>
+      <p:sp>
+        <p:nvSpPr>
+          <p:cNvPr id="2" name="Title 1"/>
+          <p:cNvSpPr>
+            <a:spLocks noGrp="1"/>
+          </p:cNvSpPr>
+          <p:nvPr>
+            <p:ph type="title"/>
+          </p:nvPr>
+        </p:nvSpPr>
+        <p:spPr/>
+        <p:txBody>
+          <a:bodyPr/>
+          <a:lstStyle/>
+          <a:p>
+            <a:r>
+              <a:rPr lang="en-US" dirty="0" smtClean="0"/>
+              <a:t>Play</a:t>
+            </a:r>
+            <a:endParaRPr lang="en-US" dirty="0"/>
+          </a:p>
+        </p:txBody>
+      </p:sp>
+      <p:pic>
+        <p:nvPicPr>
+          <p:cNvPr id="3076" name="Picture 4" descr="http://www.playframework.org/public/images/logo.png"/>
+          <p:cNvPicPr>
+            <a:picLocks noChangeAspect="1" noChangeArrowheads="1"/>
+          </p:cNvPicPr>
+          <p:nvPr/>
+        </p:nvPicPr>
+        <p:blipFill>
+          <a:blip r:embed="rId3">
+            <a:extLst>
+              <a:ext uri="{28A0092B-C50C-407E-A947-70E740481C1C}">
+                <a14:useLocalDpi xmlns:a14="http://schemas.microsoft.com/office/drawing/2010/main" val="0"/>
+              </a:ext>
+            </a:extLst>
+          </a:blip>
+          <a:srcRect/>
+          <a:stretch>
+            <a:fillRect/>
+          </a:stretch>
+        </p:blipFill>
+        <p:spPr bwMode="auto">
+          <a:xfrm>
+            <a:off x="7694892" y="188640"/>
+            <a:ext cx="1295400" cy="476250"/>
+          </a:xfrm>
+          <a:prstGeom prst="rect">
+            <a:avLst/>
+          </a:prstGeom>
+          <a:noFill/>
+          <a:extLst>
+            <a:ext uri="{909E8E84-426E-40DD-AFC4-6F175D3DCCD1}">
+              <a14:hiddenFill xmlns:a14="http://schemas.microsoft.com/office/drawing/2010/main">
+                <a:solidFill>
+                  <a:srgbClr val="FFFFFF"/>
+                </a:solidFill>
+              </a14:hiddenFill>
+            </a:ext>
+          </a:extLst>
+        </p:spPr>
+      </p:pic>
+    </p:spTree>
+    <p:extLst>
+      <p:ext uri="{BB962C8B-B14F-4D97-AF65-F5344CB8AC3E}">
+        <p14:creationId xmlns:p14="http://schemas.microsoft.com/office/powerpoint/2010/main" val="3221621740"/>
+      </p:ext>
+    </p:extLst>
+  </p:cSld>
+  <p:clrMapOvr>
+    <a:masterClrMapping/>
+  </p:clrMapOvr>
+  <mc:AlternateContent xmlns:mc="http://schemas.openxmlformats.org/markup-compatibility/2006" xmlns:p14="http://schemas.microsoft.com/office/powerpoint/2010/main">
+    <mc:Choice Requires="p14">
+      <p:transition spd="slow" p14:dur="2000"/>
+    </mc:Choice>
+    <mc:Fallback xmlns="">
+      <p:transition spd="slow"/>
+    </mc:Fallback>
+  </mc:AlternateContent>
+  <p:timing>
+    <p:tnLst>
+      <p:par>
+        <p:cTn id="1" dur="indefinite" restart="never" nodeType="tmRoot"/>
+      </p:par>
+    </p:tnLst>
+  </p:timing>
+</p:sld>
+</file>
+
+<file path=ppt/slides/slide15.xml><?xml version="1.0" encoding="utf-8"?>
+<p:sld xmlns:a="http://schemas.openxmlformats.org/drawingml/2006/main" xmlns:r="http://schemas.openxmlformats.org/officeDocument/2006/relationships" xmlns:p="http://schemas.openxmlformats.org/presentationml/2006/main">
+  <p:cSld>
+    <p:spTree>
+      <p:nvGrpSpPr>
+        <p:cNvPr id="1" name=""/>
+        <p:cNvGrpSpPr/>
+        <p:nvPr/>
+      </p:nvGrpSpPr>
+      <p:grpSpPr>
+        <a:xfrm>
+          <a:off x="0" y="0"/>
+          <a:ext cx="0" cy="0"/>
+          <a:chOff x="0" y="0"/>
+          <a:chExt cx="0" cy="0"/>
+        </a:xfrm>
+      </p:grpSpPr>
+      <p:sp>
+        <p:nvSpPr>
+          <p:cNvPr id="3" name="Content Placeholder 2"/>
+          <p:cNvSpPr>
+            <a:spLocks noGrp="1"/>
+          </p:cNvSpPr>
+          <p:nvPr>
+            <p:ph sz="quarter" idx="12"/>
+          </p:nvPr>
+        </p:nvSpPr>
+        <p:spPr>
+          <a:prstGeom prst="rect">
+            <a:avLst/>
+          </a:prstGeom>
+        </p:spPr>
+        <p:txBody>
+          <a:bodyPr>
+            <a:normAutofit fontScale="62500" lnSpcReduction="20000"/>
+          </a:bodyPr>
+          <a:lstStyle/>
+          <a:p>
+            <a:pPr lvl="1"/>
+            <a:r>
+              <a:rPr lang="en-US" dirty="0" smtClean="0"/>
+              <a:t>Overview</a:t>
+            </a:r>
+          </a:p>
+          <a:p>
+            <a:pPr lvl="2"/>
+            <a:r>
+              <a:rPr lang="en-US" dirty="0"/>
+              <a:t>Member of the Lisp </a:t>
+            </a:r>
+            <a:r>
+              <a:rPr lang="en-US" dirty="0" smtClean="0"/>
+              <a:t>family released in 2007, but already has a strong following</a:t>
+            </a:r>
+            <a:endParaRPr lang="en-US" dirty="0"/>
+          </a:p>
+          <a:p>
+            <a:pPr lvl="2"/>
+            <a:r>
+              <a:rPr lang="en-US" dirty="0"/>
+              <a:t>Not interpreted, compiles to Java </a:t>
+            </a:r>
+            <a:r>
+              <a:rPr lang="en-US" dirty="0" err="1"/>
+              <a:t>bytecode</a:t>
+            </a:r>
+            <a:r>
+              <a:rPr lang="en-US" dirty="0"/>
+              <a:t>, runs on the </a:t>
+            </a:r>
+            <a:r>
+              <a:rPr lang="en-US" dirty="0" smtClean="0"/>
+              <a:t>JVM and is designed to </a:t>
+            </a:r>
+            <a:r>
+              <a:rPr lang="en-US" dirty="0"/>
+              <a:t>integrate naturally with </a:t>
+            </a:r>
+            <a:r>
+              <a:rPr lang="en-US" dirty="0" smtClean="0"/>
+              <a:t>Java</a:t>
+            </a:r>
+          </a:p>
+          <a:p>
+            <a:pPr lvl="2"/>
+            <a:r>
+              <a:rPr lang="en-US" dirty="0" smtClean="0"/>
+              <a:t>Embraces the functional programming paradigm with an emphasis on side-effect-free functions and very powerful immutable functional data structures</a:t>
+            </a:r>
+          </a:p>
+          <a:p>
+            <a:pPr lvl="2"/>
+            <a:r>
+              <a:rPr lang="en-US" dirty="0" smtClean="0"/>
+              <a:t>Powerful hygienic macro facility which enables powerful yet simple </a:t>
+            </a:r>
+            <a:r>
+              <a:rPr lang="en-US" dirty="0" err="1" smtClean="0"/>
+              <a:t>metaprogramming</a:t>
+            </a:r>
+            <a:r>
+              <a:rPr lang="en-US" dirty="0" smtClean="0"/>
+              <a:t>, including great support for internal domain-specific languages (DSLs)</a:t>
+            </a:r>
+          </a:p>
+          <a:p>
+            <a:pPr lvl="2"/>
+            <a:r>
+              <a:rPr lang="en-US" dirty="0" smtClean="0"/>
+              <a:t>Designed to dramatically simplify concurrent programming and leverage multi-core processor architectures</a:t>
+            </a:r>
+          </a:p>
+          <a:p>
+            <a:pPr lvl="2"/>
+            <a:r>
+              <a:rPr lang="en-US" dirty="0" smtClean="0"/>
+              <a:t>Modularity</a:t>
+            </a:r>
+            <a:r>
+              <a:rPr lang="en-US" dirty="0"/>
+              <a:t>: </a:t>
+            </a:r>
+            <a:r>
+              <a:rPr lang="en-US" dirty="0" smtClean="0"/>
+              <a:t>leverages Java packages, augmented by the namespace concept</a:t>
+            </a:r>
+            <a:endParaRPr lang="en-US" dirty="0"/>
+          </a:p>
+          <a:p>
+            <a:pPr lvl="2"/>
+            <a:r>
+              <a:rPr lang="en-CA" dirty="0"/>
+              <a:t>Extensive </a:t>
+            </a:r>
+            <a:r>
+              <a:rPr lang="en-CA" dirty="0" smtClean="0"/>
+              <a:t>library, directly leverages </a:t>
+            </a:r>
+            <a:r>
+              <a:rPr lang="en-CA" dirty="0"/>
+              <a:t>vast array of libraries </a:t>
+            </a:r>
+            <a:r>
+              <a:rPr lang="en-CA" dirty="0" smtClean="0"/>
+              <a:t>and frameworks available </a:t>
+            </a:r>
+            <a:r>
+              <a:rPr lang="en-CA" dirty="0"/>
+              <a:t>for </a:t>
+            </a:r>
+            <a:r>
+              <a:rPr lang="en-CA" dirty="0" smtClean="0"/>
+              <a:t>Java</a:t>
+            </a:r>
+          </a:p>
+          <a:p>
+            <a:pPr lvl="2"/>
+            <a:r>
+              <a:rPr lang="en-US" dirty="0" smtClean="0"/>
+              <a:t>Promotes </a:t>
+            </a:r>
+            <a:r>
+              <a:rPr lang="en-US" dirty="0"/>
+              <a:t>a philosophy of lightweight libraries of </a:t>
+            </a:r>
+            <a:r>
+              <a:rPr lang="en-US" dirty="0" err="1"/>
+              <a:t>composable</a:t>
+            </a:r>
+            <a:r>
+              <a:rPr lang="en-US" dirty="0"/>
+              <a:t> functions, as opposed to </a:t>
+            </a:r>
+            <a:r>
+              <a:rPr lang="en-US" dirty="0" smtClean="0"/>
+              <a:t>complex frameworks</a:t>
+            </a:r>
+          </a:p>
+          <a:p>
+            <a:pPr lvl="2"/>
+            <a:r>
+              <a:rPr lang="en-US" dirty="0" smtClean="0"/>
+              <a:t>Powerful </a:t>
+            </a:r>
+            <a:r>
+              <a:rPr lang="en-US" dirty="0"/>
+              <a:t>testing frameworks</a:t>
+            </a:r>
+          </a:p>
+          <a:p>
+            <a:pPr lvl="2"/>
+            <a:r>
+              <a:rPr lang="en-US" dirty="0" smtClean="0"/>
+              <a:t>Less complex than </a:t>
+            </a:r>
+            <a:r>
+              <a:rPr lang="en-US" dirty="0" err="1" smtClean="0"/>
+              <a:t>Scala</a:t>
+            </a:r>
+            <a:r>
+              <a:rPr lang="en-US" dirty="0" smtClean="0"/>
+              <a:t> but not as natural as Groovy, Ruby, and Python for Java programmers due to its Lisp syntax heritage</a:t>
+            </a:r>
+            <a:endParaRPr lang="en-US" dirty="0"/>
+          </a:p>
+          <a:p>
+            <a:pPr lvl="2"/>
+            <a:r>
+              <a:rPr lang="en-CA" dirty="0" smtClean="0"/>
+              <a:t>Promotes even greater code conciseness than the other major dynamic languages, without sacrificing readability</a:t>
+            </a:r>
+            <a:endParaRPr lang="en-US" dirty="0"/>
+          </a:p>
+          <a:p>
+            <a:pPr lvl="2"/>
+            <a:r>
+              <a:rPr lang="en-US" dirty="0" smtClean="0"/>
+              <a:t>Lightweight web development libraries enable even more streamlined and agile</a:t>
+            </a:r>
+            <a:r>
+              <a:rPr lang="en-US" dirty="0"/>
+              <a:t> web development</a:t>
+            </a:r>
+            <a:r>
+              <a:rPr lang="en-US" dirty="0" smtClean="0"/>
+              <a:t> than that provided by Rails, Grails, or Play</a:t>
+            </a:r>
+            <a:endParaRPr lang="en-US" dirty="0"/>
+          </a:p>
+          <a:p>
+            <a:pPr lvl="2"/>
+            <a:r>
+              <a:rPr lang="en-US" dirty="0" smtClean="0"/>
+              <a:t>Vibrant community, though the language’s creator is a dominant voice (not unlike Python)</a:t>
+            </a:r>
+          </a:p>
+          <a:p>
+            <a:pPr lvl="2"/>
+            <a:r>
+              <a:rPr lang="en-US" dirty="0" err="1" smtClean="0"/>
+              <a:t>ClojureScript</a:t>
+            </a:r>
+            <a:r>
+              <a:rPr lang="en-US" dirty="0" smtClean="0"/>
+              <a:t> is a version of </a:t>
+            </a:r>
+            <a:r>
+              <a:rPr lang="en-US" dirty="0" err="1" smtClean="0"/>
+              <a:t>Clojure</a:t>
+            </a:r>
+            <a:r>
+              <a:rPr lang="en-US" dirty="0" smtClean="0"/>
+              <a:t> which compiles to JavaScript and </a:t>
+            </a:r>
+            <a:r>
+              <a:rPr lang="en-US" dirty="0" err="1" smtClean="0"/>
+              <a:t>ClojureCLR</a:t>
+            </a:r>
+            <a:r>
+              <a:rPr lang="en-US" dirty="0" smtClean="0"/>
+              <a:t> is a .NET version of the language</a:t>
+            </a:r>
+          </a:p>
+          <a:p>
+            <a:pPr lvl="2"/>
+            <a:r>
+              <a:rPr lang="en-US" dirty="0" smtClean="0"/>
+              <a:t>There are several lightweight web libraries for </a:t>
+            </a:r>
+            <a:r>
+              <a:rPr lang="en-US" dirty="0" err="1" smtClean="0"/>
+              <a:t>Clojure</a:t>
+            </a:r>
+            <a:r>
+              <a:rPr lang="en-US" dirty="0" smtClean="0"/>
+              <a:t> as well as a few end-to-end web frameworks.  Ring, </a:t>
+            </a:r>
+            <a:r>
+              <a:rPr lang="en-US" dirty="0" err="1" smtClean="0"/>
+              <a:t>Compojure</a:t>
+            </a:r>
+            <a:r>
+              <a:rPr lang="en-US" dirty="0" smtClean="0"/>
+              <a:t>, and </a:t>
+            </a:r>
+            <a:r>
+              <a:rPr lang="en-US" dirty="0" err="1" smtClean="0"/>
+              <a:t>Enlive</a:t>
+            </a:r>
+            <a:r>
+              <a:rPr lang="en-US" dirty="0" smtClean="0"/>
+              <a:t> are a popular library combination</a:t>
+            </a:r>
+            <a:r>
+              <a:rPr lang="en-US" dirty="0"/>
+              <a:t> </a:t>
+            </a:r>
+            <a:r>
+              <a:rPr lang="en-US" dirty="0" smtClean="0"/>
+              <a:t>for web development.</a:t>
+            </a:r>
+          </a:p>
+          <a:p>
+            <a:pPr lvl="2"/>
+            <a:r>
+              <a:rPr lang="en-US" dirty="0" smtClean="0"/>
+              <a:t>No </a:t>
+            </a:r>
+            <a:r>
+              <a:rPr lang="en-US" dirty="0"/>
+              <a:t>vendor support</a:t>
+            </a:r>
+          </a:p>
+          <a:p>
+            <a:pPr lvl="1"/>
+            <a:r>
+              <a:rPr lang="pt-BR" dirty="0" smtClean="0"/>
+              <a:t>Usage</a:t>
+            </a:r>
+          </a:p>
+          <a:p>
+            <a:pPr lvl="2"/>
+            <a:r>
+              <a:rPr lang="pt-BR" dirty="0" smtClean="0"/>
+              <a:t>Used by Akamai, Twitter, Harvard School of Public Health, BackType (bought by Twitter), Citibank, FlightCaster, WeatherBill, AltLaw, YieldBot, Factual, Prismatic, others</a:t>
+            </a:r>
+          </a:p>
+          <a:p>
+            <a:pPr lvl="2"/>
+            <a:r>
+              <a:rPr lang="pt-BR" dirty="0" smtClean="0"/>
+              <a:t>Growing adoption by data scientists, fostered by libraries like Incanter (data analysis) and Cascalog (Hadoop processing and querying).  Several of the above are examples of use for Big Data.</a:t>
+            </a:r>
+          </a:p>
+          <a:p>
+            <a:pPr lvl="1"/>
+            <a:endParaRPr lang="pt-BR" dirty="0" smtClean="0"/>
+          </a:p>
+        </p:txBody>
+      </p:sp>
+      <p:sp>
+        <p:nvSpPr>
+          <p:cNvPr id="2" name="Title 1"/>
+          <p:cNvSpPr>
+            <a:spLocks noGrp="1"/>
+          </p:cNvSpPr>
+          <p:nvPr>
+            <p:ph type="title"/>
+          </p:nvPr>
+        </p:nvSpPr>
+        <p:spPr/>
+        <p:txBody>
+          <a:bodyPr/>
+          <a:lstStyle/>
+          <a:p>
+            <a:r>
+              <a:rPr lang="en-US" dirty="0" err="1" smtClean="0"/>
+              <a:t>Clojure</a:t>
+            </a:r>
+            <a:endParaRPr lang="en-US" dirty="0"/>
+          </a:p>
+        </p:txBody>
+      </p:sp>
+      <p:pic>
+        <p:nvPicPr>
+          <p:cNvPr id="4098" name="Picture 2" descr="https://encrypted-tbn1.gstatic.com/images?q=tbn:ANd9GcQPjOOrKkG6p-6TtFUclNnZHYTN5FkWa8SFzZJa2JEcqBi7qhXEdw"/>
+          <p:cNvPicPr>
+            <a:picLocks noChangeAspect="1" noChangeArrowheads="1"/>
+          </p:cNvPicPr>
+          <p:nvPr/>
+        </p:nvPicPr>
+        <p:blipFill>
+          <a:blip r:embed="rId3">
+            <a:extLst>
+              <a:ext uri="{28A0092B-C50C-407E-A947-70E740481C1C}">
+                <a14:useLocalDpi xmlns:a14="http://schemas.microsoft.com/office/drawing/2010/main" val="0"/>
+              </a:ext>
+            </a:extLst>
+          </a:blip>
+          <a:srcRect/>
+          <a:stretch>
+            <a:fillRect/>
+          </a:stretch>
+        </p:blipFill>
+        <p:spPr bwMode="auto">
+          <a:xfrm>
+            <a:off x="8244408" y="116632"/>
+            <a:ext cx="576064" cy="576064"/>
+          </a:xfrm>
+          <a:prstGeom prst="rect">
+            <a:avLst/>
+          </a:prstGeom>
+          <a:noFill/>
+          <a:extLst>
+            <a:ext uri="{909E8E84-426E-40DD-AFC4-6F175D3DCCD1}">
+              <a14:hiddenFill xmlns:a14="http://schemas.microsoft.com/office/drawing/2010/main">
+                <a:solidFill>
+                  <a:srgbClr val="FFFFFF"/>
+                </a:solidFill>
+              </a14:hiddenFill>
+            </a:ext>
+          </a:extLst>
+        </p:spPr>
+      </p:pic>
+    </p:spTree>
+    <p:extLst>
+      <p:ext uri="{BB962C8B-B14F-4D97-AF65-F5344CB8AC3E}">
+        <p14:creationId xmlns:p14="http://schemas.microsoft.com/office/powerpoint/2010/main" val="13391719"/>
+      </p:ext>
+    </p:extLst>
+  </p:cSld>
+  <p:clrMapOvr>
+    <a:masterClrMapping/>
+  </p:clrMapOvr>
+  <mc:AlternateContent xmlns:mc="http://schemas.openxmlformats.org/markup-compatibility/2006" xmlns:p14="http://schemas.microsoft.com/office/powerpoint/2010/main">
+    <mc:Choice Requires="p14">
+      <p:transition spd="slow" p14:dur="2000"/>
+    </mc:Choice>
+    <mc:Fallback xmlns="">
+      <p:transition spd="slow"/>
+    </mc:Fallback>
+  </mc:AlternateContent>
+  <p:timing>
+    <p:tnLst>
+      <p:par>
+        <p:cTn id="1" dur="indefinite" restart="never" nodeType="tmRoot"/>
+      </p:par>
+    </p:tnLst>
+  </p:timing>
+</p:sld>
+</file>
+
+<file path=ppt/slides/slide16.xml><?xml version="1.0" encoding="utf-8"?>
+<p:sld xmlns:a="http://schemas.openxmlformats.org/drawingml/2006/main" xmlns:r="http://schemas.openxmlformats.org/officeDocument/2006/relationships" xmlns:p="http://schemas.openxmlformats.org/presentationml/2006/main" show="0">
+  <p:cSld>
+    <p:spTree>
+      <p:nvGrpSpPr>
+        <p:cNvPr id="1" name=""/>
+        <p:cNvGrpSpPr/>
+        <p:nvPr/>
+      </p:nvGrpSpPr>
+      <p:grpSpPr>
+        <a:xfrm>
+          <a:off x="0" y="0"/>
+          <a:ext cx="0" cy="0"/>
+          <a:chOff x="0" y="0"/>
+          <a:chExt cx="0" cy="0"/>
+        </a:xfrm>
+      </p:grpSpPr>
+      <p:sp>
+        <p:nvSpPr>
+          <p:cNvPr id="2" name="Title 1"/>
+          <p:cNvSpPr>
+            <a:spLocks noGrp="1"/>
+          </p:cNvSpPr>
+          <p:nvPr>
+            <p:ph type="title" idx="4294967295"/>
+          </p:nvPr>
+        </p:nvSpPr>
+        <p:spPr>
+          <a:xfrm>
+            <a:off x="801688" y="169863"/>
+            <a:ext cx="8342312" cy="785812"/>
+          </a:xfrm>
+        </p:spPr>
+        <p:txBody>
+          <a:bodyPr/>
+          <a:lstStyle/>
+          <a:p>
+            <a:r>
+              <a:rPr lang="pt-BR" dirty="0" smtClean="0"/>
+              <a:t>Language Summary Table</a:t>
+            </a:r>
+            <a:endParaRPr lang="en-US" dirty="0"/>
+          </a:p>
+        </p:txBody>
+      </p:sp>
+      <p:graphicFrame>
+        <p:nvGraphicFramePr>
+          <p:cNvPr id="6" name="Object 5"/>
+          <p:cNvGraphicFramePr>
+            <a:graphicFrameLocks noChangeAspect="1"/>
+          </p:cNvGraphicFramePr>
+          <p:nvPr>
+            <p:extLst>
+              <p:ext uri="{D42A27DB-BD31-4B8C-83A1-F6EECF244321}">
+                <p14:modId xmlns:p14="http://schemas.microsoft.com/office/powerpoint/2010/main" val="4175946431"/>
+              </p:ext>
+            </p:extLst>
+          </p:nvPr>
+        </p:nvGraphicFramePr>
+        <p:xfrm>
+          <a:off x="-50800" y="771525"/>
+          <a:ext cx="9150350" cy="5744361"/>
+        </p:xfrm>
+        <a:graphic>
+          <a:graphicData uri="http://schemas.openxmlformats.org/presentationml/2006/ole">
+            <mc:AlternateContent xmlns:mc="http://schemas.openxmlformats.org/markup-compatibility/2006">
+              <mc:Choice xmlns:v="urn:schemas-microsoft-com:vml" Requires="v">
+                <p:oleObj spid="_x0000_s1043" name="Worksheet" r:id="rId4" imgW="8953500" imgH="5619840" progId="Excel.Sheet.12">
+                  <p:embed/>
+                </p:oleObj>
+              </mc:Choice>
+              <mc:Fallback>
+                <p:oleObj name="Worksheet" r:id="rId4" imgW="8953500" imgH="5619840" progId="Excel.Sheet.12">
+                  <p:embed/>
+                  <p:pic>
+                    <p:nvPicPr>
+                      <p:cNvPr id="0" name=""/>
+                      <p:cNvPicPr/>
+                      <p:nvPr/>
+                    </p:nvPicPr>
+                    <p:blipFill>
+                      <a:blip r:embed="rId5"/>
+                      <a:stretch>
+                        <a:fillRect/>
+                      </a:stretch>
+                    </p:blipFill>
+                    <p:spPr>
+                      <a:xfrm>
+                        <a:off x="-50800" y="771525"/>
+                        <a:ext cx="9150350" cy="5744361"/>
+                      </a:xfrm>
+                      <a:prstGeom prst="rect">
+                        <a:avLst/>
+                      </a:prstGeom>
+                      <a:ln>
+                        <a:noFill/>
+                      </a:ln>
+                    </p:spPr>
+                  </p:pic>
+                </p:oleObj>
+              </mc:Fallback>
+            </mc:AlternateContent>
+          </a:graphicData>
+        </a:graphic>
+      </p:graphicFrame>
+    </p:spTree>
+    <p:extLst>
+      <p:ext uri="{BB962C8B-B14F-4D97-AF65-F5344CB8AC3E}">
+        <p14:creationId xmlns:p14="http://schemas.microsoft.com/office/powerpoint/2010/main" val="1449030352"/>
+      </p:ext>
+    </p:extLst>
+  </p:cSld>
+  <p:clrMapOvr>
+    <a:masterClrMapping/>
+  </p:clrMapOvr>
+  <mc:AlternateContent xmlns:mc="http://schemas.openxmlformats.org/markup-compatibility/2006" xmlns:p14="http://schemas.microsoft.com/office/powerpoint/2010/main">
+    <mc:Choice Requires="p14">
+      <p:transition spd="slow" p14:dur="2000"/>
+    </mc:Choice>
+    <mc:Fallback xmlns="">
+      <p:transition spd="slow"/>
+    </mc:Fallback>
+  </mc:AlternateContent>
+  <p:timing>
+    <p:tnLst>
+      <p:par>
+        <p:cTn id="1" dur="indefinite" restart="never" nodeType="tmRoot"/>
+      </p:par>
+    </p:tnLst>
+  </p:timing>
+</p:sld>
+</file>
+
+<file path=ppt/slides/slide17.xml><?xml version="1.0" encoding="utf-8"?>
+<p:sld xmlns:a="http://schemas.openxmlformats.org/drawingml/2006/main" xmlns:r="http://schemas.openxmlformats.org/officeDocument/2006/relationships" xmlns:p="http://schemas.openxmlformats.org/presentationml/2006/main">
+  <p:cSld>
+    <p:spTree>
+      <p:nvGrpSpPr>
+        <p:cNvPr id="1" name=""/>
+        <p:cNvGrpSpPr/>
+        <p:nvPr/>
+      </p:nvGrpSpPr>
+      <p:grpSpPr>
+        <a:xfrm>
+          <a:off x="0" y="0"/>
+          <a:ext cx="0" cy="0"/>
+          <a:chOff x="0" y="0"/>
+          <a:chExt cx="0" cy="0"/>
+        </a:xfrm>
+      </p:grpSpPr>
+      <p:sp>
+        <p:nvSpPr>
+          <p:cNvPr id="3" name="Content Placeholder 2"/>
+          <p:cNvSpPr>
+            <a:spLocks noGrp="1"/>
+          </p:cNvSpPr>
+          <p:nvPr>
+            <p:ph sz="quarter" idx="12"/>
+          </p:nvPr>
+        </p:nvSpPr>
+        <p:spPr/>
+        <p:txBody>
+          <a:bodyPr>
+            <a:normAutofit fontScale="92500" lnSpcReduction="10000"/>
+          </a:bodyPr>
+          <a:lstStyle/>
+          <a:p>
+            <a:r>
+              <a:rPr lang="en-US" dirty="0" smtClean="0"/>
+              <a:t>Establishing a strong capability in dynamic languages can position the enterprise for higher software delivery productivity and agility</a:t>
+            </a:r>
+          </a:p>
+          <a:p>
+            <a:pPr lvl="1"/>
+            <a:r>
+              <a:rPr lang="en-US" dirty="0" smtClean="0"/>
+              <a:t>Alternative to heavy-weight traditional approaches</a:t>
+            </a:r>
+          </a:p>
+          <a:p>
+            <a:pPr lvl="1"/>
+            <a:r>
+              <a:rPr lang="en-US" dirty="0" smtClean="0"/>
+              <a:t>Strong support for agility, possibility of dramatically better productivity and time-to-market</a:t>
+            </a:r>
+          </a:p>
+          <a:p>
+            <a:pPr lvl="1"/>
+            <a:r>
+              <a:rPr lang="pt-BR" dirty="0" smtClean="0"/>
+              <a:t>Increased interest in browser-centric and asynchronous Web technologies</a:t>
+            </a:r>
+            <a:endParaRPr lang="en-US" dirty="0" smtClean="0"/>
+          </a:p>
+          <a:p>
+            <a:pPr lvl="1"/>
+            <a:r>
+              <a:rPr lang="en-US" dirty="0" smtClean="0"/>
+              <a:t>Many proven examples in industry</a:t>
+            </a:r>
+          </a:p>
+          <a:p>
+            <a:pPr lvl="1"/>
+            <a:r>
+              <a:rPr lang="en-US" dirty="0" smtClean="0"/>
+              <a:t>New generation of developers considers them more fun and exciting </a:t>
+            </a:r>
+            <a:r>
+              <a:rPr lang="en-US" dirty="0" smtClean="0">
+                <a:sym typeface="Wingdings" pitchFamily="2" charset="2"/>
+              </a:rPr>
+              <a:t> </a:t>
+            </a:r>
+            <a:r>
+              <a:rPr lang="en-US" dirty="0" smtClean="0"/>
+              <a:t>retention</a:t>
+            </a:r>
+          </a:p>
+          <a:p>
+            <a:pPr lvl="1"/>
+            <a:r>
+              <a:rPr lang="en-US" dirty="0" smtClean="0"/>
+              <a:t>Growing support from industry analysts and thought leaders</a:t>
+            </a:r>
+          </a:p>
+          <a:p>
+            <a:pPr lvl="1"/>
+            <a:r>
+              <a:rPr lang="pt-BR" dirty="0" smtClean="0"/>
+              <a:t>Some of our more innovative competitors have embraced dynamic languages </a:t>
+            </a:r>
+          </a:p>
+          <a:p>
+            <a:pPr lvl="1"/>
+            <a:r>
+              <a:rPr lang="pt-BR" dirty="0" smtClean="0"/>
+              <a:t>Some of our clients are ahead of us, asking for support</a:t>
+            </a:r>
+            <a:endParaRPr lang="en-US" dirty="0" smtClean="0"/>
+          </a:p>
+          <a:p>
+            <a:r>
+              <a:rPr lang="en-CA" dirty="0" smtClean="0"/>
+              <a:t>Need to augment our enterprise toolset</a:t>
+            </a:r>
+          </a:p>
+          <a:p>
+            <a:pPr lvl="1"/>
+            <a:r>
+              <a:rPr lang="en-US" dirty="0" smtClean="0"/>
+              <a:t>Not a cure-all, but can have a tremendous positive impact in the right situations</a:t>
+            </a:r>
+          </a:p>
+          <a:p>
+            <a:pPr lvl="1"/>
+            <a:endParaRPr lang="en-CA" dirty="0" smtClean="0"/>
+          </a:p>
+        </p:txBody>
+      </p:sp>
+      <p:sp>
+        <p:nvSpPr>
+          <p:cNvPr id="5" name="Title 4"/>
+          <p:cNvSpPr>
+            <a:spLocks noGrp="1"/>
+          </p:cNvSpPr>
+          <p:nvPr>
+            <p:ph type="title"/>
+          </p:nvPr>
+        </p:nvSpPr>
+        <p:spPr/>
+        <p:txBody>
+          <a:bodyPr vert="horz" lIns="0" tIns="0" rIns="0" bIns="0" rtlCol="0" anchor="b" anchorCtr="0">
+            <a:normAutofit/>
+          </a:bodyPr>
+          <a:lstStyle/>
+          <a:p>
+            <a:pPr lvl="1"/>
+            <a:r>
+              <a:rPr lang="en-US" sz="2400" dirty="0">
+                <a:solidFill>
+                  <a:schemeClr val="tx1"/>
+                </a:solidFill>
+              </a:rPr>
+              <a:t>Why Are Dynamic Languages Important?</a:t>
+            </a:r>
+          </a:p>
+        </p:txBody>
+      </p:sp>
+    </p:spTree>
+    <p:extLst>
+      <p:ext uri="{BB962C8B-B14F-4D97-AF65-F5344CB8AC3E}">
+        <p14:creationId xmlns:p14="http://schemas.microsoft.com/office/powerpoint/2010/main" val="2334576900"/>
+      </p:ext>
+    </p:extLst>
+  </p:cSld>
+  <p:clrMapOvr>
+    <a:masterClrMapping/>
+  </p:clrMapOvr>
+  <p:timing>
+    <p:tnLst>
+      <p:par>
+        <p:cTn id="1" dur="indefinite" restart="never" nodeType="tmRoot"/>
+      </p:par>
+    </p:tnLst>
+  </p:timing>
+</p:sld>
+</file>
+
+<file path=ppt/slides/slide18.xml><?xml version="1.0" encoding="utf-8"?>
+<p:sld xmlns:a="http://schemas.openxmlformats.org/drawingml/2006/main" xmlns:r="http://schemas.openxmlformats.org/officeDocument/2006/relationships" xmlns:p="http://schemas.openxmlformats.org/presentationml/2006/main">
+  <p:cSld>
+    <p:spTree>
+      <p:nvGrpSpPr>
+        <p:cNvPr id="1" name=""/>
+        <p:cNvGrpSpPr/>
+        <p:nvPr/>
+      </p:nvGrpSpPr>
+      <p:grpSpPr>
+        <a:xfrm>
+          <a:off x="0" y="0"/>
+          <a:ext cx="0" cy="0"/>
+          <a:chOff x="0" y="0"/>
+          <a:chExt cx="0" cy="0"/>
+        </a:xfrm>
+      </p:grpSpPr>
+      <p:sp>
+        <p:nvSpPr>
+          <p:cNvPr id="3" name="Content Placeholder 2"/>
+          <p:cNvSpPr>
+            <a:spLocks noGrp="1"/>
+          </p:cNvSpPr>
+          <p:nvPr>
+            <p:ph sz="quarter" idx="12"/>
+          </p:nvPr>
+        </p:nvSpPr>
+        <p:spPr/>
+        <p:txBody>
+          <a:bodyPr>
+            <a:normAutofit/>
+          </a:bodyPr>
+          <a:lstStyle/>
+          <a:p>
+            <a:r>
+              <a:rPr lang="en-US" dirty="0"/>
+              <a:t>Dynamic languages have an established market position and are gaining in popularity and adoption</a:t>
+            </a:r>
+          </a:p>
+          <a:p>
+            <a:pPr lvl="1"/>
+            <a:r>
+              <a:rPr lang="en-US" dirty="0" smtClean="0"/>
+              <a:t>Ruby, Python, JavaScript, and PHP are consistently ranked among the top 10 most popular languages by industry surveys</a:t>
+            </a:r>
+          </a:p>
+          <a:p>
+            <a:pPr lvl="1"/>
+            <a:r>
+              <a:rPr lang="pt-BR" dirty="0" smtClean="0"/>
+              <a:t>Some </a:t>
+            </a:r>
+            <a:r>
+              <a:rPr lang="pt-BR" dirty="0"/>
+              <a:t>of our more innovative competitors have embraced dynamic languages </a:t>
+            </a:r>
+          </a:p>
+          <a:p>
+            <a:pPr lvl="1"/>
+            <a:r>
+              <a:rPr lang="en-US" dirty="0" smtClean="0"/>
+              <a:t>Recent increase </a:t>
+            </a:r>
+            <a:r>
+              <a:rPr lang="en-US" dirty="0"/>
+              <a:t>in demand </a:t>
+            </a:r>
+            <a:r>
+              <a:rPr lang="en-US" dirty="0" smtClean="0"/>
+              <a:t>for Ruby, Python, Groovy, and PHP (Drupal) skills from some of our largest clients</a:t>
+            </a:r>
+            <a:endParaRPr lang="en-US" dirty="0"/>
+          </a:p>
+          <a:p>
+            <a:pPr lvl="1"/>
+            <a:r>
+              <a:rPr lang="en-US" dirty="0" err="1" smtClean="0"/>
+              <a:t>ThoughtWorks’s</a:t>
+            </a:r>
+            <a:r>
+              <a:rPr lang="en-US" dirty="0" smtClean="0"/>
+              <a:t> </a:t>
+            </a:r>
+            <a:r>
+              <a:rPr lang="en-US" dirty="0" smtClean="0"/>
+              <a:t>Oct </a:t>
+            </a:r>
+            <a:r>
+              <a:rPr lang="en-US" dirty="0"/>
+              <a:t>2012 Tech </a:t>
+            </a:r>
+            <a:r>
+              <a:rPr lang="en-US" dirty="0" smtClean="0"/>
+              <a:t>Radar moved Scala and </a:t>
+            </a:r>
+            <a:r>
+              <a:rPr lang="en-US" dirty="0" err="1" smtClean="0"/>
+              <a:t>Clojure</a:t>
+            </a:r>
+            <a:r>
+              <a:rPr lang="en-US" dirty="0" smtClean="0"/>
+              <a:t> from “Trial” to “Adopt”</a:t>
+            </a:r>
+          </a:p>
+          <a:p>
+            <a:pPr lvl="1"/>
+            <a:r>
+              <a:rPr lang="en-US" dirty="0" smtClean="0"/>
+              <a:t>Industry thought leaders are supporting dynamic languages</a:t>
+            </a:r>
+          </a:p>
+        </p:txBody>
+      </p:sp>
+      <p:sp>
+        <p:nvSpPr>
+          <p:cNvPr id="2" name="Title 1"/>
+          <p:cNvSpPr>
+            <a:spLocks noGrp="1"/>
+          </p:cNvSpPr>
+          <p:nvPr>
+            <p:ph type="title"/>
+          </p:nvPr>
+        </p:nvSpPr>
+        <p:spPr/>
+        <p:txBody>
+          <a:bodyPr/>
+          <a:lstStyle/>
+          <a:p>
+            <a:r>
+              <a:rPr lang="en-US" dirty="0" smtClean="0"/>
+              <a:t>Industry Trends</a:t>
+            </a:r>
+            <a:endParaRPr lang="en-US" dirty="0"/>
+          </a:p>
+        </p:txBody>
+      </p:sp>
+    </p:spTree>
+    <p:extLst>
+      <p:ext uri="{BB962C8B-B14F-4D97-AF65-F5344CB8AC3E}">
+        <p14:creationId xmlns:p14="http://schemas.microsoft.com/office/powerpoint/2010/main" val="3405260885"/>
+      </p:ext>
+    </p:extLst>
+  </p:cSld>
+  <p:clrMapOvr>
+    <a:masterClrMapping/>
+  </p:clrMapOvr>
+  <p:timing>
+    <p:tnLst>
+      <p:par>
+        <p:cTn id="1" dur="indefinite" restart="never" nodeType="tmRoot"/>
+      </p:par>
+    </p:tnLst>
+  </p:timing>
+</p:sld>
+</file>
+
+<file path=ppt/slides/slide19.xml><?xml version="1.0" encoding="utf-8"?>
+<p:sld xmlns:a="http://schemas.openxmlformats.org/drawingml/2006/main" xmlns:r="http://schemas.openxmlformats.org/officeDocument/2006/relationships" xmlns:p="http://schemas.openxmlformats.org/presentationml/2006/main">
+  <p:cSld>
+    <p:spTree>
+      <p:nvGrpSpPr>
+        <p:cNvPr id="1" name=""/>
+        <p:cNvGrpSpPr/>
+        <p:nvPr/>
+      </p:nvGrpSpPr>
+      <p:grpSpPr>
+        <a:xfrm>
+          <a:off x="0" y="0"/>
+          <a:ext cx="0" cy="0"/>
+          <a:chOff x="0" y="0"/>
+          <a:chExt cx="0" cy="0"/>
+        </a:xfrm>
+      </p:grpSpPr>
+      <p:sp>
+        <p:nvSpPr>
+          <p:cNvPr id="3" name="Content Placeholder 2"/>
+          <p:cNvSpPr>
+            <a:spLocks noGrp="1"/>
+          </p:cNvSpPr>
+          <p:nvPr>
+            <p:ph sz="quarter" idx="12"/>
+          </p:nvPr>
+        </p:nvSpPr>
+        <p:spPr/>
+        <p:txBody>
+          <a:bodyPr>
+            <a:normAutofit/>
+          </a:bodyPr>
+          <a:lstStyle/>
+          <a:p>
+            <a:r>
+              <a:rPr lang="en-US" dirty="0" smtClean="0"/>
+              <a:t>Dynamic languages are powerful enablers of agile delivery – methodology is not enough</a:t>
+            </a:r>
+          </a:p>
+          <a:p>
+            <a:pPr lvl="1"/>
+            <a:r>
+              <a:rPr lang="en-US" dirty="0" smtClean="0"/>
+              <a:t>Cumbersome technology and heavy-weight architecture do not align well with agile</a:t>
+            </a:r>
+          </a:p>
+          <a:p>
+            <a:pPr lvl="1"/>
+            <a:r>
+              <a:rPr lang="en-US" dirty="0" smtClean="0"/>
+              <a:t>Extraordinarily rapid code-test workflows is strong enabler of agile delivery</a:t>
+            </a:r>
+          </a:p>
+          <a:p>
+            <a:pPr lvl="1"/>
+            <a:r>
+              <a:rPr lang="en-US" dirty="0" smtClean="0"/>
+              <a:t>High-productivity tools </a:t>
+            </a:r>
+            <a:r>
+              <a:rPr lang="en-US" dirty="0"/>
+              <a:t>and lightweight architectures </a:t>
+            </a:r>
+            <a:endParaRPr lang="en-US" dirty="0" smtClean="0"/>
+          </a:p>
+          <a:p>
+            <a:pPr lvl="1"/>
+            <a:r>
+              <a:rPr lang="en-US" dirty="0" smtClean="0"/>
+              <a:t>In </a:t>
+            </a:r>
+            <a:r>
+              <a:rPr lang="en-US" dirty="0"/>
+              <a:t>some cases </a:t>
+            </a:r>
+            <a:r>
+              <a:rPr lang="en-US" dirty="0" smtClean="0"/>
+              <a:t>can be twice </a:t>
+            </a:r>
+            <a:r>
+              <a:rPr lang="en-US" dirty="0"/>
+              <a:t>as fast at half the cost </a:t>
+            </a:r>
+            <a:r>
+              <a:rPr lang="en-US" dirty="0" smtClean="0"/>
+              <a:t>as with </a:t>
+            </a:r>
+            <a:r>
+              <a:rPr lang="en-US" dirty="0"/>
+              <a:t>Java or </a:t>
+            </a:r>
+            <a:r>
+              <a:rPr lang="en-US" dirty="0" err="1"/>
+              <a:t>.</a:t>
+            </a:r>
+            <a:r>
+              <a:rPr lang="en-US" dirty="0" err="1" smtClean="0"/>
+              <a:t>Net</a:t>
+            </a:r>
+            <a:endParaRPr lang="en-US" dirty="0" smtClean="0"/>
+          </a:p>
+          <a:p>
+            <a:pPr lvl="1"/>
+            <a:r>
+              <a:rPr lang="en-US" dirty="0" smtClean="0"/>
+              <a:t>Synergies with </a:t>
+            </a:r>
+            <a:r>
+              <a:rPr lang="en-US" dirty="0" err="1" smtClean="0"/>
+              <a:t>PaaS</a:t>
+            </a:r>
+            <a:r>
+              <a:rPr lang="en-US" dirty="0" smtClean="0"/>
+              <a:t>/</a:t>
+            </a:r>
+            <a:r>
+              <a:rPr lang="en-US" dirty="0" err="1" smtClean="0"/>
+              <a:t>SaaS</a:t>
+            </a:r>
+            <a:r>
+              <a:rPr lang="en-US" dirty="0" smtClean="0"/>
+              <a:t> </a:t>
+            </a:r>
+            <a:r>
+              <a:rPr lang="en-US" dirty="0"/>
+              <a:t>technology for  development and production </a:t>
+            </a:r>
+            <a:r>
+              <a:rPr lang="en-US" dirty="0" smtClean="0"/>
+              <a:t>deployment</a:t>
+            </a:r>
+            <a:endParaRPr lang="en-US" dirty="0"/>
+          </a:p>
+          <a:p>
+            <a:pPr lvl="1"/>
+            <a:endParaRPr lang="en-US" dirty="0" smtClean="0"/>
+          </a:p>
+          <a:p>
+            <a:pPr lvl="1"/>
+            <a:endParaRPr lang="en-US" dirty="0" smtClean="0"/>
+          </a:p>
+        </p:txBody>
+      </p:sp>
+      <p:sp>
+        <p:nvSpPr>
+          <p:cNvPr id="2" name="Title 1"/>
+          <p:cNvSpPr>
+            <a:spLocks noGrp="1"/>
+          </p:cNvSpPr>
+          <p:nvPr>
+            <p:ph type="title"/>
+          </p:nvPr>
+        </p:nvSpPr>
+        <p:spPr/>
+        <p:txBody>
+          <a:bodyPr/>
+          <a:lstStyle/>
+          <a:p>
+            <a:r>
+              <a:rPr lang="en-US" dirty="0" smtClean="0"/>
+              <a:t>Agility</a:t>
+            </a:r>
+            <a:endParaRPr lang="en-US" dirty="0"/>
+          </a:p>
+        </p:txBody>
+      </p:sp>
+    </p:spTree>
+    <p:extLst>
+      <p:ext uri="{BB962C8B-B14F-4D97-AF65-F5344CB8AC3E}">
+        <p14:creationId xmlns:p14="http://schemas.microsoft.com/office/powerpoint/2010/main" val="1291760788"/>
+      </p:ext>
+    </p:extLst>
+  </p:cSld>
+  <p:clrMapOvr>
+    <a:masterClrMapping/>
+  </p:clrMapOvr>
+  <p:timing>
+    <p:tnLst>
+      <p:par>
+        <p:cTn id="1" dur="indefinite" restart="never" nodeType="tmRoot"/>
+      </p:par>
+    </p:tnLst>
+  </p:timing>
+</p:sld>
+</file>
+
 <file path=ppt/slides/slide2.xml><?xml version="1.0" encoding="utf-8"?>
 <p:sld xmlns:a="http://schemas.openxmlformats.org/drawingml/2006/main" xmlns:r="http://schemas.openxmlformats.org/officeDocument/2006/relationships" xmlns:p="http://schemas.openxmlformats.org/presentationml/2006/main">
   <p:cSld>
@@ -5905,7 +11766,288 @@
       </p:grpSpPr>
       <p:sp>
         <p:nvSpPr>
-          <p:cNvPr id="5" name="Content Placeholder 4"/>
+          <p:cNvPr id="13" name="Text Placeholder 12"/>
+          <p:cNvSpPr>
+            <a:spLocks noGrp="1"/>
+          </p:cNvSpPr>
+          <p:nvPr>
+            <p:ph type="body" sz="quarter" idx="4294967295"/>
+          </p:nvPr>
+        </p:nvSpPr>
+        <p:spPr>
+          <a:xfrm>
+            <a:off x="1311275" y="2276475"/>
+            <a:ext cx="7623175" cy="1982788"/>
+          </a:xfrm>
+          <a:prstGeom prst="rect">
+            <a:avLst/>
+          </a:prstGeom>
+        </p:spPr>
+        <p:txBody>
+          <a:bodyPr>
+            <a:normAutofit/>
+          </a:bodyPr>
+          <a:lstStyle/>
+          <a:p>
+            <a:pPr marL="0" indent="0">
+              <a:buNone/>
+            </a:pPr>
+            <a:r>
+              <a:rPr lang="en-US" sz="2400" dirty="0" smtClean="0"/>
+              <a:t>@</a:t>
+            </a:r>
+            <a:r>
+              <a:rPr lang="en-US" sz="2400" dirty="0" err="1" smtClean="0"/>
+              <a:t>oscarrenalias</a:t>
+            </a:r>
+            <a:endParaRPr lang="en-US" sz="2400" dirty="0" smtClean="0"/>
+          </a:p>
+          <a:p>
+            <a:pPr marL="0" indent="0">
+              <a:buNone/>
+            </a:pPr>
+            <a:r>
+              <a:rPr lang="en-US" sz="2400" dirty="0" smtClean="0"/>
+              <a:t>github.com/</a:t>
+            </a:r>
+            <a:r>
+              <a:rPr lang="en-US" sz="2400" dirty="0" err="1" smtClean="0"/>
+              <a:t>oscarrenalias</a:t>
+            </a:r>
+            <a:endParaRPr lang="en-US" sz="2400" dirty="0" smtClean="0"/>
+          </a:p>
+          <a:p>
+            <a:pPr marL="0" indent="0">
+              <a:buNone/>
+            </a:pPr>
+            <a:r>
+              <a:rPr lang="en-US" sz="2400" dirty="0" smtClean="0"/>
+              <a:t>oscar.renalias@accenture.com</a:t>
+            </a:r>
+          </a:p>
+          <a:p>
+            <a:pPr marL="0" indent="0">
+              <a:buNone/>
+            </a:pPr>
+            <a:r>
+              <a:rPr lang="en-US" sz="2400" dirty="0" smtClean="0"/>
+              <a:t>oscar@renalias.net</a:t>
+            </a:r>
+            <a:endParaRPr lang="en-US" sz="2400" dirty="0"/>
+          </a:p>
+        </p:txBody>
+      </p:sp>
+      <p:pic>
+        <p:nvPicPr>
+          <p:cNvPr id="4" name="Picture 3"/>
+          <p:cNvPicPr>
+            <a:picLocks noChangeAspect="1"/>
+          </p:cNvPicPr>
+          <p:nvPr/>
+        </p:nvPicPr>
+        <p:blipFill>
+          <a:blip r:embed="rId3"/>
+          <a:stretch>
+            <a:fillRect/>
+          </a:stretch>
+        </p:blipFill>
+        <p:spPr>
+          <a:xfrm>
+            <a:off x="6420731" y="1705540"/>
+            <a:ext cx="2054932" cy="2736304"/>
+          </a:xfrm>
+          <a:prstGeom prst="rect">
+            <a:avLst/>
+          </a:prstGeom>
+        </p:spPr>
+      </p:pic>
+      <p:pic>
+        <p:nvPicPr>
+          <p:cNvPr id="5" name="Picture 4"/>
+          <p:cNvPicPr>
+            <a:picLocks noChangeAspect="1"/>
+          </p:cNvPicPr>
+          <p:nvPr/>
+        </p:nvPicPr>
+        <p:blipFill rotWithShape="1">
+          <a:blip r:embed="rId4">
+            <a:extLst>
+              <a:ext uri="{BEBA8EAE-BF5A-486C-A8C5-ECC9F3942E4B}">
+                <a14:imgProps xmlns:a14="http://schemas.microsoft.com/office/drawing/2010/main">
+                  <a14:imgLayer r:embed="rId5">
+                    <a14:imgEffect>
+                      <a14:backgroundRemoval t="21746" b="77947" l="23942" r="75217"/>
+                    </a14:imgEffect>
+                  </a14:imgLayer>
+                </a14:imgProps>
+              </a:ext>
+            </a:extLst>
+          </a:blip>
+          <a:srcRect l="17533" t="14721" r="18374" b="15028"/>
+          <a:stretch/>
+        </p:blipFill>
+        <p:spPr>
+          <a:xfrm>
+            <a:off x="706942" y="2276475"/>
+            <a:ext cx="350822" cy="288032"/>
+          </a:xfrm>
+          <a:prstGeom prst="rect">
+            <a:avLst/>
+          </a:prstGeom>
+        </p:spPr>
+      </p:pic>
+      <p:pic>
+        <p:nvPicPr>
+          <p:cNvPr id="6" name="Picture 5"/>
+          <p:cNvPicPr>
+            <a:picLocks noChangeAspect="1"/>
+          </p:cNvPicPr>
+          <p:nvPr/>
+        </p:nvPicPr>
+        <p:blipFill rotWithShape="1">
+          <a:blip r:embed="rId6"/>
+          <a:srcRect l="20127" t="9094" r="1059" b="4798"/>
+          <a:stretch/>
+        </p:blipFill>
+        <p:spPr>
+          <a:xfrm>
+            <a:off x="730085" y="2794793"/>
+            <a:ext cx="325425" cy="355540"/>
+          </a:xfrm>
+          <a:prstGeom prst="rect">
+            <a:avLst/>
+          </a:prstGeom>
+        </p:spPr>
+      </p:pic>
+      <p:pic>
+        <p:nvPicPr>
+          <p:cNvPr id="8" name="Picture 7"/>
+          <p:cNvPicPr>
+            <a:picLocks noChangeAspect="1"/>
+          </p:cNvPicPr>
+          <p:nvPr/>
+        </p:nvPicPr>
+        <p:blipFill>
+          <a:blip r:embed="rId7"/>
+          <a:stretch>
+            <a:fillRect/>
+          </a:stretch>
+        </p:blipFill>
+        <p:spPr>
+          <a:xfrm>
+            <a:off x="388920" y="3911489"/>
+            <a:ext cx="318022" cy="227311"/>
+          </a:xfrm>
+          <a:prstGeom prst="rect">
+            <a:avLst/>
+          </a:prstGeom>
+        </p:spPr>
+      </p:pic>
+      <p:pic>
+        <p:nvPicPr>
+          <p:cNvPr id="10" name="Picture 9"/>
+          <p:cNvPicPr>
+            <a:picLocks noChangeAspect="1"/>
+          </p:cNvPicPr>
+          <p:nvPr/>
+        </p:nvPicPr>
+        <p:blipFill>
+          <a:blip r:embed="rId8"/>
+          <a:stretch>
+            <a:fillRect/>
+          </a:stretch>
+        </p:blipFill>
+        <p:spPr>
+          <a:xfrm>
+            <a:off x="751933" y="3380619"/>
+            <a:ext cx="257175" cy="247650"/>
+          </a:xfrm>
+          <a:prstGeom prst="rect">
+            <a:avLst/>
+          </a:prstGeom>
+        </p:spPr>
+      </p:pic>
+      <p:pic>
+        <p:nvPicPr>
+          <p:cNvPr id="4100" name="Picture 4" descr="https://encrypted-tbn0.gstatic.com/images?q=tbn:ANd9GcRHjbIZj9CUlLq3rsgL9bkwOvJ3OUlRoiXvaLFE8YNtQmQxA-zq2w"/>
+          <p:cNvPicPr>
+            <a:picLocks noChangeAspect="1" noChangeArrowheads="1"/>
+          </p:cNvPicPr>
+          <p:nvPr/>
+        </p:nvPicPr>
+        <p:blipFill>
+          <a:blip r:embed="rId9" cstate="print">
+            <a:extLst>
+              <a:ext uri="{28A0092B-C50C-407E-A947-70E740481C1C}">
+                <a14:useLocalDpi xmlns:a14="http://schemas.microsoft.com/office/drawing/2010/main" val="0"/>
+              </a:ext>
+            </a:extLst>
+          </a:blip>
+          <a:srcRect/>
+          <a:stretch>
+            <a:fillRect/>
+          </a:stretch>
+        </p:blipFill>
+        <p:spPr bwMode="auto">
+          <a:xfrm>
+            <a:off x="700757" y="3879376"/>
+            <a:ext cx="303462" cy="291536"/>
+          </a:xfrm>
+          <a:prstGeom prst="rect">
+            <a:avLst/>
+          </a:prstGeom>
+          <a:noFill/>
+          <a:extLst>
+            <a:ext uri="{909E8E84-426E-40DD-AFC4-6F175D3DCCD1}">
+              <a14:hiddenFill xmlns:a14="http://schemas.microsoft.com/office/drawing/2010/main">
+                <a:solidFill>
+                  <a:srgbClr val="FFFFFF"/>
+                </a:solidFill>
+              </a14:hiddenFill>
+            </a:ext>
+          </a:extLst>
+        </p:spPr>
+      </p:pic>
+    </p:spTree>
+    <p:extLst>
+      <p:ext uri="{BB962C8B-B14F-4D97-AF65-F5344CB8AC3E}">
+        <p14:creationId xmlns:p14="http://schemas.microsoft.com/office/powerpoint/2010/main" val="3908326759"/>
+      </p:ext>
+    </p:extLst>
+  </p:cSld>
+  <p:clrMapOvr>
+    <a:masterClrMapping/>
+  </p:clrMapOvr>
+  <p:timing>
+    <p:tnLst>
+      <p:par>
+        <p:cTn id="1" dur="indefinite" restart="never" nodeType="tmRoot"/>
+      </p:par>
+    </p:tnLst>
+  </p:timing>
+</p:sld>
+</file>
+
+<file path=ppt/slides/slide20.xml><?xml version="1.0" encoding="utf-8"?>
+<p:sld xmlns:a="http://schemas.openxmlformats.org/drawingml/2006/main" xmlns:r="http://schemas.openxmlformats.org/officeDocument/2006/relationships" xmlns:p="http://schemas.openxmlformats.org/presentationml/2006/main">
+  <p:cSld>
+    <p:spTree>
+      <p:nvGrpSpPr>
+        <p:cNvPr id="1" name=""/>
+        <p:cNvGrpSpPr/>
+        <p:nvPr/>
+      </p:nvGrpSpPr>
+      <p:grpSpPr>
+        <a:xfrm>
+          <a:off x="0" y="0"/>
+          <a:ext cx="0" cy="0"/>
+          <a:chOff x="0" y="0"/>
+          <a:chExt cx="0" cy="0"/>
+        </a:xfrm>
+      </p:grpSpPr>
+      <p:sp>
+        <p:nvSpPr>
+          <p:cNvPr id="3" name="Content Placeholder 2"/>
           <p:cNvSpPr>
             <a:spLocks noGrp="1"/>
           </p:cNvSpPr>
@@ -5916,89 +12058,124 @@
         <p:spPr/>
         <p:txBody>
           <a:bodyPr>
-            <a:normAutofit/>
+            <a:normAutofit fontScale="85000" lnSpcReduction="20000"/>
           </a:bodyPr>
           <a:lstStyle/>
           <a:p>
+            <a:r>
+              <a:rPr lang="en-US" dirty="0" smtClean="0"/>
+              <a:t>Many kinds of business applications are well-suited for development with dynamic languages</a:t>
+            </a:r>
+          </a:p>
+          <a:p>
             <a:pPr lvl="1"/>
             <a:r>
               <a:rPr lang="en-US" dirty="0" smtClean="0"/>
-              <a:t>What </a:t>
-            </a:r>
-            <a:r>
-              <a:rPr lang="en-US" dirty="0"/>
-              <a:t>Are Dynamic Languages and Why Are They Important?</a:t>
+              <a:t>Marketing websites</a:t>
             </a:r>
           </a:p>
           <a:p>
             <a:pPr lvl="1"/>
             <a:r>
               <a:rPr lang="en-US" dirty="0" smtClean="0"/>
-              <a:t>Industry </a:t>
-            </a:r>
-            <a:r>
-              <a:rPr lang="en-US" dirty="0"/>
-              <a:t>Trends</a:t>
+              <a:t>Sports websites</a:t>
             </a:r>
           </a:p>
           <a:p>
             <a:pPr lvl="1"/>
             <a:r>
-              <a:rPr lang="en-US" dirty="0"/>
-              <a:t>Agility</a:t>
+              <a:rPr lang="en-US" dirty="0" smtClean="0"/>
+              <a:t>Shopping websites</a:t>
             </a:r>
           </a:p>
           <a:p>
             <a:pPr lvl="1"/>
             <a:r>
               <a:rPr lang="en-US" dirty="0" smtClean="0"/>
-              <a:t>Use </a:t>
-            </a:r>
-            <a:r>
-              <a:rPr lang="en-US" dirty="0"/>
-              <a:t>Cases and Enterprise Fit</a:t>
+              <a:t>Collaborative websites</a:t>
             </a:r>
           </a:p>
           <a:p>
             <a:pPr lvl="1"/>
             <a:r>
-              <a:rPr lang="en-US" dirty="0"/>
-              <a:t>Synergy With Other Technologies</a:t>
+              <a:rPr lang="en-US" dirty="0" smtClean="0"/>
+              <a:t>Application pilots to test-market new services offered to customers</a:t>
             </a:r>
           </a:p>
           <a:p>
             <a:pPr lvl="1"/>
             <a:r>
-              <a:rPr lang="en-US" dirty="0"/>
-              <a:t>Challenges and Concerns</a:t>
+              <a:rPr lang="en-US" dirty="0" smtClean="0"/>
+              <a:t>Corporate intranet applications</a:t>
             </a:r>
           </a:p>
           <a:p>
             <a:pPr lvl="1"/>
             <a:r>
               <a:rPr lang="en-US" dirty="0" smtClean="0"/>
-              <a:t>Accenture </a:t>
-            </a:r>
-            <a:r>
-              <a:rPr lang="en-US" dirty="0"/>
-              <a:t>Experience, Skills, and Capability Building</a:t>
+              <a:t>Situational apps</a:t>
             </a:r>
           </a:p>
           <a:p>
             <a:pPr lvl="1"/>
             <a:r>
-              <a:rPr lang="en-US" dirty="0"/>
-              <a:t>Conclusion</a:t>
-            </a:r>
-          </a:p>
-          <a:p>
-            <a:endParaRPr lang="en-US" dirty="0"/>
+              <a:rPr lang="en-US" dirty="0" smtClean="0"/>
+              <a:t>Web frontend for back-end services -- consumer of web services</a:t>
+            </a:r>
+          </a:p>
+          <a:p>
+            <a:pPr lvl="1"/>
+            <a:r>
+              <a:rPr lang="en-US" dirty="0" err="1" smtClean="0"/>
+              <a:t>RESTful</a:t>
+            </a:r>
+            <a:r>
+              <a:rPr lang="en-US" dirty="0" smtClean="0"/>
+              <a:t> service APIs -- provider of web services</a:t>
+            </a:r>
+          </a:p>
+          <a:p>
+            <a:pPr lvl="1"/>
+            <a:r>
+              <a:rPr lang="pt-BR" dirty="0" smtClean="0"/>
+              <a:t>Mobile applications</a:t>
+            </a:r>
+            <a:endParaRPr lang="en-US" dirty="0" smtClean="0"/>
+          </a:p>
+          <a:p>
+            <a:pPr lvl="1"/>
+            <a:r>
+              <a:rPr lang="en-US" dirty="0" smtClean="0"/>
+              <a:t>Scientific computing</a:t>
+            </a:r>
+          </a:p>
+          <a:p>
+            <a:pPr lvl="1"/>
+            <a:r>
+              <a:rPr lang="en-US" dirty="0" smtClean="0"/>
+              <a:t>Big Data</a:t>
+            </a:r>
+          </a:p>
+          <a:p>
+            <a:pPr lvl="1"/>
+            <a:r>
+              <a:rPr lang="en-US" dirty="0" err="1" smtClean="0"/>
+              <a:t>Dev</a:t>
+            </a:r>
+            <a:r>
+              <a:rPr lang="en-US" dirty="0" smtClean="0"/>
+              <a:t> Ops</a:t>
+            </a:r>
+          </a:p>
+          <a:p>
+            <a:pPr lvl="1"/>
+            <a:endParaRPr lang="en-US" dirty="0" smtClean="0"/>
           </a:p>
         </p:txBody>
       </p:sp>
       <p:sp>
         <p:nvSpPr>
-          <p:cNvPr id="4" name="Title 3"/>
+          <p:cNvPr id="2" name="Title 1"/>
           <p:cNvSpPr>
             <a:spLocks noGrp="1"/>
           </p:cNvSpPr>
@@ -6013,7 +12190,7 @@
           <a:p>
             <a:r>
               <a:rPr lang="en-US" dirty="0" smtClean="0"/>
-              <a:t>Agenda</a:t>
+              <a:t>Business Application Scenarios</a:t>
             </a:r>
             <a:endParaRPr lang="en-US" dirty="0"/>
           </a:p>
@@ -6022,7 +12199,1197 @@
     </p:spTree>
     <p:extLst>
       <p:ext uri="{BB962C8B-B14F-4D97-AF65-F5344CB8AC3E}">
-        <p14:creationId xmlns:p14="http://schemas.microsoft.com/office/powerpoint/2010/main" val="498839613"/>
+        <p14:creationId xmlns:p14="http://schemas.microsoft.com/office/powerpoint/2010/main" val="548166379"/>
+      </p:ext>
+    </p:extLst>
+  </p:cSld>
+  <p:clrMapOvr>
+    <a:masterClrMapping/>
+  </p:clrMapOvr>
+  <p:timing>
+    <p:tnLst>
+      <p:par>
+        <p:cTn id="1" dur="indefinite" restart="never" nodeType="tmRoot"/>
+      </p:par>
+    </p:tnLst>
+  </p:timing>
+</p:sld>
+</file>
+
+<file path=ppt/slides/slide21.xml><?xml version="1.0" encoding="utf-8"?>
+<p:sld xmlns:a="http://schemas.openxmlformats.org/drawingml/2006/main" xmlns:r="http://schemas.openxmlformats.org/officeDocument/2006/relationships" xmlns:p="http://schemas.openxmlformats.org/presentationml/2006/main" show="0">
+  <p:cSld>
+    <p:spTree>
+      <p:nvGrpSpPr>
+        <p:cNvPr id="1" name=""/>
+        <p:cNvGrpSpPr/>
+        <p:nvPr/>
+      </p:nvGrpSpPr>
+      <p:grpSpPr>
+        <a:xfrm>
+          <a:off x="0" y="0"/>
+          <a:ext cx="0" cy="0"/>
+          <a:chOff x="0" y="0"/>
+          <a:chExt cx="0" cy="0"/>
+        </a:xfrm>
+      </p:grpSpPr>
+      <p:sp>
+        <p:nvSpPr>
+          <p:cNvPr id="2" name="Title 1"/>
+          <p:cNvSpPr>
+            <a:spLocks noGrp="1"/>
+          </p:cNvSpPr>
+          <p:nvPr>
+            <p:ph type="title" idx="4294967295"/>
+          </p:nvPr>
+        </p:nvSpPr>
+        <p:spPr>
+          <a:xfrm>
+            <a:off x="801688" y="169863"/>
+            <a:ext cx="8342312" cy="785812"/>
+          </a:xfrm>
+        </p:spPr>
+        <p:txBody>
+          <a:bodyPr/>
+          <a:lstStyle/>
+          <a:p>
+            <a:r>
+              <a:rPr lang="en-US" dirty="0" smtClean="0"/>
+              <a:t>Use Cases</a:t>
+            </a:r>
+            <a:endParaRPr lang="en-US" dirty="0"/>
+          </a:p>
+        </p:txBody>
+      </p:sp>
+      <p:graphicFrame>
+        <p:nvGraphicFramePr>
+          <p:cNvPr id="6" name="Object 5"/>
+          <p:cNvGraphicFramePr>
+            <a:graphicFrameLocks noChangeAspect="1"/>
+          </p:cNvGraphicFramePr>
+          <p:nvPr>
+            <p:extLst/>
+          </p:nvPr>
+        </p:nvGraphicFramePr>
+        <p:xfrm>
+          <a:off x="924359" y="1492885"/>
+          <a:ext cx="7521104" cy="5100955"/>
+        </p:xfrm>
+        <a:graphic>
+          <a:graphicData uri="http://schemas.openxmlformats.org/presentationml/2006/ole">
+            <mc:AlternateContent xmlns:mc="http://schemas.openxmlformats.org/markup-compatibility/2006">
+              <mc:Choice xmlns:v="urn:schemas-microsoft-com:vml" Requires="v">
+                <p:oleObj spid="_x0000_s2067" name="Worksheet" r:id="rId4" imgW="6934205" imgH="4701456" progId="Excel.Sheet.12">
+                  <p:embed/>
+                </p:oleObj>
+              </mc:Choice>
+              <mc:Fallback>
+                <p:oleObj name="Worksheet" r:id="rId4" imgW="6934205" imgH="4701456" progId="Excel.Sheet.12">
+                  <p:embed/>
+                  <p:pic>
+                    <p:nvPicPr>
+                      <p:cNvPr id="0" name=""/>
+                      <p:cNvPicPr/>
+                      <p:nvPr/>
+                    </p:nvPicPr>
+                    <p:blipFill>
+                      <a:blip r:embed="rId5"/>
+                      <a:stretch>
+                        <a:fillRect/>
+                      </a:stretch>
+                    </p:blipFill>
+                    <p:spPr>
+                      <a:xfrm>
+                        <a:off x="924359" y="1492885"/>
+                        <a:ext cx="7521104" cy="5100955"/>
+                      </a:xfrm>
+                      <a:prstGeom prst="rect">
+                        <a:avLst/>
+                      </a:prstGeom>
+                    </p:spPr>
+                  </p:pic>
+                </p:oleObj>
+              </mc:Fallback>
+            </mc:AlternateContent>
+          </a:graphicData>
+        </a:graphic>
+      </p:graphicFrame>
+    </p:spTree>
+    <p:extLst>
+      <p:ext uri="{BB962C8B-B14F-4D97-AF65-F5344CB8AC3E}">
+        <p14:creationId xmlns:p14="http://schemas.microsoft.com/office/powerpoint/2010/main" val="3658781476"/>
+      </p:ext>
+    </p:extLst>
+  </p:cSld>
+  <p:clrMapOvr>
+    <a:masterClrMapping/>
+  </p:clrMapOvr>
+  <mc:AlternateContent xmlns:mc="http://schemas.openxmlformats.org/markup-compatibility/2006" xmlns:p14="http://schemas.microsoft.com/office/powerpoint/2010/main">
+    <mc:Choice Requires="p14">
+      <p:transition spd="slow" p14:dur="2000"/>
+    </mc:Choice>
+    <mc:Fallback xmlns="">
+      <p:transition spd="slow"/>
+    </mc:Fallback>
+  </mc:AlternateContent>
+  <p:timing>
+    <p:tnLst>
+      <p:par>
+        <p:cTn id="1" dur="indefinite" restart="never" nodeType="tmRoot"/>
+      </p:par>
+    </p:tnLst>
+  </p:timing>
+</p:sld>
+</file>
+
+<file path=ppt/slides/slide22.xml><?xml version="1.0" encoding="utf-8"?>
+<p:sld xmlns:a="http://schemas.openxmlformats.org/drawingml/2006/main" xmlns:r="http://schemas.openxmlformats.org/officeDocument/2006/relationships" xmlns:p="http://schemas.openxmlformats.org/presentationml/2006/main">
+  <p:cSld>
+    <p:spTree>
+      <p:nvGrpSpPr>
+        <p:cNvPr id="1" name=""/>
+        <p:cNvGrpSpPr/>
+        <p:nvPr/>
+      </p:nvGrpSpPr>
+      <p:grpSpPr>
+        <a:xfrm>
+          <a:off x="0" y="0"/>
+          <a:ext cx="0" cy="0"/>
+          <a:chOff x="0" y="0"/>
+          <a:chExt cx="0" cy="0"/>
+        </a:xfrm>
+      </p:grpSpPr>
+      <p:pic>
+        <p:nvPicPr>
+          <p:cNvPr id="5126" name="Picture 6" descr="D:\Documents and Settings\a.yanak\Local Settings\Temporary Internet Files\Content.IE5\0Q2REULY\MP900433179[1].jpg"/>
+          <p:cNvPicPr>
+            <a:picLocks noChangeAspect="1" noChangeArrowheads="1"/>
+          </p:cNvPicPr>
+          <p:nvPr/>
+        </p:nvPicPr>
+        <p:blipFill>
+          <a:blip r:embed="rId3" cstate="print"/>
+          <a:srcRect l="11138" r="4329" b="8658"/>
+          <a:stretch>
+            <a:fillRect/>
+          </a:stretch>
+        </p:blipFill>
+        <p:spPr bwMode="auto">
+          <a:xfrm>
+            <a:off x="8234570" y="72008"/>
+            <a:ext cx="765413" cy="620688"/>
+          </a:xfrm>
+          <a:prstGeom prst="rect">
+            <a:avLst/>
+          </a:prstGeom>
+          <a:noFill/>
+        </p:spPr>
+      </p:pic>
+      <p:sp>
+        <p:nvSpPr>
+          <p:cNvPr id="3" name="Content Placeholder 2"/>
+          <p:cNvSpPr>
+            <a:spLocks noGrp="1"/>
+          </p:cNvSpPr>
+          <p:nvPr>
+            <p:ph sz="quarter" idx="12"/>
+          </p:nvPr>
+        </p:nvSpPr>
+        <p:spPr/>
+        <p:txBody>
+          <a:bodyPr>
+            <a:normAutofit lnSpcReduction="10000"/>
+          </a:bodyPr>
+          <a:lstStyle/>
+          <a:p>
+            <a:r>
+              <a:rPr lang="en-US" dirty="0" smtClean="0"/>
+              <a:t>Dynamic languages are an important enabler of software delivery for the enterprise</a:t>
+            </a:r>
+          </a:p>
+          <a:p>
+            <a:pPr lvl="1"/>
+            <a:r>
+              <a:rPr lang="en-US" dirty="0" smtClean="0"/>
+              <a:t>Organizations depend </a:t>
+            </a:r>
+            <a:r>
+              <a:rPr lang="en-US" dirty="0"/>
+              <a:t>on </a:t>
+            </a:r>
+            <a:r>
+              <a:rPr lang="en-US" dirty="0" smtClean="0"/>
+              <a:t>dynamic languages</a:t>
+            </a:r>
+          </a:p>
+          <a:p>
+            <a:pPr lvl="1"/>
+            <a:r>
+              <a:rPr lang="en-US" dirty="0"/>
+              <a:t>Large companies use dynamic languages</a:t>
+            </a:r>
+            <a:endParaRPr lang="en-US" dirty="0" smtClean="0"/>
+          </a:p>
+          <a:p>
+            <a:pPr lvl="1"/>
+            <a:r>
+              <a:rPr lang="en-US" dirty="0" smtClean="0"/>
+              <a:t>High productivity, agile development, fast time-to-market</a:t>
+            </a:r>
+          </a:p>
+          <a:p>
+            <a:pPr lvl="1"/>
+            <a:r>
+              <a:rPr lang="en-US" dirty="0" smtClean="0"/>
+              <a:t>Reliability</a:t>
+            </a:r>
+          </a:p>
+          <a:p>
+            <a:pPr lvl="1"/>
+            <a:r>
+              <a:rPr lang="en-US" dirty="0" smtClean="0"/>
+              <a:t>Abundance </a:t>
+            </a:r>
+            <a:r>
+              <a:rPr lang="en-US" dirty="0"/>
+              <a:t>of </a:t>
+            </a:r>
+            <a:r>
+              <a:rPr lang="en-US" dirty="0" smtClean="0"/>
+              <a:t>libraries</a:t>
+            </a:r>
+          </a:p>
+          <a:p>
+            <a:pPr lvl="1"/>
+            <a:r>
+              <a:rPr lang="en-US" dirty="0" smtClean="0"/>
+              <a:t>Multi-platform</a:t>
+            </a:r>
+          </a:p>
+          <a:p>
+            <a:pPr lvl="1"/>
+            <a:r>
+              <a:rPr lang="en-US" dirty="0" smtClean="0"/>
+              <a:t>Mature </a:t>
+            </a:r>
+            <a:r>
+              <a:rPr lang="en-US" dirty="0"/>
+              <a:t>set of development tools </a:t>
+            </a:r>
+            <a:endParaRPr lang="en-US" dirty="0" smtClean="0"/>
+          </a:p>
+          <a:p>
+            <a:pPr lvl="1"/>
+            <a:r>
+              <a:rPr lang="en-US" dirty="0" smtClean="0"/>
+              <a:t>Strong </a:t>
+            </a:r>
+            <a:r>
+              <a:rPr lang="en-US" dirty="0"/>
+              <a:t>support </a:t>
+            </a:r>
+            <a:r>
+              <a:rPr lang="en-US" dirty="0" smtClean="0"/>
+              <a:t>ecosystem and </a:t>
+            </a:r>
+            <a:r>
+              <a:rPr lang="en-US" dirty="0"/>
+              <a:t>commercial vendor support</a:t>
+            </a:r>
+            <a:endParaRPr lang="en-US" dirty="0" smtClean="0"/>
+          </a:p>
+          <a:p>
+            <a:pPr lvl="1"/>
+            <a:r>
+              <a:rPr lang="en-US" dirty="0" smtClean="0"/>
+              <a:t>Performance ranges from acceptable to excellent</a:t>
+            </a:r>
+          </a:p>
+          <a:p>
+            <a:pPr lvl="1"/>
+            <a:r>
+              <a:rPr lang="en-US" dirty="0" smtClean="0"/>
+              <a:t>Dynamic language skilled resources are harder to find</a:t>
+            </a:r>
+            <a:r>
+              <a:rPr lang="en-US" dirty="0"/>
+              <a:t> </a:t>
+            </a:r>
+            <a:r>
+              <a:rPr lang="en-US" dirty="0" smtClean="0"/>
+              <a:t>-- but developers can be trained and welcome the opportunity</a:t>
+            </a:r>
+          </a:p>
+          <a:p>
+            <a:pPr lvl="1"/>
+            <a:endParaRPr lang="en-US" dirty="0" smtClean="0"/>
+          </a:p>
+        </p:txBody>
+      </p:sp>
+      <p:sp>
+        <p:nvSpPr>
+          <p:cNvPr id="2" name="Title 1"/>
+          <p:cNvSpPr>
+            <a:spLocks noGrp="1"/>
+          </p:cNvSpPr>
+          <p:nvPr>
+            <p:ph type="title"/>
+          </p:nvPr>
+        </p:nvSpPr>
+        <p:spPr/>
+        <p:txBody>
+          <a:bodyPr/>
+          <a:lstStyle/>
+          <a:p>
+            <a:r>
+              <a:rPr lang="en-US" dirty="0" smtClean="0"/>
+              <a:t>Fit for Enterprise</a:t>
+            </a:r>
+            <a:endParaRPr lang="en-US" dirty="0"/>
+          </a:p>
+        </p:txBody>
+      </p:sp>
+    </p:spTree>
+    <p:extLst>
+      <p:ext uri="{BB962C8B-B14F-4D97-AF65-F5344CB8AC3E}">
+        <p14:creationId xmlns:p14="http://schemas.microsoft.com/office/powerpoint/2010/main" val="1385153438"/>
+      </p:ext>
+    </p:extLst>
+  </p:cSld>
+  <p:clrMapOvr>
+    <a:masterClrMapping/>
+  </p:clrMapOvr>
+  <mc:AlternateContent xmlns:mc="http://schemas.openxmlformats.org/markup-compatibility/2006" xmlns:p14="http://schemas.microsoft.com/office/powerpoint/2010/main">
+    <mc:Choice Requires="p14">
+      <p:transition spd="slow" p14:dur="2000"/>
+    </mc:Choice>
+    <mc:Fallback xmlns="">
+      <p:transition spd="slow"/>
+    </mc:Fallback>
+  </mc:AlternateContent>
+  <p:timing>
+    <p:tnLst>
+      <p:par>
+        <p:cTn id="1" dur="indefinite" restart="never" nodeType="tmRoot"/>
+      </p:par>
+    </p:tnLst>
+  </p:timing>
+</p:sld>
+</file>
+
+<file path=ppt/slides/slide23.xml><?xml version="1.0" encoding="utf-8"?>
+<p:sld xmlns:a="http://schemas.openxmlformats.org/drawingml/2006/main" xmlns:r="http://schemas.openxmlformats.org/officeDocument/2006/relationships" xmlns:p="http://schemas.openxmlformats.org/presentationml/2006/main">
+  <p:cSld>
+    <p:spTree>
+      <p:nvGrpSpPr>
+        <p:cNvPr id="1" name=""/>
+        <p:cNvGrpSpPr/>
+        <p:nvPr/>
+      </p:nvGrpSpPr>
+      <p:grpSpPr>
+        <a:xfrm>
+          <a:off x="0" y="0"/>
+          <a:ext cx="0" cy="0"/>
+          <a:chOff x="0" y="0"/>
+          <a:chExt cx="0" cy="0"/>
+        </a:xfrm>
+      </p:grpSpPr>
+      <p:sp>
+        <p:nvSpPr>
+          <p:cNvPr id="3" name="Text Placeholder 2"/>
+          <p:cNvSpPr>
+            <a:spLocks noGrp="1"/>
+          </p:cNvSpPr>
+          <p:nvPr>
+            <p:ph sz="quarter" idx="12"/>
+          </p:nvPr>
+        </p:nvSpPr>
+        <p:spPr/>
+        <p:txBody>
+          <a:bodyPr>
+            <a:normAutofit/>
+          </a:bodyPr>
+          <a:lstStyle/>
+          <a:p>
+            <a:r>
+              <a:rPr lang="en-US" b="1" dirty="0"/>
+              <a:t>Augmenting Java</a:t>
+            </a:r>
+          </a:p>
+          <a:p>
+            <a:pPr lvl="1"/>
+            <a:r>
+              <a:rPr lang="en-US" dirty="0" smtClean="0"/>
+              <a:t>Significantly </a:t>
+            </a:r>
+            <a:r>
+              <a:rPr lang="en-US" dirty="0"/>
+              <a:t>faster development of web </a:t>
+            </a:r>
+            <a:r>
+              <a:rPr lang="en-US" dirty="0" smtClean="0"/>
+              <a:t>front-ends</a:t>
+            </a:r>
+            <a:endParaRPr lang="en-US" dirty="0"/>
+          </a:p>
+          <a:p>
+            <a:pPr lvl="1"/>
+            <a:r>
+              <a:rPr lang="en-US" dirty="0" smtClean="0"/>
+              <a:t>Development </a:t>
+            </a:r>
+            <a:r>
+              <a:rPr lang="en-US" dirty="0"/>
+              <a:t>of frameworks and complex </a:t>
+            </a:r>
+            <a:r>
+              <a:rPr lang="en-US" dirty="0" smtClean="0"/>
+              <a:t>logic</a:t>
+            </a:r>
+          </a:p>
+          <a:p>
+            <a:pPr lvl="1"/>
+            <a:r>
+              <a:rPr lang="en-US" dirty="0" smtClean="0"/>
+              <a:t>Continue leveraging </a:t>
+            </a:r>
+            <a:r>
+              <a:rPr lang="en-US" dirty="0"/>
+              <a:t>existing Java skills and </a:t>
+            </a:r>
+            <a:r>
+              <a:rPr lang="en-US" dirty="0" smtClean="0"/>
+              <a:t>tooling</a:t>
+            </a:r>
+            <a:endParaRPr lang="en-US" dirty="0"/>
+          </a:p>
+        </p:txBody>
+      </p:sp>
+      <p:sp>
+        <p:nvSpPr>
+          <p:cNvPr id="2" name="Title 1"/>
+          <p:cNvSpPr>
+            <a:spLocks noGrp="1"/>
+          </p:cNvSpPr>
+          <p:nvPr>
+            <p:ph type="title"/>
+          </p:nvPr>
+        </p:nvSpPr>
+        <p:spPr/>
+        <p:txBody>
+          <a:bodyPr/>
+          <a:lstStyle/>
+          <a:p>
+            <a:r>
+              <a:rPr lang="en-US" dirty="0" smtClean="0"/>
+              <a:t>Synergy with Other Technologies</a:t>
+            </a:r>
+          </a:p>
+        </p:txBody>
+      </p:sp>
+    </p:spTree>
+    <p:extLst>
+      <p:ext uri="{BB962C8B-B14F-4D97-AF65-F5344CB8AC3E}">
+        <p14:creationId xmlns:p14="http://schemas.microsoft.com/office/powerpoint/2010/main" val="1419664628"/>
+      </p:ext>
+    </p:extLst>
+  </p:cSld>
+  <p:clrMapOvr>
+    <a:masterClrMapping/>
+  </p:clrMapOvr>
+  <p:timing>
+    <p:tnLst>
+      <p:par>
+        <p:cTn id="1" dur="indefinite" restart="never" nodeType="tmRoot"/>
+      </p:par>
+    </p:tnLst>
+  </p:timing>
+</p:sld>
+</file>
+
+<file path=ppt/slides/slide24.xml><?xml version="1.0" encoding="utf-8"?>
+<p:sld xmlns:a="http://schemas.openxmlformats.org/drawingml/2006/main" xmlns:r="http://schemas.openxmlformats.org/officeDocument/2006/relationships" xmlns:p="http://schemas.openxmlformats.org/presentationml/2006/main">
+  <p:cSld>
+    <p:spTree>
+      <p:nvGrpSpPr>
+        <p:cNvPr id="1" name=""/>
+        <p:cNvGrpSpPr/>
+        <p:nvPr/>
+      </p:nvGrpSpPr>
+      <p:grpSpPr>
+        <a:xfrm>
+          <a:off x="0" y="0"/>
+          <a:ext cx="0" cy="0"/>
+          <a:chOff x="0" y="0"/>
+          <a:chExt cx="0" cy="0"/>
+        </a:xfrm>
+      </p:grpSpPr>
+      <p:sp>
+        <p:nvSpPr>
+          <p:cNvPr id="3" name="Text Placeholder 2"/>
+          <p:cNvSpPr>
+            <a:spLocks noGrp="1"/>
+          </p:cNvSpPr>
+          <p:nvPr>
+            <p:ph sz="quarter" idx="12"/>
+          </p:nvPr>
+        </p:nvSpPr>
+        <p:spPr/>
+        <p:txBody>
+          <a:bodyPr>
+            <a:normAutofit/>
+          </a:bodyPr>
+          <a:lstStyle/>
+          <a:p>
+            <a:r>
+              <a:rPr lang="en-US" b="1" dirty="0" smtClean="0"/>
+              <a:t>Agility for “New Web” applications</a:t>
+            </a:r>
+          </a:p>
+          <a:p>
+            <a:pPr lvl="1"/>
+            <a:r>
+              <a:rPr lang="en-US" dirty="0" smtClean="0"/>
+              <a:t>Applications </a:t>
+            </a:r>
+            <a:r>
+              <a:rPr lang="en-US" dirty="0"/>
+              <a:t>involving event-driven and highly responsive user </a:t>
+            </a:r>
+            <a:r>
+              <a:rPr lang="en-US" dirty="0" smtClean="0"/>
+              <a:t>interfaces</a:t>
+            </a:r>
+            <a:endParaRPr lang="en-US" dirty="0"/>
+          </a:p>
+          <a:p>
+            <a:pPr lvl="1"/>
+            <a:r>
+              <a:rPr lang="en-US" dirty="0"/>
+              <a:t>Gartner recommends </a:t>
+            </a:r>
+            <a:r>
+              <a:rPr lang="en-US" dirty="0" smtClean="0"/>
+              <a:t>dynamic </a:t>
+            </a:r>
+            <a:r>
+              <a:rPr lang="en-US" dirty="0"/>
+              <a:t>language </a:t>
+            </a:r>
+            <a:r>
+              <a:rPr lang="en-US" dirty="0" smtClean="0"/>
+              <a:t>frameworks, avoid </a:t>
+            </a:r>
+            <a:r>
+              <a:rPr lang="en-US" dirty="0"/>
+              <a:t>traditional </a:t>
+            </a:r>
+            <a:r>
+              <a:rPr lang="en-US" dirty="0" smtClean="0"/>
+              <a:t>MVC frameworks</a:t>
+            </a:r>
+            <a:endParaRPr lang="en-US" dirty="0"/>
+          </a:p>
+        </p:txBody>
+      </p:sp>
+      <p:sp>
+        <p:nvSpPr>
+          <p:cNvPr id="2" name="Title 1"/>
+          <p:cNvSpPr>
+            <a:spLocks noGrp="1"/>
+          </p:cNvSpPr>
+          <p:nvPr>
+            <p:ph type="title"/>
+          </p:nvPr>
+        </p:nvSpPr>
+        <p:spPr/>
+        <p:txBody>
+          <a:bodyPr/>
+          <a:lstStyle/>
+          <a:p>
+            <a:r>
+              <a:rPr lang="en-US" dirty="0" smtClean="0"/>
+              <a:t>Synergy with Other Technologies</a:t>
+            </a:r>
+          </a:p>
+        </p:txBody>
+      </p:sp>
+    </p:spTree>
+    <p:extLst>
+      <p:ext uri="{BB962C8B-B14F-4D97-AF65-F5344CB8AC3E}">
+        <p14:creationId xmlns:p14="http://schemas.microsoft.com/office/powerpoint/2010/main" val="1898898150"/>
+      </p:ext>
+    </p:extLst>
+  </p:cSld>
+  <p:clrMapOvr>
+    <a:masterClrMapping/>
+  </p:clrMapOvr>
+  <p:timing>
+    <p:tnLst>
+      <p:par>
+        <p:cTn id="1" dur="indefinite" restart="never" nodeType="tmRoot"/>
+      </p:par>
+    </p:tnLst>
+  </p:timing>
+</p:sld>
+</file>
+
+<file path=ppt/slides/slide25.xml><?xml version="1.0" encoding="utf-8"?>
+<p:sld xmlns:a="http://schemas.openxmlformats.org/drawingml/2006/main" xmlns:r="http://schemas.openxmlformats.org/officeDocument/2006/relationships" xmlns:p="http://schemas.openxmlformats.org/presentationml/2006/main">
+  <p:cSld>
+    <p:spTree>
+      <p:nvGrpSpPr>
+        <p:cNvPr id="1" name=""/>
+        <p:cNvGrpSpPr/>
+        <p:nvPr/>
+      </p:nvGrpSpPr>
+      <p:grpSpPr>
+        <a:xfrm>
+          <a:off x="0" y="0"/>
+          <a:ext cx="0" cy="0"/>
+          <a:chOff x="0" y="0"/>
+          <a:chExt cx="0" cy="0"/>
+        </a:xfrm>
+      </p:grpSpPr>
+      <p:sp>
+        <p:nvSpPr>
+          <p:cNvPr id="3" name="Text Placeholder 2"/>
+          <p:cNvSpPr>
+            <a:spLocks noGrp="1"/>
+          </p:cNvSpPr>
+          <p:nvPr>
+            <p:ph sz="quarter" idx="12"/>
+          </p:nvPr>
+        </p:nvSpPr>
+        <p:spPr/>
+        <p:txBody>
+          <a:bodyPr>
+            <a:normAutofit/>
+          </a:bodyPr>
+          <a:lstStyle/>
+          <a:p>
+            <a:r>
+              <a:rPr lang="en-US" b="1" dirty="0" smtClean="0"/>
+              <a:t>Agility </a:t>
+            </a:r>
+            <a:r>
+              <a:rPr lang="en-US" b="1" dirty="0"/>
+              <a:t>for mobile development</a:t>
+            </a:r>
+          </a:p>
+          <a:p>
+            <a:pPr lvl="1"/>
+            <a:r>
+              <a:rPr lang="en-US" dirty="0" smtClean="0"/>
+              <a:t>Develop </a:t>
+            </a:r>
+            <a:r>
+              <a:rPr lang="en-US" dirty="0"/>
+              <a:t>mobile web sites and </a:t>
+            </a:r>
+            <a:r>
+              <a:rPr lang="en-US" dirty="0" err="1"/>
+              <a:t>RESTful</a:t>
+            </a:r>
+            <a:r>
+              <a:rPr lang="en-US" dirty="0"/>
+              <a:t> APIs</a:t>
+            </a:r>
+          </a:p>
+          <a:p>
+            <a:pPr lvl="1"/>
+            <a:r>
+              <a:rPr lang="en-US" dirty="0"/>
+              <a:t>JavaScript / </a:t>
+            </a:r>
+            <a:r>
+              <a:rPr lang="en-US" dirty="0" smtClean="0"/>
+              <a:t>HTML5 write-once-deploy-many, usability approaching that of native</a:t>
+            </a:r>
+            <a:endParaRPr lang="en-US" dirty="0"/>
+          </a:p>
+        </p:txBody>
+      </p:sp>
+      <p:sp>
+        <p:nvSpPr>
+          <p:cNvPr id="2" name="Title 1"/>
+          <p:cNvSpPr>
+            <a:spLocks noGrp="1"/>
+          </p:cNvSpPr>
+          <p:nvPr>
+            <p:ph type="title"/>
+          </p:nvPr>
+        </p:nvSpPr>
+        <p:spPr/>
+        <p:txBody>
+          <a:bodyPr/>
+          <a:lstStyle/>
+          <a:p>
+            <a:r>
+              <a:rPr lang="en-US" dirty="0" smtClean="0"/>
+              <a:t>Synergy with Other Technologies</a:t>
+            </a:r>
+          </a:p>
+        </p:txBody>
+      </p:sp>
+    </p:spTree>
+    <p:extLst>
+      <p:ext uri="{BB962C8B-B14F-4D97-AF65-F5344CB8AC3E}">
+        <p14:creationId xmlns:p14="http://schemas.microsoft.com/office/powerpoint/2010/main" val="2580891107"/>
+      </p:ext>
+    </p:extLst>
+  </p:cSld>
+  <p:clrMapOvr>
+    <a:masterClrMapping/>
+  </p:clrMapOvr>
+  <p:timing>
+    <p:tnLst>
+      <p:par>
+        <p:cTn id="1" dur="indefinite" restart="never" nodeType="tmRoot"/>
+      </p:par>
+    </p:tnLst>
+  </p:timing>
+</p:sld>
+</file>
+
+<file path=ppt/slides/slide26.xml><?xml version="1.0" encoding="utf-8"?>
+<p:sld xmlns:a="http://schemas.openxmlformats.org/drawingml/2006/main" xmlns:r="http://schemas.openxmlformats.org/officeDocument/2006/relationships" xmlns:p="http://schemas.openxmlformats.org/presentationml/2006/main">
+  <p:cSld>
+    <p:spTree>
+      <p:nvGrpSpPr>
+        <p:cNvPr id="1" name=""/>
+        <p:cNvGrpSpPr/>
+        <p:nvPr/>
+      </p:nvGrpSpPr>
+      <p:grpSpPr>
+        <a:xfrm>
+          <a:off x="0" y="0"/>
+          <a:ext cx="0" cy="0"/>
+          <a:chOff x="0" y="0"/>
+          <a:chExt cx="0" cy="0"/>
+        </a:xfrm>
+      </p:grpSpPr>
+      <p:sp>
+        <p:nvSpPr>
+          <p:cNvPr id="3" name="Text Placeholder 2"/>
+          <p:cNvSpPr>
+            <a:spLocks noGrp="1"/>
+          </p:cNvSpPr>
+          <p:nvPr>
+            <p:ph sz="quarter" idx="12"/>
+          </p:nvPr>
+        </p:nvSpPr>
+        <p:spPr/>
+        <p:txBody>
+          <a:bodyPr>
+            <a:normAutofit/>
+          </a:bodyPr>
+          <a:lstStyle/>
+          <a:p>
+            <a:r>
+              <a:rPr lang="en-US" b="1" dirty="0" smtClean="0"/>
+              <a:t>Synergy </a:t>
+            </a:r>
+            <a:r>
+              <a:rPr lang="en-US" b="1" dirty="0"/>
+              <a:t>with </a:t>
+            </a:r>
+            <a:r>
+              <a:rPr lang="en-US" b="1" dirty="0" err="1"/>
+              <a:t>PaaS</a:t>
+            </a:r>
+            <a:r>
+              <a:rPr lang="en-US" b="1" dirty="0"/>
+              <a:t> technology</a:t>
+            </a:r>
+          </a:p>
+          <a:p>
+            <a:pPr lvl="1"/>
+            <a:r>
+              <a:rPr lang="en-US" dirty="0" smtClean="0"/>
+              <a:t>Streamlined </a:t>
+            </a:r>
+            <a:r>
+              <a:rPr lang="en-US" dirty="0" err="1" smtClean="0"/>
+              <a:t>PaaS</a:t>
+            </a:r>
+            <a:r>
+              <a:rPr lang="en-US" dirty="0" smtClean="0"/>
+              <a:t> support, </a:t>
+            </a:r>
+            <a:r>
+              <a:rPr lang="en-US" dirty="0"/>
+              <a:t>further accelerating end-to-end solution </a:t>
+            </a:r>
+            <a:r>
+              <a:rPr lang="en-US" dirty="0" smtClean="0"/>
+              <a:t>delivery</a:t>
+            </a:r>
+            <a:endParaRPr lang="en-US" dirty="0"/>
+          </a:p>
+        </p:txBody>
+      </p:sp>
+      <p:sp>
+        <p:nvSpPr>
+          <p:cNvPr id="2" name="Title 1"/>
+          <p:cNvSpPr>
+            <a:spLocks noGrp="1"/>
+          </p:cNvSpPr>
+          <p:nvPr>
+            <p:ph type="title"/>
+          </p:nvPr>
+        </p:nvSpPr>
+        <p:spPr/>
+        <p:txBody>
+          <a:bodyPr/>
+          <a:lstStyle/>
+          <a:p>
+            <a:r>
+              <a:rPr lang="en-US" dirty="0" smtClean="0"/>
+              <a:t>Synergy with Other Technologies</a:t>
+            </a:r>
+          </a:p>
+        </p:txBody>
+      </p:sp>
+    </p:spTree>
+    <p:extLst>
+      <p:ext uri="{BB962C8B-B14F-4D97-AF65-F5344CB8AC3E}">
+        <p14:creationId xmlns:p14="http://schemas.microsoft.com/office/powerpoint/2010/main" val="2205694643"/>
+      </p:ext>
+    </p:extLst>
+  </p:cSld>
+  <p:clrMapOvr>
+    <a:masterClrMapping/>
+  </p:clrMapOvr>
+  <p:timing>
+    <p:tnLst>
+      <p:par>
+        <p:cTn id="1" dur="indefinite" restart="never" nodeType="tmRoot"/>
+      </p:par>
+    </p:tnLst>
+  </p:timing>
+</p:sld>
+</file>
+
+<file path=ppt/slides/slide27.xml><?xml version="1.0" encoding="utf-8"?>
+<p:sld xmlns:a="http://schemas.openxmlformats.org/drawingml/2006/main" xmlns:r="http://schemas.openxmlformats.org/officeDocument/2006/relationships" xmlns:p="http://schemas.openxmlformats.org/presentationml/2006/main">
+  <p:cSld>
+    <p:spTree>
+      <p:nvGrpSpPr>
+        <p:cNvPr id="1" name=""/>
+        <p:cNvGrpSpPr/>
+        <p:nvPr/>
+      </p:nvGrpSpPr>
+      <p:grpSpPr>
+        <a:xfrm>
+          <a:off x="0" y="0"/>
+          <a:ext cx="0" cy="0"/>
+          <a:chOff x="0" y="0"/>
+          <a:chExt cx="0" cy="0"/>
+        </a:xfrm>
+      </p:grpSpPr>
+      <p:sp>
+        <p:nvSpPr>
+          <p:cNvPr id="3" name="Text Placeholder 2"/>
+          <p:cNvSpPr>
+            <a:spLocks noGrp="1"/>
+          </p:cNvSpPr>
+          <p:nvPr>
+            <p:ph sz="quarter" idx="12"/>
+          </p:nvPr>
+        </p:nvSpPr>
+        <p:spPr/>
+        <p:txBody>
+          <a:bodyPr>
+            <a:normAutofit/>
+          </a:bodyPr>
+          <a:lstStyle/>
+          <a:p>
+            <a:r>
+              <a:rPr lang="en-US" b="1" dirty="0" smtClean="0"/>
+              <a:t>Development </a:t>
+            </a:r>
+            <a:r>
+              <a:rPr lang="en-US" b="1" dirty="0"/>
+              <a:t>architecture with </a:t>
+            </a:r>
+            <a:r>
+              <a:rPr lang="en-US" b="1" dirty="0" err="1"/>
+              <a:t>SaaS</a:t>
+            </a:r>
+            <a:r>
+              <a:rPr lang="en-US" b="1" dirty="0"/>
+              <a:t> technology</a:t>
+            </a:r>
+          </a:p>
+          <a:p>
+            <a:pPr lvl="1"/>
+            <a:r>
+              <a:rPr lang="en-US" dirty="0" smtClean="0"/>
+              <a:t>Accelerate </a:t>
+            </a:r>
+            <a:r>
+              <a:rPr lang="en-US" dirty="0"/>
+              <a:t>the establishment of critical development architecture tools and processes</a:t>
+            </a:r>
+            <a:endParaRPr lang="en-US" b="1" dirty="0"/>
+          </a:p>
+        </p:txBody>
+      </p:sp>
+      <p:sp>
+        <p:nvSpPr>
+          <p:cNvPr id="2" name="Title 1"/>
+          <p:cNvSpPr>
+            <a:spLocks noGrp="1"/>
+          </p:cNvSpPr>
+          <p:nvPr>
+            <p:ph type="title"/>
+          </p:nvPr>
+        </p:nvSpPr>
+        <p:spPr/>
+        <p:txBody>
+          <a:bodyPr/>
+          <a:lstStyle/>
+          <a:p>
+            <a:r>
+              <a:rPr lang="en-US" dirty="0" smtClean="0"/>
+              <a:t>Synergy with Other Technologies</a:t>
+            </a:r>
+          </a:p>
+        </p:txBody>
+      </p:sp>
+    </p:spTree>
+    <p:extLst>
+      <p:ext uri="{BB962C8B-B14F-4D97-AF65-F5344CB8AC3E}">
+        <p14:creationId xmlns:p14="http://schemas.microsoft.com/office/powerpoint/2010/main" val="2404590035"/>
+      </p:ext>
+    </p:extLst>
+  </p:cSld>
+  <p:clrMapOvr>
+    <a:masterClrMapping/>
+  </p:clrMapOvr>
+  <p:timing>
+    <p:tnLst>
+      <p:par>
+        <p:cTn id="1" dur="indefinite" restart="never" nodeType="tmRoot"/>
+      </p:par>
+    </p:tnLst>
+  </p:timing>
+</p:sld>
+</file>
+
+<file path=ppt/slides/slide28.xml><?xml version="1.0" encoding="utf-8"?>
+<p:sld xmlns:a="http://schemas.openxmlformats.org/drawingml/2006/main" xmlns:r="http://schemas.openxmlformats.org/officeDocument/2006/relationships" xmlns:p="http://schemas.openxmlformats.org/presentationml/2006/main">
+  <p:cSld>
+    <p:spTree>
+      <p:nvGrpSpPr>
+        <p:cNvPr id="1" name=""/>
+        <p:cNvGrpSpPr/>
+        <p:nvPr/>
+      </p:nvGrpSpPr>
+      <p:grpSpPr>
+        <a:xfrm>
+          <a:off x="0" y="0"/>
+          <a:ext cx="0" cy="0"/>
+          <a:chOff x="0" y="0"/>
+          <a:chExt cx="0" cy="0"/>
+        </a:xfrm>
+      </p:grpSpPr>
+      <p:sp>
+        <p:nvSpPr>
+          <p:cNvPr id="3" name="Content Placeholder 2"/>
+          <p:cNvSpPr>
+            <a:spLocks noGrp="1"/>
+          </p:cNvSpPr>
+          <p:nvPr>
+            <p:ph sz="quarter" idx="12"/>
+          </p:nvPr>
+        </p:nvSpPr>
+        <p:spPr/>
+        <p:txBody>
+          <a:bodyPr>
+            <a:normAutofit/>
+          </a:bodyPr>
+          <a:lstStyle/>
+          <a:p>
+            <a:r>
+              <a:rPr lang="en-US" dirty="0" smtClean="0"/>
+              <a:t>Performance and Scalability</a:t>
+            </a:r>
+          </a:p>
+          <a:p>
+            <a:pPr lvl="1"/>
+            <a:r>
+              <a:rPr lang="en-US" dirty="0" smtClean="0"/>
+              <a:t>Dynamic language performance can’t be ignored, but it is typically not an issue</a:t>
+            </a:r>
+          </a:p>
+          <a:p>
+            <a:pPr lvl="1"/>
+            <a:r>
+              <a:rPr lang="en-US" dirty="0" smtClean="0"/>
+              <a:t>Dynamic language applications proven to scale up to very high transaction volumes</a:t>
+            </a:r>
+          </a:p>
+        </p:txBody>
+      </p:sp>
+      <p:sp>
+        <p:nvSpPr>
+          <p:cNvPr id="2" name="Title 1"/>
+          <p:cNvSpPr>
+            <a:spLocks noGrp="1"/>
+          </p:cNvSpPr>
+          <p:nvPr>
+            <p:ph type="title"/>
+          </p:nvPr>
+        </p:nvSpPr>
+        <p:spPr/>
+        <p:txBody>
+          <a:bodyPr/>
+          <a:lstStyle/>
+          <a:p>
+            <a:r>
+              <a:rPr lang="en-US" dirty="0" smtClean="0"/>
+              <a:t>Challenges and Concerns – Performance </a:t>
+            </a:r>
+            <a:endParaRPr lang="en-US" dirty="0"/>
+          </a:p>
+        </p:txBody>
+      </p:sp>
+    </p:spTree>
+    <p:extLst>
+      <p:ext uri="{BB962C8B-B14F-4D97-AF65-F5344CB8AC3E}">
+        <p14:creationId xmlns:p14="http://schemas.microsoft.com/office/powerpoint/2010/main" val="2673713228"/>
+      </p:ext>
+    </p:extLst>
+  </p:cSld>
+  <p:clrMapOvr>
+    <a:masterClrMapping/>
+  </p:clrMapOvr>
+  <p:timing>
+    <p:tnLst>
+      <p:par>
+        <p:cTn id="1" dur="indefinite" restart="never" nodeType="tmRoot"/>
+      </p:par>
+    </p:tnLst>
+  </p:timing>
+</p:sld>
+</file>
+
+<file path=ppt/slides/slide29.xml><?xml version="1.0" encoding="utf-8"?>
+<p:sld xmlns:a="http://schemas.openxmlformats.org/drawingml/2006/main" xmlns:r="http://schemas.openxmlformats.org/officeDocument/2006/relationships" xmlns:p="http://schemas.openxmlformats.org/presentationml/2006/main">
+  <p:cSld>
+    <p:spTree>
+      <p:nvGrpSpPr>
+        <p:cNvPr id="1" name=""/>
+        <p:cNvGrpSpPr/>
+        <p:nvPr/>
+      </p:nvGrpSpPr>
+      <p:grpSpPr>
+        <a:xfrm>
+          <a:off x="0" y="0"/>
+          <a:ext cx="0" cy="0"/>
+          <a:chOff x="0" y="0"/>
+          <a:chExt cx="0" cy="0"/>
+        </a:xfrm>
+      </p:grpSpPr>
+      <p:sp>
+        <p:nvSpPr>
+          <p:cNvPr id="3" name="Content Placeholder 2"/>
+          <p:cNvSpPr>
+            <a:spLocks noGrp="1"/>
+          </p:cNvSpPr>
+          <p:nvPr>
+            <p:ph sz="quarter" idx="12"/>
+          </p:nvPr>
+        </p:nvSpPr>
+        <p:spPr/>
+        <p:txBody>
+          <a:bodyPr>
+            <a:normAutofit/>
+          </a:bodyPr>
+          <a:lstStyle/>
+          <a:p>
+            <a:r>
+              <a:rPr lang="en-US" dirty="0" smtClean="0"/>
+              <a:t>Skills and Team Size</a:t>
+            </a:r>
+          </a:p>
+          <a:p>
+            <a:pPr lvl="1"/>
+            <a:r>
+              <a:rPr lang="en-US" dirty="0" smtClean="0"/>
+              <a:t>Skills availability can be a challenge -- fewer developers than with Java</a:t>
+            </a:r>
+          </a:p>
+          <a:p>
+            <a:pPr lvl="1"/>
+            <a:r>
+              <a:rPr lang="en-US" dirty="0" smtClean="0"/>
+              <a:t>Our </a:t>
+            </a:r>
+            <a:r>
+              <a:rPr lang="en-US" dirty="0"/>
+              <a:t>experience </a:t>
+            </a:r>
+            <a:r>
+              <a:rPr lang="en-US" dirty="0" smtClean="0"/>
+              <a:t>shows Java </a:t>
+            </a:r>
+            <a:r>
+              <a:rPr lang="en-US" dirty="0"/>
+              <a:t>developers </a:t>
+            </a:r>
+            <a:r>
+              <a:rPr lang="en-US" dirty="0" smtClean="0"/>
+              <a:t>can be rapidly trained to a </a:t>
+            </a:r>
+            <a:r>
+              <a:rPr lang="en-US" dirty="0"/>
+              <a:t>moderate level of proficiency in dynamic </a:t>
+            </a:r>
+            <a:r>
+              <a:rPr lang="en-US" dirty="0" smtClean="0"/>
+              <a:t>languages</a:t>
+            </a:r>
+            <a:endParaRPr lang="en-US" dirty="0"/>
+          </a:p>
+          <a:p>
+            <a:pPr lvl="1"/>
+            <a:r>
+              <a:rPr lang="en-US" dirty="0" smtClean="0"/>
+              <a:t>Scaling to very large applications with large teams is unproven for some dynamic languages</a:t>
+            </a:r>
+          </a:p>
+        </p:txBody>
+      </p:sp>
+      <p:sp>
+        <p:nvSpPr>
+          <p:cNvPr id="2" name="Title 1"/>
+          <p:cNvSpPr>
+            <a:spLocks noGrp="1"/>
+          </p:cNvSpPr>
+          <p:nvPr>
+            <p:ph type="title"/>
+          </p:nvPr>
+        </p:nvSpPr>
+        <p:spPr/>
+        <p:txBody>
+          <a:bodyPr/>
+          <a:lstStyle/>
+          <a:p>
+            <a:r>
+              <a:rPr lang="en-US" dirty="0" smtClean="0"/>
+              <a:t>Challenges and Concerns – Skills </a:t>
+            </a:r>
+            <a:endParaRPr lang="en-US" dirty="0"/>
+          </a:p>
+        </p:txBody>
+      </p:sp>
+    </p:spTree>
+    <p:extLst>
+      <p:ext uri="{BB962C8B-B14F-4D97-AF65-F5344CB8AC3E}">
+        <p14:creationId xmlns:p14="http://schemas.microsoft.com/office/powerpoint/2010/main" val="2091147001"/>
       </p:ext>
     </p:extLst>
   </p:cSld>
@@ -6139,6 +13506,239 @@
   <p:clrMapOvr>
     <a:masterClrMapping/>
   </p:clrMapOvr>
+  <p:timing>
+    <p:tnLst>
+      <p:par>
+        <p:cTn id="1" dur="indefinite" restart="never" nodeType="tmRoot"/>
+      </p:par>
+    </p:tnLst>
+  </p:timing>
+</p:sld>
+</file>
+
+<file path=ppt/slides/slide30.xml><?xml version="1.0" encoding="utf-8"?>
+<p:sld xmlns:a="http://schemas.openxmlformats.org/drawingml/2006/main" xmlns:r="http://schemas.openxmlformats.org/officeDocument/2006/relationships" xmlns:p="http://schemas.openxmlformats.org/presentationml/2006/main">
+  <p:cSld>
+    <p:spTree>
+      <p:nvGrpSpPr>
+        <p:cNvPr id="1" name=""/>
+        <p:cNvGrpSpPr/>
+        <p:nvPr/>
+      </p:nvGrpSpPr>
+      <p:grpSpPr>
+        <a:xfrm>
+          <a:off x="0" y="0"/>
+          <a:ext cx="0" cy="0"/>
+          <a:chOff x="0" y="0"/>
+          <a:chExt cx="0" cy="0"/>
+        </a:xfrm>
+      </p:grpSpPr>
+      <p:sp>
+        <p:nvSpPr>
+          <p:cNvPr id="3" name="Content Placeholder 2"/>
+          <p:cNvSpPr>
+            <a:spLocks noGrp="1"/>
+          </p:cNvSpPr>
+          <p:nvPr>
+            <p:ph sz="quarter" idx="12"/>
+          </p:nvPr>
+        </p:nvSpPr>
+        <p:spPr/>
+        <p:txBody>
+          <a:bodyPr>
+            <a:normAutofit/>
+          </a:bodyPr>
+          <a:lstStyle/>
+          <a:p>
+            <a:r>
+              <a:rPr lang="en-US" dirty="0" smtClean="0"/>
+              <a:t>Adoption can be politically difficult due to prior investments</a:t>
+            </a:r>
+          </a:p>
+          <a:p>
+            <a:pPr lvl="1"/>
+            <a:r>
+              <a:rPr lang="en-US" dirty="0" smtClean="0"/>
+              <a:t>Corporate IT departments reluctant to introduce additional languages</a:t>
+            </a:r>
+          </a:p>
+          <a:p>
+            <a:pPr lvl="1"/>
+            <a:r>
+              <a:rPr lang="en-US" dirty="0" smtClean="0"/>
+              <a:t>Compatibility with existing corporate practices, standards, and tools can be a challenge</a:t>
+            </a:r>
+          </a:p>
+          <a:p>
+            <a:pPr lvl="1"/>
+            <a:r>
+              <a:rPr lang="en-US" dirty="0" smtClean="0"/>
+              <a:t>In a Java shop, the introduction of JVM dynamic languages can be relatively smooth -- existing investments can be leveraged</a:t>
+            </a:r>
+          </a:p>
+          <a:p>
+            <a:pPr lvl="1"/>
+            <a:r>
+              <a:rPr lang="en-US" dirty="0" smtClean="0"/>
+              <a:t>Complexity associated with introducing another required skill may be overrated</a:t>
+            </a:r>
+          </a:p>
+          <a:p>
+            <a:endParaRPr lang="en-US" dirty="0" smtClean="0"/>
+          </a:p>
+        </p:txBody>
+      </p:sp>
+      <p:sp>
+        <p:nvSpPr>
+          <p:cNvPr id="2" name="Title 1"/>
+          <p:cNvSpPr>
+            <a:spLocks noGrp="1"/>
+          </p:cNvSpPr>
+          <p:nvPr>
+            <p:ph type="title"/>
+          </p:nvPr>
+        </p:nvSpPr>
+        <p:spPr/>
+        <p:txBody>
+          <a:bodyPr/>
+          <a:lstStyle/>
+          <a:p>
+            <a:r>
+              <a:rPr lang="en-US" dirty="0" smtClean="0"/>
+              <a:t>Challenges and Concerns – Adoption</a:t>
+            </a:r>
+            <a:endParaRPr lang="en-US" dirty="0"/>
+          </a:p>
+        </p:txBody>
+      </p:sp>
+    </p:spTree>
+    <p:extLst>
+      <p:ext uri="{BB962C8B-B14F-4D97-AF65-F5344CB8AC3E}">
+        <p14:creationId xmlns:p14="http://schemas.microsoft.com/office/powerpoint/2010/main" val="888718414"/>
+      </p:ext>
+    </p:extLst>
+  </p:cSld>
+  <p:clrMapOvr>
+    <a:masterClrMapping/>
+  </p:clrMapOvr>
+  <p:timing>
+    <p:tnLst>
+      <p:par>
+        <p:cTn id="1" dur="indefinite" restart="never" nodeType="tmRoot"/>
+      </p:par>
+    </p:tnLst>
+  </p:timing>
+</p:sld>
+</file>
+
+<file path=ppt/slides/slide31.xml><?xml version="1.0" encoding="utf-8"?>
+<p:sld xmlns:a="http://schemas.openxmlformats.org/drawingml/2006/main" xmlns:r="http://schemas.openxmlformats.org/officeDocument/2006/relationships" xmlns:p="http://schemas.openxmlformats.org/presentationml/2006/main">
+  <p:cSld>
+    <p:spTree>
+      <p:nvGrpSpPr>
+        <p:cNvPr id="1" name=""/>
+        <p:cNvGrpSpPr/>
+        <p:nvPr/>
+      </p:nvGrpSpPr>
+      <p:grpSpPr>
+        <a:xfrm>
+          <a:off x="0" y="0"/>
+          <a:ext cx="0" cy="0"/>
+          <a:chOff x="0" y="0"/>
+          <a:chExt cx="0" cy="0"/>
+        </a:xfrm>
+      </p:grpSpPr>
+      <p:sp>
+        <p:nvSpPr>
+          <p:cNvPr id="3" name="Content Placeholder 2"/>
+          <p:cNvSpPr>
+            <a:spLocks noGrp="1"/>
+          </p:cNvSpPr>
+          <p:nvPr>
+            <p:ph sz="quarter" idx="12"/>
+          </p:nvPr>
+        </p:nvSpPr>
+        <p:spPr/>
+        <p:txBody>
+          <a:bodyPr/>
+          <a:lstStyle/>
+          <a:p>
+            <a:r>
+              <a:rPr lang="en-CA" dirty="0" smtClean="0"/>
+              <a:t>We care when we need to…</a:t>
+            </a:r>
+          </a:p>
+          <a:p>
+            <a:pPr lvl="1"/>
+            <a:r>
+              <a:rPr lang="en-CA" dirty="0" smtClean="0"/>
+              <a:t>Compress timelines</a:t>
+            </a:r>
+          </a:p>
+          <a:p>
+            <a:pPr lvl="1"/>
+            <a:r>
+              <a:rPr lang="en-CA" dirty="0" smtClean="0"/>
+              <a:t>Be more flexible</a:t>
+            </a:r>
+          </a:p>
+          <a:p>
+            <a:pPr lvl="1"/>
+            <a:r>
+              <a:rPr lang="en-CA" dirty="0" smtClean="0"/>
+              <a:t>Increase creativity</a:t>
+            </a:r>
+          </a:p>
+          <a:p>
+            <a:pPr lvl="1"/>
+            <a:r>
+              <a:rPr lang="en-CA" dirty="0" smtClean="0"/>
+              <a:t>Mitigate risk</a:t>
+            </a:r>
+          </a:p>
+        </p:txBody>
+      </p:sp>
+      <p:sp>
+        <p:nvSpPr>
+          <p:cNvPr id="2" name="Title 1"/>
+          <p:cNvSpPr>
+            <a:spLocks noGrp="1"/>
+          </p:cNvSpPr>
+          <p:nvPr>
+            <p:ph type="title"/>
+          </p:nvPr>
+        </p:nvSpPr>
+        <p:spPr/>
+        <p:txBody>
+          <a:bodyPr/>
+          <a:lstStyle/>
+          <a:p>
+            <a:r>
+              <a:rPr lang="en-US" dirty="0" smtClean="0"/>
+              <a:t>Take-away:  Why We Should Care About Dynamic Languages</a:t>
+            </a:r>
+            <a:endParaRPr lang="en-US" dirty="0"/>
+          </a:p>
+        </p:txBody>
+      </p:sp>
+    </p:spTree>
+    <p:extLst>
+      <p:ext uri="{BB962C8B-B14F-4D97-AF65-F5344CB8AC3E}">
+        <p14:creationId xmlns:p14="http://schemas.microsoft.com/office/powerpoint/2010/main" val="3438825014"/>
+      </p:ext>
+    </p:extLst>
+  </p:cSld>
+  <p:clrMapOvr>
+    <a:masterClrMapping/>
+  </p:clrMapOvr>
+  <mc:AlternateContent xmlns:mc="http://schemas.openxmlformats.org/markup-compatibility/2006" xmlns:p14="http://schemas.microsoft.com/office/powerpoint/2010/main">
+    <mc:Choice Requires="p14">
+      <p:transition spd="slow" p14:dur="2000"/>
+    </mc:Choice>
+    <mc:Fallback xmlns="">
+      <p:transition spd="slow"/>
+    </mc:Fallback>
+  </mc:AlternateContent>
   <p:timing>
     <p:tnLst>
       <p:par>
@@ -9373,13 +16973,8 @@
             <a:pPr lvl="2"/>
             <a:r>
               <a:rPr lang="en-US" dirty="0" smtClean="0"/>
-              <a:t>See also Rails below</a:t>
-            </a:r>
-            <a:r>
-              <a:rPr lang="en-US" dirty="0" smtClean="0"/>
-              <a:t>.</a:t>
-            </a:r>
-            <a:endParaRPr lang="en-US" dirty="0" smtClean="0"/>
+              <a:t>See also Rails below.</a:t>
+            </a:r>
           </a:p>
         </p:txBody>
       </p:sp>
@@ -9494,7 +17089,7 @@
       </p:grpSpPr>
       <p:sp>
         <p:nvSpPr>
-          <p:cNvPr id="2" name="Content Placeholder 1"/>
+          <p:cNvPr id="3" name="Content Placeholder 2"/>
           <p:cNvSpPr>
             <a:spLocks noGrp="1"/>
           </p:cNvSpPr>
@@ -9502,22 +17097,176 @@
             <p:ph sz="quarter" idx="12"/>
           </p:nvPr>
         </p:nvSpPr>
-        <p:spPr/>
+        <p:spPr>
+          <a:prstGeom prst="rect">
+            <a:avLst/>
+          </a:prstGeom>
+        </p:spPr>
         <p:txBody>
-          <a:bodyPr/>
+          <a:bodyPr>
+            <a:normAutofit fontScale="92500" lnSpcReduction="10000"/>
+          </a:bodyPr>
           <a:lstStyle/>
           <a:p>
-            <a:r>
-              <a:rPr lang="es-ES_tradnl" dirty="0" smtClean="0"/>
-              <a:t>TODO</a:t>
-            </a:r>
-            <a:endParaRPr lang="en-US" dirty="0"/>
+            <a:pPr lvl="1"/>
+            <a:r>
+              <a:rPr lang="en-US" dirty="0"/>
+              <a:t>Overview</a:t>
+            </a:r>
+          </a:p>
+          <a:p>
+            <a:pPr lvl="2"/>
+            <a:r>
+              <a:rPr lang="en-US" dirty="0" smtClean="0"/>
+              <a:t>One of the most </a:t>
+            </a:r>
+            <a:r>
+              <a:rPr lang="en-CA" dirty="0" smtClean="0"/>
+              <a:t>productive web application frameworks available.  </a:t>
+            </a:r>
+            <a:r>
+              <a:rPr lang="en-US" dirty="0" smtClean="0"/>
+              <a:t>In our experience, Rails development can be better than twice as fast and twice as cheap as equivalent Java development.</a:t>
+            </a:r>
+            <a:endParaRPr lang="en-CA" dirty="0" smtClean="0"/>
+          </a:p>
+          <a:p>
+            <a:pPr lvl="2"/>
+            <a:r>
+              <a:rPr lang="en-US" dirty="0" smtClean="0"/>
+              <a:t>Rails was the “killer application” for Ruby.  Ruby’s popularity exploded after Rails was introduced in 2004.</a:t>
+            </a:r>
+          </a:p>
+          <a:p>
+            <a:pPr lvl="2"/>
+            <a:r>
+              <a:rPr lang="en-US" dirty="0" smtClean="0"/>
+              <a:t>Provides standard application structure and code generation to jump-start development</a:t>
+            </a:r>
+          </a:p>
+          <a:p>
+            <a:pPr lvl="2"/>
+            <a:r>
+              <a:rPr lang="en-US" dirty="0" smtClean="0"/>
+              <a:t>Extensive set of Rails libraries, leveraging Ruby libraries, support enterprise use</a:t>
+            </a:r>
+          </a:p>
+          <a:p>
+            <a:pPr lvl="2"/>
+            <a:r>
+              <a:rPr lang="en-US" dirty="0" smtClean="0"/>
+              <a:t>There is a mature set of development tools available for Rails, covering the entire software development lifecycle.</a:t>
+            </a:r>
+          </a:p>
+          <a:p>
+            <a:pPr lvl="2"/>
+            <a:r>
+              <a:rPr lang="en-US" dirty="0" smtClean="0"/>
+              <a:t>Lots of good books and training available</a:t>
+            </a:r>
+          </a:p>
+          <a:p>
+            <a:pPr lvl="2"/>
+            <a:r>
+              <a:rPr lang="en-US" dirty="0" smtClean="0"/>
+              <a:t>We can train Java developers into junior Rails developers in 2-3 weeks</a:t>
+            </a:r>
+          </a:p>
+          <a:p>
+            <a:pPr lvl="2"/>
+            <a:r>
+              <a:rPr lang="en-US" dirty="0" smtClean="0"/>
+              <a:t>There is an active ecosystem of people and companies who contribute to the development of libraries and tools, and can also provide professional support.</a:t>
+            </a:r>
+          </a:p>
+          <a:p>
+            <a:pPr lvl="1"/>
+            <a:r>
+              <a:rPr lang="en-US" dirty="0" smtClean="0"/>
+              <a:t>Usage</a:t>
+            </a:r>
+          </a:p>
+          <a:p>
+            <a:pPr lvl="2"/>
+            <a:r>
+              <a:rPr lang="en-US" dirty="0" smtClean="0"/>
+              <a:t>There are businesses </a:t>
+            </a:r>
+            <a:r>
+              <a:rPr lang="en-US" dirty="0"/>
+              <a:t>whose </a:t>
+            </a:r>
+            <a:r>
+              <a:rPr lang="en-US" dirty="0" smtClean="0"/>
+              <a:t>core, mission-critical </a:t>
+            </a:r>
+            <a:r>
+              <a:rPr lang="en-US" dirty="0"/>
+              <a:t>applications depend on </a:t>
+            </a:r>
+            <a:r>
+              <a:rPr lang="en-US" dirty="0" smtClean="0"/>
+              <a:t>Rails</a:t>
+            </a:r>
+          </a:p>
+          <a:p>
+            <a:pPr lvl="3"/>
+            <a:r>
+              <a:rPr lang="en-US" dirty="0"/>
+              <a:t>GOV.UK, </a:t>
+            </a:r>
+            <a:r>
+              <a:rPr lang="en-US" dirty="0" err="1"/>
+              <a:t>GitHub</a:t>
+            </a:r>
+            <a:r>
+              <a:rPr lang="en-US" dirty="0" smtClean="0"/>
+              <a:t>, Twitter, </a:t>
+            </a:r>
+            <a:r>
+              <a:rPr lang="en-US" dirty="0" err="1" smtClean="0"/>
+              <a:t>Hulu</a:t>
+            </a:r>
+            <a:r>
+              <a:rPr lang="en-US" dirty="0" smtClean="0"/>
+              <a:t>, Yellow Pages, </a:t>
+            </a:r>
+            <a:r>
+              <a:rPr lang="en-US" dirty="0" err="1" smtClean="0"/>
+              <a:t>Groupon</a:t>
+            </a:r>
+            <a:r>
+              <a:rPr lang="en-US" dirty="0" smtClean="0"/>
+              <a:t>, 37 Signals</a:t>
+            </a:r>
+            <a:r>
+              <a:rPr lang="en-US" dirty="0"/>
+              <a:t>, </a:t>
+            </a:r>
+            <a:r>
+              <a:rPr lang="en-US" dirty="0" smtClean="0"/>
+              <a:t>others</a:t>
+            </a:r>
+          </a:p>
+          <a:p>
+            <a:pPr lvl="2"/>
+            <a:r>
+              <a:rPr lang="en-US" dirty="0" smtClean="0"/>
+              <a:t>Used by large organizations for small-medium applications</a:t>
+            </a:r>
+          </a:p>
+          <a:p>
+            <a:pPr lvl="3"/>
+            <a:r>
+              <a:rPr lang="en-US" dirty="0" smtClean="0"/>
+              <a:t>AT&amp;T, ESPN, others</a:t>
+            </a:r>
           </a:p>
         </p:txBody>
       </p:sp>
       <p:sp>
         <p:nvSpPr>
-          <p:cNvPr id="3" name="Title 2"/>
+          <p:cNvPr id="2" name="Title 1"/>
           <p:cNvSpPr>
             <a:spLocks noGrp="1"/>
           </p:cNvSpPr>
@@ -9530,20 +17279,416 @@
           <a:bodyPr/>
           <a:lstStyle/>
           <a:p>
-            <a:endParaRPr lang="en-US"/>
+            <a:r>
+              <a:rPr lang="en-US" dirty="0" smtClean="0"/>
+              <a:t>Rails</a:t>
+            </a:r>
+            <a:endParaRPr lang="en-US" dirty="0"/>
           </a:p>
         </p:txBody>
       </p:sp>
+      <p:pic>
+        <p:nvPicPr>
+          <p:cNvPr id="6" name="Picture 2"/>
+          <p:cNvPicPr>
+            <a:picLocks noChangeAspect="1" noChangeArrowheads="1"/>
+          </p:cNvPicPr>
+          <p:nvPr/>
+        </p:nvPicPr>
+        <p:blipFill>
+          <a:blip r:embed="rId3">
+            <a:extLst>
+              <a:ext uri="{28A0092B-C50C-407E-A947-70E740481C1C}">
+                <a14:useLocalDpi xmlns:a14="http://schemas.microsoft.com/office/drawing/2010/main" val="0"/>
+              </a:ext>
+            </a:extLst>
+          </a:blip>
+          <a:srcRect/>
+          <a:stretch>
+            <a:fillRect/>
+          </a:stretch>
+        </p:blipFill>
+        <p:spPr bwMode="auto">
+          <a:xfrm>
+            <a:off x="8431584" y="311170"/>
+            <a:ext cx="507947" cy="648071"/>
+          </a:xfrm>
+          <a:prstGeom prst="rect">
+            <a:avLst/>
+          </a:prstGeom>
+          <a:noFill/>
+          <a:ln>
+            <a:noFill/>
+          </a:ln>
+          <a:effectLst/>
+          <a:extLst>
+            <a:ext uri="{909E8E84-426E-40DD-AFC4-6F175D3DCCD1}">
+              <a14:hiddenFill xmlns:a14="http://schemas.microsoft.com/office/drawing/2010/main">
+                <a:solidFill>
+                  <a:schemeClr val="accent1"/>
+                </a:solidFill>
+              </a14:hiddenFill>
+            </a:ext>
+            <a:ext uri="{91240B29-F687-4F45-9708-019B960494DF}">
+              <a14:hiddenLine xmlns:a14="http://schemas.microsoft.com/office/drawing/2010/main" w="9525">
+                <a:solidFill>
+                  <a:schemeClr val="tx1"/>
+                </a:solidFill>
+                <a:miter lim="800000"/>
+                <a:headEnd/>
+                <a:tailEnd/>
+              </a14:hiddenLine>
+            </a:ext>
+            <a:ext uri="{AF507438-7753-43E0-B8FC-AC1667EBCBE1}">
+              <a14:hiddenEffects xmlns:a14="http://schemas.microsoft.com/office/drawing/2010/main">
+                <a:effectLst>
+                  <a:outerShdw dist="35921" dir="2700000" algn="ctr" rotWithShape="0">
+                    <a:schemeClr val="bg2"/>
+                  </a:outerShdw>
+                </a:effectLst>
+              </a14:hiddenEffects>
+            </a:ext>
+          </a:extLst>
+        </p:spPr>
+      </p:pic>
     </p:spTree>
     <p:extLst>
       <p:ext uri="{BB962C8B-B14F-4D97-AF65-F5344CB8AC3E}">
-        <p14:creationId xmlns:p14="http://schemas.microsoft.com/office/powerpoint/2010/main" val="978353901"/>
+        <p14:creationId xmlns:p14="http://schemas.microsoft.com/office/powerpoint/2010/main" val="2269656151"/>
       </p:ext>
     </p:extLst>
   </p:cSld>
   <p:clrMapOvr>
     <a:masterClrMapping/>
   </p:clrMapOvr>
+  <mc:AlternateContent xmlns:mc="http://schemas.openxmlformats.org/markup-compatibility/2006" xmlns:p14="http://schemas.microsoft.com/office/powerpoint/2010/main">
+    <mc:Choice Requires="p14">
+      <p:transition spd="slow" p14:dur="2000"/>
+    </mc:Choice>
+    <mc:Fallback xmlns="">
+      <p:transition spd="slow"/>
+    </mc:Fallback>
+  </mc:AlternateContent>
+  <p:timing>
+    <p:tnLst>
+      <p:par>
+        <p:cTn id="1" dur="indefinite" restart="never" nodeType="tmRoot"/>
+      </p:par>
+    </p:tnLst>
+  </p:timing>
+</p:sld>
+</file>
+
+<file path=ppt/slides/slide9.xml><?xml version="1.0" encoding="utf-8"?>
+<p:sld xmlns:a="http://schemas.openxmlformats.org/drawingml/2006/main" xmlns:r="http://schemas.openxmlformats.org/officeDocument/2006/relationships" xmlns:p="http://schemas.openxmlformats.org/presentationml/2006/main">
+  <p:cSld>
+    <p:spTree>
+      <p:nvGrpSpPr>
+        <p:cNvPr id="1" name=""/>
+        <p:cNvGrpSpPr/>
+        <p:nvPr/>
+      </p:nvGrpSpPr>
+      <p:grpSpPr>
+        <a:xfrm>
+          <a:off x="0" y="0"/>
+          <a:ext cx="0" cy="0"/>
+          <a:chOff x="0" y="0"/>
+          <a:chExt cx="0" cy="0"/>
+        </a:xfrm>
+      </p:grpSpPr>
+      <p:sp>
+        <p:nvSpPr>
+          <p:cNvPr id="3" name="Content Placeholder 2"/>
+          <p:cNvSpPr>
+            <a:spLocks noGrp="1"/>
+          </p:cNvSpPr>
+          <p:nvPr>
+            <p:ph sz="quarter" idx="12"/>
+          </p:nvPr>
+        </p:nvSpPr>
+        <p:spPr>
+          <a:prstGeom prst="rect">
+            <a:avLst/>
+          </a:prstGeom>
+        </p:spPr>
+        <p:txBody>
+          <a:bodyPr>
+            <a:normAutofit fontScale="85000" lnSpcReduction="20000"/>
+          </a:bodyPr>
+          <a:lstStyle/>
+          <a:p>
+            <a:pPr lvl="1"/>
+            <a:r>
+              <a:rPr lang="en-US" dirty="0"/>
+              <a:t>Overview</a:t>
+            </a:r>
+            <a:endParaRPr lang="en-CA" dirty="0" smtClean="0"/>
+          </a:p>
+          <a:p>
+            <a:pPr lvl="2"/>
+            <a:r>
+              <a:rPr lang="en-CA" dirty="0" smtClean="0"/>
+              <a:t>Mature, arguably the most widely-used web development language</a:t>
+            </a:r>
+          </a:p>
+          <a:p>
+            <a:pPr lvl="2"/>
+            <a:r>
+              <a:rPr lang="en-CA" dirty="0" smtClean="0"/>
+              <a:t>Oriented towards web application development, not as well-suited for other use cases</a:t>
+            </a:r>
+          </a:p>
+          <a:p>
+            <a:pPr lvl="2"/>
+            <a:r>
+              <a:rPr lang="en-US" dirty="0" smtClean="0"/>
+              <a:t>Ubiquitous ISP support</a:t>
+            </a:r>
+          </a:p>
+          <a:p>
+            <a:pPr lvl="3"/>
+            <a:r>
+              <a:rPr lang="en-US" dirty="0" smtClean="0"/>
+              <a:t>Shared-nothing architecture greatly facilitates multi-tenant deployment</a:t>
+            </a:r>
+          </a:p>
+          <a:p>
+            <a:pPr lvl="3"/>
+            <a:r>
+              <a:rPr lang="en-US" dirty="0" smtClean="0"/>
+              <a:t>But can make resource pooling, session management, and performance engineering more challenging</a:t>
+            </a:r>
+          </a:p>
+          <a:p>
+            <a:pPr lvl="2"/>
+            <a:r>
+              <a:rPr lang="en-CA" dirty="0" smtClean="0"/>
+              <a:t>PHP 5.x is a powerful, fully object-oriented language</a:t>
+            </a:r>
+            <a:endParaRPr lang="en-US" dirty="0" smtClean="0"/>
+          </a:p>
+          <a:p>
+            <a:pPr lvl="2"/>
+            <a:r>
+              <a:rPr lang="en-US" dirty="0" smtClean="0"/>
+              <a:t>Vast library: if you need to do something, it probably already exist, e.g. the PEAR repository</a:t>
+            </a:r>
+          </a:p>
+          <a:p>
+            <a:pPr lvl="2"/>
+            <a:r>
+              <a:rPr lang="en-US" dirty="0" smtClean="0"/>
+              <a:t>Short learning curve to reach intermediate skill level</a:t>
+            </a:r>
+          </a:p>
+          <a:p>
+            <a:pPr lvl="2"/>
+            <a:r>
+              <a:rPr lang="en-US" dirty="0" smtClean="0"/>
+              <a:t>Still very popular but not as powerful or as clean as the other major dynamic languages</a:t>
+            </a:r>
+          </a:p>
+          <a:p>
+            <a:pPr lvl="2"/>
+            <a:r>
+              <a:rPr lang="en-US" dirty="0"/>
+              <a:t>Open-source but also has strong commercial backing (</a:t>
+            </a:r>
+            <a:r>
+              <a:rPr lang="en-US" dirty="0" err="1"/>
+              <a:t>Zend</a:t>
+            </a:r>
+            <a:r>
+              <a:rPr lang="en-US" dirty="0"/>
+              <a:t>)</a:t>
+            </a:r>
+          </a:p>
+          <a:p>
+            <a:pPr lvl="2"/>
+            <a:r>
+              <a:rPr lang="en-US" dirty="0" smtClean="0"/>
+              <a:t>Drupal, a popular, very powerful, and easy-to-use web content management software, is written in PHP</a:t>
+            </a:r>
+          </a:p>
+          <a:p>
+            <a:pPr lvl="2"/>
+            <a:r>
+              <a:rPr lang="pt-BR" dirty="0" smtClean="0"/>
+              <a:t>While recognizing the importance </a:t>
+            </a:r>
+            <a:r>
+              <a:rPr lang="pt-BR" dirty="0" err="1" smtClean="0"/>
+              <a:t>of</a:t>
+            </a:r>
+            <a:r>
+              <a:rPr lang="pt-BR" dirty="0" smtClean="0"/>
+              <a:t> </a:t>
+            </a:r>
+            <a:r>
+              <a:rPr lang="pt-BR" dirty="0" err="1" smtClean="0"/>
+              <a:t>Drupal</a:t>
+            </a:r>
+            <a:r>
+              <a:rPr lang="pt-BR" dirty="0" smtClean="0"/>
+              <a:t> </a:t>
+            </a:r>
+            <a:r>
+              <a:rPr lang="pt-BR" dirty="0" err="1" smtClean="0"/>
+              <a:t>or</a:t>
+            </a:r>
+            <a:r>
+              <a:rPr lang="pt-BR" dirty="0" smtClean="0"/>
+              <a:t> </a:t>
+            </a:r>
+            <a:r>
+              <a:rPr lang="pt-BR" dirty="0" err="1" smtClean="0"/>
+              <a:t>Wordpress</a:t>
+            </a:r>
+            <a:r>
+              <a:rPr lang="pt-BR" dirty="0" smtClean="0"/>
+              <a:t> for enterprise clients, we don’t advocate the use of PHP in isolation</a:t>
+            </a:r>
+            <a:endParaRPr lang="en-US" dirty="0" smtClean="0"/>
+          </a:p>
+          <a:p>
+            <a:pPr lvl="1"/>
+            <a:r>
+              <a:rPr lang="en-US" dirty="0" smtClean="0"/>
+              <a:t>Usage</a:t>
+            </a:r>
+          </a:p>
+          <a:p>
+            <a:pPr lvl="2"/>
+            <a:r>
+              <a:rPr lang="en-US" dirty="0" smtClean="0"/>
+              <a:t>Flickr, Friendster, Yahoo, </a:t>
+            </a:r>
+            <a:r>
+              <a:rPr lang="en-US" dirty="0" err="1" smtClean="0"/>
+              <a:t>FaceBook</a:t>
+            </a:r>
+            <a:r>
+              <a:rPr lang="en-US" dirty="0" smtClean="0"/>
+              <a:t>, Wikipedia, </a:t>
+            </a:r>
+            <a:r>
+              <a:rPr lang="en-US" dirty="0" err="1" smtClean="0"/>
+              <a:t>Digg</a:t>
+            </a:r>
+            <a:r>
+              <a:rPr lang="en-US" dirty="0" smtClean="0"/>
+              <a:t>, and thousands of other sites on the Internet</a:t>
+            </a:r>
+          </a:p>
+          <a:p>
+            <a:pPr lvl="2"/>
+            <a:r>
+              <a:rPr lang="en-US" dirty="0" smtClean="0"/>
+              <a:t>Major Accenture client has adopted PHP as a standard technology for presentation layer development of web applications</a:t>
+            </a:r>
+          </a:p>
+          <a:p>
+            <a:pPr lvl="2"/>
+            <a:r>
+              <a:rPr lang="en-US" dirty="0" smtClean="0"/>
+              <a:t>A number of large Accenture clients use Drupal</a:t>
+            </a:r>
+          </a:p>
+          <a:p>
+            <a:pPr lvl="2"/>
+            <a:endParaRPr lang="en-US" dirty="0" smtClean="0"/>
+          </a:p>
+        </p:txBody>
+      </p:sp>
+      <p:sp>
+        <p:nvSpPr>
+          <p:cNvPr id="2" name="Title 1"/>
+          <p:cNvSpPr>
+            <a:spLocks noGrp="1"/>
+          </p:cNvSpPr>
+          <p:nvPr>
+            <p:ph type="title"/>
+          </p:nvPr>
+        </p:nvSpPr>
+        <p:spPr/>
+        <p:txBody>
+          <a:bodyPr/>
+          <a:lstStyle/>
+          <a:p>
+            <a:r>
+              <a:rPr lang="en-US" dirty="0" smtClean="0"/>
+              <a:t>PHP</a:t>
+            </a:r>
+            <a:endParaRPr lang="en-US" dirty="0"/>
+          </a:p>
+        </p:txBody>
+      </p:sp>
+      <p:pic>
+        <p:nvPicPr>
+          <p:cNvPr id="2050" name="Picture 2" descr="C:\Users\duston.r.mounts\Documents\Accenture\1. Projects\1 - Current Projects\Architecture Innovation\Application Development\Heroku\Webinar\Need To Know\LanguageLogos\LanguageLogos\php.gif"/>
+          <p:cNvPicPr>
+            <a:picLocks noChangeAspect="1" noChangeArrowheads="1"/>
+          </p:cNvPicPr>
+          <p:nvPr/>
+        </p:nvPicPr>
+        <p:blipFill>
+          <a:blip r:embed="rId3">
+            <a:extLst>
+              <a:ext uri="{28A0092B-C50C-407E-A947-70E740481C1C}">
+                <a14:useLocalDpi xmlns:a14="http://schemas.microsoft.com/office/drawing/2010/main" val="0"/>
+              </a:ext>
+            </a:extLst>
+          </a:blip>
+          <a:srcRect/>
+          <a:stretch>
+            <a:fillRect/>
+          </a:stretch>
+        </p:blipFill>
+        <p:spPr bwMode="auto">
+          <a:xfrm>
+            <a:off x="8028384" y="116632"/>
+            <a:ext cx="918882" cy="513042"/>
+          </a:xfrm>
+          <a:prstGeom prst="rect">
+            <a:avLst/>
+          </a:prstGeom>
+          <a:noFill/>
+          <a:extLst>
+            <a:ext uri="{909E8E84-426E-40DD-AFC4-6F175D3DCCD1}">
+              <a14:hiddenFill xmlns:a14="http://schemas.microsoft.com/office/drawing/2010/main">
+                <a:solidFill>
+                  <a:srgbClr val="FFFFFF"/>
+                </a:solidFill>
+              </a14:hiddenFill>
+            </a:ext>
+          </a:extLst>
+        </p:spPr>
+      </p:pic>
+    </p:spTree>
+    <p:extLst>
+      <p:ext uri="{BB962C8B-B14F-4D97-AF65-F5344CB8AC3E}">
+        <p14:creationId xmlns:p14="http://schemas.microsoft.com/office/powerpoint/2010/main" val="4169460491"/>
+      </p:ext>
+    </p:extLst>
+  </p:cSld>
+  <p:clrMapOvr>
+    <a:masterClrMapping/>
+  </p:clrMapOvr>
+  <mc:AlternateContent xmlns:mc="http://schemas.openxmlformats.org/markup-compatibility/2006" xmlns:p14="http://schemas.microsoft.com/office/powerpoint/2010/main">
+    <mc:Choice Requires="p14">
+      <p:transition spd="slow" p14:dur="2000"/>
+    </mc:Choice>
+    <mc:Fallback xmlns="">
+      <p:transition spd="slow"/>
+    </mc:Fallback>
+  </mc:AlternateContent>
+  <p:timing>
+    <p:tnLst>
+      <p:par>
+        <p:cTn id="1" dur="indefinite" restart="never" nodeType="tmRoot"/>
+      </p:par>
+    </p:tnLst>
+  </p:timing>
 </p:sld>
 </file>
 
